--- a/Defcon_ReconVillage_Core OSINT - Reporting All the Things_v1.pptx
+++ b/Defcon_ReconVillage_Core OSINT - Reporting All the Things_v1.pptx
@@ -5,7 +5,7 @@
     <p:sldMasterId id="2147483672" r:id="rId1"/>
   </p:sldMasterIdLst>
   <p:notesMasterIdLst>
-    <p:notesMasterId r:id="rId63"/>
+    <p:notesMasterId r:id="rId65"/>
   </p:notesMasterIdLst>
   <p:sldIdLst>
     <p:sldId id="256" r:id="rId2"/>
@@ -42,33 +42,35 @@
     <p:sldId id="558" r:id="rId33"/>
     <p:sldId id="557" r:id="rId34"/>
     <p:sldId id="563" r:id="rId35"/>
-    <p:sldId id="559" r:id="rId36"/>
-    <p:sldId id="560" r:id="rId37"/>
-    <p:sldId id="562" r:id="rId38"/>
-    <p:sldId id="572" r:id="rId39"/>
-    <p:sldId id="573" r:id="rId40"/>
-    <p:sldId id="576" r:id="rId41"/>
-    <p:sldId id="582" r:id="rId42"/>
-    <p:sldId id="583" r:id="rId43"/>
-    <p:sldId id="584" r:id="rId44"/>
-    <p:sldId id="585" r:id="rId45"/>
-    <p:sldId id="586" r:id="rId46"/>
-    <p:sldId id="587" r:id="rId47"/>
-    <p:sldId id="588" r:id="rId48"/>
-    <p:sldId id="589" r:id="rId49"/>
-    <p:sldId id="590" r:id="rId50"/>
-    <p:sldId id="591" r:id="rId51"/>
-    <p:sldId id="592" r:id="rId52"/>
-    <p:sldId id="593" r:id="rId53"/>
-    <p:sldId id="594" r:id="rId54"/>
-    <p:sldId id="595" r:id="rId55"/>
-    <p:sldId id="596" r:id="rId56"/>
-    <p:sldId id="597" r:id="rId57"/>
-    <p:sldId id="598" r:id="rId58"/>
-    <p:sldId id="599" r:id="rId59"/>
-    <p:sldId id="600" r:id="rId60"/>
-    <p:sldId id="601" r:id="rId61"/>
-    <p:sldId id="603" r:id="rId62"/>
+    <p:sldId id="604" r:id="rId36"/>
+    <p:sldId id="605" r:id="rId37"/>
+    <p:sldId id="559" r:id="rId38"/>
+    <p:sldId id="560" r:id="rId39"/>
+    <p:sldId id="562" r:id="rId40"/>
+    <p:sldId id="572" r:id="rId41"/>
+    <p:sldId id="573" r:id="rId42"/>
+    <p:sldId id="576" r:id="rId43"/>
+    <p:sldId id="582" r:id="rId44"/>
+    <p:sldId id="583" r:id="rId45"/>
+    <p:sldId id="584" r:id="rId46"/>
+    <p:sldId id="585" r:id="rId47"/>
+    <p:sldId id="586" r:id="rId48"/>
+    <p:sldId id="587" r:id="rId49"/>
+    <p:sldId id="588" r:id="rId50"/>
+    <p:sldId id="589" r:id="rId51"/>
+    <p:sldId id="590" r:id="rId52"/>
+    <p:sldId id="591" r:id="rId53"/>
+    <p:sldId id="592" r:id="rId54"/>
+    <p:sldId id="593" r:id="rId55"/>
+    <p:sldId id="594" r:id="rId56"/>
+    <p:sldId id="595" r:id="rId57"/>
+    <p:sldId id="596" r:id="rId58"/>
+    <p:sldId id="597" r:id="rId59"/>
+    <p:sldId id="598" r:id="rId60"/>
+    <p:sldId id="599" r:id="rId61"/>
+    <p:sldId id="600" r:id="rId62"/>
+    <p:sldId id="601" r:id="rId63"/>
+    <p:sldId id="603" r:id="rId64"/>
   </p:sldIdLst>
   <p:sldSz cx="12192000" cy="6858000"/>
   <p:notesSz cx="6858000" cy="9144000"/>
@@ -218,6 +220,8 @@
             <p14:sldId id="558"/>
             <p14:sldId id="557"/>
             <p14:sldId id="563"/>
+            <p14:sldId id="604"/>
+            <p14:sldId id="605"/>
             <p14:sldId id="559"/>
             <p14:sldId id="560"/>
             <p14:sldId id="562"/>
@@ -1023,13 +1027,13 @@
               <c:idx val="1"/>
               <c:layout>
                 <c:manualLayout>
-                  <c:x val="0.1534844528774795"/>
-                  <c:y val="-0.14211447750879966"/>
+                  <c:x val="0.16127863936123793"/>
+                  <c:y val="-0.21719387988858024"/>
                 </c:manualLayout>
               </c:layout>
               <c:spPr>
                 <a:xfrm>
-                  <a:off x="8397063" y="2523375"/>
+                  <a:off x="8485963" y="2167775"/>
                   <a:ext cx="2157974" cy="1539844"/>
                 </a:xfrm>
                 <a:solidFill>
@@ -1083,8 +1087,8 @@
                   <c15:spPr xmlns:c15="http://schemas.microsoft.com/office/drawing/2012/chart">
                     <a:prstGeom prst="wedgeRectCallout">
                       <a:avLst>
-                        <a:gd name="adj1" fmla="val -114299"/>
-                        <a:gd name="adj2" fmla="val 7905"/>
+                        <a:gd name="adj1" fmla="val -142929"/>
+                        <a:gd name="adj2" fmla="val 27164"/>
                       </a:avLst>
                     </a:prstGeom>
                     <a:noFill/>
@@ -1108,13 +1112,13 @@
               <c:idx val="2"/>
               <c:layout>
                 <c:manualLayout>
-                  <c:x val="-5.1384292233071248E-2"/>
-                  <c:y val="0.13537992267834989"/>
+                  <c:x val="-3.1342098417692477E-2"/>
+                  <c:y val="-2.2823103764759087E-2"/>
                 </c:manualLayout>
               </c:layout>
               <c:spPr>
                 <a:xfrm>
-                  <a:off x="163964" y="2675774"/>
+                  <a:off x="392564" y="1926474"/>
                   <a:ext cx="2918134" cy="1539844"/>
                 </a:xfrm>
                 <a:solidFill>
@@ -1168,8 +1172,8 @@
                   <c15:spPr xmlns:c15="http://schemas.microsoft.com/office/drawing/2012/chart">
                     <a:prstGeom prst="wedgeRectCallout">
                       <a:avLst>
-                        <a:gd name="adj1" fmla="val 85558"/>
-                        <a:gd name="adj2" fmla="val -43096"/>
+                        <a:gd name="adj1" fmla="val 82170"/>
+                        <a:gd name="adj2" fmla="val -6182"/>
                       </a:avLst>
                     </a:prstGeom>
                     <a:noFill/>
@@ -2632,7 +2636,7 @@
           <a:p>
             <a:fld id="{106007C3-92C2-4238-B4A8-EBCE00E28322}" type="datetimeFigureOut">
               <a:rPr lang="en-US" smtClean="0"/>
-              <a:t>2018-08-10</a:t>
+              <a:t>2018-08-11</a:t>
             </a:fld>
             <a:endParaRPr lang="en-US" dirty="0"/>
           </a:p>
@@ -9223,8 +9227,8 @@
         </p:blipFill>
         <p:spPr>
           <a:xfrm>
-            <a:off x="1096000" y="751731"/>
-            <a:ext cx="10000000" cy="2857143"/>
+            <a:off x="404020" y="405742"/>
+            <a:ext cx="11554497" cy="3301285"/>
           </a:xfrm>
           <a:prstGeom prst="rect">
             <a:avLst/>
@@ -9344,8 +9348,8 @@
         </p:blipFill>
         <p:spPr>
           <a:xfrm>
-            <a:off x="1612646" y="376599"/>
-            <a:ext cx="8966707" cy="5410031"/>
+            <a:off x="1206079" y="191247"/>
+            <a:ext cx="9779842" cy="5900633"/>
           </a:xfrm>
           <a:prstGeom prst="rect">
             <a:avLst/>
@@ -9466,8 +9470,8 @@
         </p:blipFill>
         <p:spPr>
           <a:xfrm>
-            <a:off x="1655485" y="416041"/>
-            <a:ext cx="8881029" cy="5468906"/>
+            <a:off x="1109764" y="62079"/>
+            <a:ext cx="9972472" cy="6141013"/>
           </a:xfrm>
           <a:prstGeom prst="rect">
             <a:avLst/>
@@ -10764,37 +10768,6 @@
       </p:sp>
       <p:sp>
         <p:nvSpPr>
-          <p:cNvPr id="5" name="TextBox 4"/>
-          <p:cNvSpPr txBox="1"/>
-          <p:nvPr/>
-        </p:nvSpPr>
-        <p:spPr>
-          <a:xfrm>
-            <a:off x="388881" y="201685"/>
-            <a:ext cx="11445765" cy="1569660"/>
-          </a:xfrm>
-          <a:prstGeom prst="rect">
-            <a:avLst/>
-          </a:prstGeom>
-          <a:noFill/>
-        </p:spPr>
-        <p:txBody>
-          <a:bodyPr wrap="square" rtlCol="0">
-            <a:spAutoFit/>
-          </a:bodyPr>
-          <a:lstStyle/>
-          <a:p>
-            <a:r>
-              <a:rPr lang="en-US" sz="9600" dirty="0">
-                <a:latin typeface="Georgia" panose="02040502050405020303" pitchFamily="18" charset="0"/>
-              </a:rPr>
-              <a:t>So where are we?</a:t>
-            </a:r>
-          </a:p>
-        </p:txBody>
-      </p:sp>
-      <p:sp>
-        <p:nvSpPr>
           <p:cNvPr id="3" name="Footer Placeholder 2">
             <a:extLst>
               <a:ext uri="{FF2B5EF4-FFF2-40B4-BE49-F238E27FC236}">
@@ -10822,99 +10795,44 @@
           </a:p>
         </p:txBody>
       </p:sp>
-      <p:sp>
-        <p:nvSpPr>
-          <p:cNvPr id="6" name="TextBox 5">
+      <p:pic>
+        <p:nvPicPr>
+          <p:cNvPr id="4" name="Picture 3">
             <a:extLst>
               <a:ext uri="{FF2B5EF4-FFF2-40B4-BE49-F238E27FC236}">
-                <a16:creationId xmlns:a16="http://schemas.microsoft.com/office/drawing/2014/main" id="{3F52FFA7-8EF9-4883-831F-825D0A853AFB}"/>
+                <a16:creationId xmlns:a16="http://schemas.microsoft.com/office/drawing/2014/main" id="{F54A2395-7F66-4BEE-843D-A038F7BEA525}"/>
               </a:ext>
             </a:extLst>
           </p:cNvPr>
-          <p:cNvSpPr txBox="1"/>
+          <p:cNvPicPr>
+            <a:picLocks noChangeAspect="1"/>
+          </p:cNvPicPr>
           <p:nvPr/>
-        </p:nvSpPr>
-        <p:spPr>
-          <a:xfrm>
-            <a:off x="388881" y="1732086"/>
-            <a:ext cx="11445765" cy="4247317"/>
+        </p:nvPicPr>
+        <p:blipFill rotWithShape="1">
+          <a:blip r:embed="rId2"/>
+          <a:srcRect r="64082"/>
+          <a:stretch/>
+        </p:blipFill>
+        <p:spPr>
+          <a:xfrm>
+            <a:off x="1165549" y="267200"/>
+            <a:ext cx="8915175" cy="4281323"/>
           </a:xfrm>
           <a:prstGeom prst="rect">
             <a:avLst/>
           </a:prstGeom>
-          <a:noFill/>
-        </p:spPr>
-        <p:txBody>
-          <a:bodyPr wrap="square" rtlCol="0">
-            <a:spAutoFit/>
-          </a:bodyPr>
-          <a:lstStyle/>
-          <a:p>
-            <a:pPr marL="1143000" indent="-1143000">
-              <a:buFont typeface="Arial" panose="020B0604020202020204" pitchFamily="34" charset="0"/>
-              <a:buChar char="•"/>
-            </a:pPr>
-            <a:r>
-              <a:rPr lang="en-US" sz="5400" dirty="0">
-                <a:latin typeface="Georgia" panose="02040502050405020303" pitchFamily="18" charset="0"/>
-              </a:rPr>
-              <a:t>Many "to do" items (pivots)</a:t>
-            </a:r>
-          </a:p>
-          <a:p>
-            <a:pPr marL="1143000" indent="-1143000">
-              <a:buFont typeface="Arial" panose="020B0604020202020204" pitchFamily="34" charset="0"/>
-              <a:buChar char="•"/>
-            </a:pPr>
-            <a:r>
-              <a:rPr lang="en-US" sz="5400" dirty="0">
-                <a:latin typeface="Georgia" panose="02040502050405020303" pitchFamily="18" charset="0"/>
-              </a:rPr>
-              <a:t>Images</a:t>
-            </a:r>
-          </a:p>
-          <a:p>
-            <a:pPr marL="1143000" indent="-1143000">
-              <a:buFont typeface="Arial" panose="020B0604020202020204" pitchFamily="34" charset="0"/>
-              <a:buChar char="•"/>
-            </a:pPr>
-            <a:r>
-              <a:rPr lang="en-US" sz="5400" dirty="0">
-                <a:latin typeface="Georgia" panose="02040502050405020303" pitchFamily="18" charset="0"/>
-              </a:rPr>
-              <a:t>Text</a:t>
-            </a:r>
-          </a:p>
-          <a:p>
-            <a:pPr marL="1143000" indent="-1143000">
-              <a:buFont typeface="Arial" panose="020B0604020202020204" pitchFamily="34" charset="0"/>
-              <a:buChar char="•"/>
-            </a:pPr>
-            <a:r>
-              <a:rPr lang="en-US" sz="5400" dirty="0">
-                <a:latin typeface="Georgia" panose="02040502050405020303" pitchFamily="18" charset="0"/>
-              </a:rPr>
-              <a:t>URLs</a:t>
-            </a:r>
-          </a:p>
-          <a:p>
-            <a:pPr marL="1143000" indent="-1143000">
-              <a:buFont typeface="Arial" panose="020B0604020202020204" pitchFamily="34" charset="0"/>
-              <a:buChar char="•"/>
-            </a:pPr>
-            <a:r>
-              <a:rPr lang="en-US" sz="5400" dirty="0">
-                <a:latin typeface="Georgia" panose="02040502050405020303" pitchFamily="18" charset="0"/>
-              </a:rPr>
-              <a:t>Tool output (text/CSV)</a:t>
-            </a:r>
-          </a:p>
-        </p:txBody>
-      </p:sp>
+          <a:ln>
+            <a:solidFill>
+              <a:schemeClr val="tx1"/>
+            </a:solidFill>
+          </a:ln>
+        </p:spPr>
+      </p:pic>
     </p:spTree>
     <p:extLst>
       <p:ext uri="{BB962C8B-B14F-4D97-AF65-F5344CB8AC3E}">
-        <p14:creationId xmlns:p14="http://schemas.microsoft.com/office/powerpoint/2010/main" val="217234148"/>
+        <p14:creationId xmlns:p14="http://schemas.microsoft.com/office/powerpoint/2010/main" val="2328578693"/>
       </p:ext>
     </p:extLst>
   </p:cSld>
@@ -10971,56 +10889,6 @@
       </p:sp>
       <p:sp>
         <p:nvSpPr>
-          <p:cNvPr id="5" name="TextBox 4"/>
-          <p:cNvSpPr txBox="1"/>
-          <p:nvPr/>
-        </p:nvSpPr>
-        <p:spPr>
-          <a:xfrm>
-            <a:off x="388881" y="201685"/>
-            <a:ext cx="11445765" cy="4524315"/>
-          </a:xfrm>
-          <a:prstGeom prst="rect">
-            <a:avLst/>
-          </a:prstGeom>
-          <a:noFill/>
-        </p:spPr>
-        <p:txBody>
-          <a:bodyPr wrap="square" rtlCol="0">
-            <a:spAutoFit/>
-          </a:bodyPr>
-          <a:lstStyle/>
-          <a:p>
-            <a:pPr algn="ctr"/>
-            <a:r>
-              <a:rPr lang="en-US" sz="9600" dirty="0">
-                <a:latin typeface="Georgia" panose="02040502050405020303" pitchFamily="18" charset="0"/>
-              </a:rPr>
-              <a:t>And this is only</a:t>
-            </a:r>
-          </a:p>
-          <a:p>
-            <a:pPr algn="ctr"/>
-            <a:r>
-              <a:rPr lang="en-US" sz="9600" dirty="0">
-                <a:latin typeface="Georgia" panose="02040502050405020303" pitchFamily="18" charset="0"/>
-              </a:rPr>
-              <a:t>10 minutes into</a:t>
-            </a:r>
-          </a:p>
-          <a:p>
-            <a:pPr algn="ctr"/>
-            <a:r>
-              <a:rPr lang="en-US" sz="9600" dirty="0">
-                <a:latin typeface="Georgia" panose="02040502050405020303" pitchFamily="18" charset="0"/>
-              </a:rPr>
-              <a:t>the assessment!</a:t>
-            </a:r>
-          </a:p>
-        </p:txBody>
-      </p:sp>
-      <p:sp>
-        <p:nvSpPr>
           <p:cNvPr id="3" name="Footer Placeholder 2">
             <a:extLst>
               <a:ext uri="{FF2B5EF4-FFF2-40B4-BE49-F238E27FC236}">
@@ -11048,10 +10916,44 @@
           </a:p>
         </p:txBody>
       </p:sp>
+      <p:pic>
+        <p:nvPicPr>
+          <p:cNvPr id="4" name="Picture 3">
+            <a:extLst>
+              <a:ext uri="{FF2B5EF4-FFF2-40B4-BE49-F238E27FC236}">
+                <a16:creationId xmlns:a16="http://schemas.microsoft.com/office/drawing/2014/main" id="{F54A2395-7F66-4BEE-843D-A038F7BEA525}"/>
+              </a:ext>
+            </a:extLst>
+          </p:cNvPr>
+          <p:cNvPicPr>
+            <a:picLocks noChangeAspect="1"/>
+          </p:cNvPicPr>
+          <p:nvPr/>
+        </p:nvPicPr>
+        <p:blipFill rotWithShape="1">
+          <a:blip r:embed="rId2"/>
+          <a:srcRect l="34387" r="15475"/>
+          <a:stretch/>
+        </p:blipFill>
+        <p:spPr>
+          <a:xfrm>
+            <a:off x="557748" y="403124"/>
+            <a:ext cx="11076504" cy="3810530"/>
+          </a:xfrm>
+          <a:prstGeom prst="rect">
+            <a:avLst/>
+          </a:prstGeom>
+          <a:ln>
+            <a:solidFill>
+              <a:schemeClr val="tx1"/>
+            </a:solidFill>
+          </a:ln>
+        </p:spPr>
+      </p:pic>
     </p:spTree>
     <p:extLst>
       <p:ext uri="{BB962C8B-B14F-4D97-AF65-F5344CB8AC3E}">
-        <p14:creationId xmlns:p14="http://schemas.microsoft.com/office/powerpoint/2010/main" val="835003394"/>
+        <p14:creationId xmlns:p14="http://schemas.microsoft.com/office/powerpoint/2010/main" val="1960376744"/>
       </p:ext>
     </p:extLst>
   </p:cSld>
@@ -11132,7 +11034,7 @@
               <a:rPr lang="en-US" sz="9600" dirty="0">
                 <a:latin typeface="Georgia" panose="02040502050405020303" pitchFamily="18" charset="0"/>
               </a:rPr>
-              <a:t>What don't we have?</a:t>
+              <a:t>So where are we?</a:t>
             </a:r>
           </a:p>
         </p:txBody>
@@ -11181,7 +11083,7 @@
         <p:spPr>
           <a:xfrm>
             <a:off x="388881" y="1732086"/>
-            <a:ext cx="11445765" cy="3416320"/>
+            <a:ext cx="11445765" cy="4247317"/>
           </a:xfrm>
           <a:prstGeom prst="rect">
             <a:avLst/>
@@ -11202,7 +11104,7 @@
               <a:rPr lang="en-US" sz="5400" dirty="0">
                 <a:latin typeface="Georgia" panose="02040502050405020303" pitchFamily="18" charset="0"/>
               </a:rPr>
-              <a:t>Pictures of each page visited</a:t>
+              <a:t>Many "to do" items (pivots)</a:t>
             </a:r>
           </a:p>
           <a:p>
@@ -11214,7 +11116,7 @@
               <a:rPr lang="en-US" sz="5400" dirty="0">
                 <a:latin typeface="Georgia" panose="02040502050405020303" pitchFamily="18" charset="0"/>
               </a:rPr>
-              <a:t>Dates and times when visited</a:t>
+              <a:t>Images</a:t>
             </a:r>
           </a:p>
           <a:p>
@@ -11226,7 +11128,7 @@
               <a:rPr lang="en-US" sz="5400" dirty="0">
                 <a:latin typeface="Georgia" panose="02040502050405020303" pitchFamily="18" charset="0"/>
               </a:rPr>
-              <a:t>Images and text combined</a:t>
+              <a:t>Text</a:t>
             </a:r>
           </a:p>
           <a:p>
@@ -11238,7 +11140,19 @@
               <a:rPr lang="en-US" sz="5400" dirty="0">
                 <a:latin typeface="Georgia" panose="02040502050405020303" pitchFamily="18" charset="0"/>
               </a:rPr>
-              <a:t>Time-line/how did we find that?</a:t>
+              <a:t>URLs</a:t>
+            </a:r>
+          </a:p>
+          <a:p>
+            <a:pPr marL="1143000" indent="-1143000">
+              <a:buFont typeface="Arial" panose="020B0604020202020204" pitchFamily="34" charset="0"/>
+              <a:buChar char="•"/>
+            </a:pPr>
+            <a:r>
+              <a:rPr lang="en-US" sz="5400" dirty="0">
+                <a:latin typeface="Georgia" panose="02040502050405020303" pitchFamily="18" charset="0"/>
+              </a:rPr>
+              <a:t>Tool output (text/CSV)</a:t>
             </a:r>
           </a:p>
         </p:txBody>
@@ -11246,7 +11160,7 @@
     </p:spTree>
     <p:extLst>
       <p:ext uri="{BB962C8B-B14F-4D97-AF65-F5344CB8AC3E}">
-        <p14:creationId xmlns:p14="http://schemas.microsoft.com/office/powerpoint/2010/main" val="1052259661"/>
+        <p14:creationId xmlns:p14="http://schemas.microsoft.com/office/powerpoint/2010/main" val="217234148"/>
       </p:ext>
     </p:extLst>
   </p:cSld>
@@ -11310,7 +11224,7 @@
         <p:spPr>
           <a:xfrm>
             <a:off x="388881" y="201685"/>
-            <a:ext cx="11445765" cy="1569660"/>
+            <a:ext cx="11445765" cy="4524315"/>
           </a:xfrm>
           <a:prstGeom prst="rect">
             <a:avLst/>
@@ -11323,11 +11237,30 @@
           </a:bodyPr>
           <a:lstStyle/>
           <a:p>
+            <a:pPr algn="ctr"/>
             <a:r>
               <a:rPr lang="en-US" sz="9600" dirty="0">
                 <a:latin typeface="Georgia" panose="02040502050405020303" pitchFamily="18" charset="0"/>
               </a:rPr>
-              <a:t>Disclaimers:</a:t>
+              <a:t>And this is only</a:t>
+            </a:r>
+          </a:p>
+          <a:p>
+            <a:pPr algn="ctr"/>
+            <a:r>
+              <a:rPr lang="en-US" sz="9600" dirty="0">
+                <a:latin typeface="Georgia" panose="02040502050405020303" pitchFamily="18" charset="0"/>
+              </a:rPr>
+              <a:t>10 minutes into</a:t>
+            </a:r>
+          </a:p>
+          <a:p>
+            <a:pPr algn="ctr"/>
+            <a:r>
+              <a:rPr lang="en-US" sz="9600" dirty="0">
+                <a:latin typeface="Georgia" panose="02040502050405020303" pitchFamily="18" charset="0"/>
+              </a:rPr>
+              <a:t>the assessment!</a:t>
             </a:r>
           </a:p>
         </p:txBody>
@@ -11361,75 +11294,10 @@
           </a:p>
         </p:txBody>
       </p:sp>
-      <p:sp>
-        <p:nvSpPr>
-          <p:cNvPr id="6" name="TextBox 5">
-            <a:extLst>
-              <a:ext uri="{FF2B5EF4-FFF2-40B4-BE49-F238E27FC236}">
-                <a16:creationId xmlns:a16="http://schemas.microsoft.com/office/drawing/2014/main" id="{7C7710E6-80B4-4B3E-9EFC-BC681AF150AE}"/>
-              </a:ext>
-            </a:extLst>
-          </p:cNvPr>
-          <p:cNvSpPr txBox="1"/>
-          <p:nvPr/>
-        </p:nvSpPr>
-        <p:spPr>
-          <a:xfrm>
-            <a:off x="388881" y="1732086"/>
-            <a:ext cx="11445765" cy="4247317"/>
-          </a:xfrm>
-          <a:prstGeom prst="rect">
-            <a:avLst/>
-          </a:prstGeom>
-          <a:noFill/>
-        </p:spPr>
-        <p:txBody>
-          <a:bodyPr wrap="square" rtlCol="0">
-            <a:spAutoFit/>
-          </a:bodyPr>
-          <a:lstStyle/>
-          <a:p>
-            <a:pPr marL="1143000" indent="-1143000">
-              <a:buFont typeface="Arial" panose="020B0604020202020204" pitchFamily="34" charset="0"/>
-              <a:buChar char="•"/>
-            </a:pPr>
-            <a:r>
-              <a:rPr lang="en-US" sz="5400" dirty="0">
-                <a:latin typeface="Georgia" panose="02040502050405020303" pitchFamily="18" charset="0"/>
-              </a:rPr>
-              <a:t>Targets for this talk are solo </a:t>
-            </a:r>
-            <a:r>
-              <a:rPr lang="en-US" sz="5400" dirty="0" err="1">
-                <a:latin typeface="Georgia" panose="02040502050405020303" pitchFamily="18" charset="0"/>
-              </a:rPr>
-              <a:t>OSINTers</a:t>
-            </a:r>
-            <a:r>
-              <a:rPr lang="en-US" sz="5400" dirty="0">
-                <a:latin typeface="Georgia" panose="02040502050405020303" pitchFamily="18" charset="0"/>
-              </a:rPr>
-              <a:t> and small/medium-sized companies</a:t>
-            </a:r>
-          </a:p>
-          <a:p>
-            <a:pPr marL="1143000" indent="-1143000">
-              <a:buFont typeface="Arial" panose="020B0604020202020204" pitchFamily="34" charset="0"/>
-              <a:buChar char="•"/>
-            </a:pPr>
-            <a:r>
-              <a:rPr lang="en-US" sz="5400" dirty="0">
-                <a:latin typeface="Georgia" panose="02040502050405020303" pitchFamily="18" charset="0"/>
-              </a:rPr>
-              <a:t>You need to find out what works for you/your team</a:t>
-            </a:r>
-          </a:p>
-        </p:txBody>
-      </p:sp>
     </p:spTree>
     <p:extLst>
       <p:ext uri="{BB962C8B-B14F-4D97-AF65-F5344CB8AC3E}">
-        <p14:creationId xmlns:p14="http://schemas.microsoft.com/office/powerpoint/2010/main" val="4073877422"/>
+        <p14:creationId xmlns:p14="http://schemas.microsoft.com/office/powerpoint/2010/main" val="835003394"/>
       </p:ext>
     </p:extLst>
   </p:cSld>
@@ -11458,6 +11326,558 @@
       </p:grpSpPr>
       <p:sp>
         <p:nvSpPr>
+          <p:cNvPr id="2" name="Slide Number Placeholder 1"/>
+          <p:cNvSpPr>
+            <a:spLocks noGrp="1"/>
+          </p:cNvSpPr>
+          <p:nvPr>
+            <p:ph type="sldNum" sz="quarter" idx="4"/>
+          </p:nvPr>
+        </p:nvSpPr>
+        <p:spPr>
+          <a:xfrm>
+            <a:off x="9900458" y="6459785"/>
+            <a:ext cx="1312025" cy="365125"/>
+          </a:xfrm>
+        </p:spPr>
+        <p:txBody>
+          <a:bodyPr/>
+          <a:lstStyle/>
+          <a:p>
+            <a:fld id="{95C512E1-207F-4DA8-9E8B-046AC4C0F84D}" type="slidenum">
+              <a:rPr lang="en-US" smtClean="0"/>
+              <a:t>39</a:t>
+            </a:fld>
+            <a:endParaRPr lang="en-US" dirty="0"/>
+          </a:p>
+        </p:txBody>
+      </p:sp>
+      <p:sp>
+        <p:nvSpPr>
+          <p:cNvPr id="5" name="TextBox 4"/>
+          <p:cNvSpPr txBox="1"/>
+          <p:nvPr/>
+        </p:nvSpPr>
+        <p:spPr>
+          <a:xfrm>
+            <a:off x="388881" y="201685"/>
+            <a:ext cx="11445765" cy="1569660"/>
+          </a:xfrm>
+          <a:prstGeom prst="rect">
+            <a:avLst/>
+          </a:prstGeom>
+          <a:noFill/>
+        </p:spPr>
+        <p:txBody>
+          <a:bodyPr wrap="square" rtlCol="0">
+            <a:spAutoFit/>
+          </a:bodyPr>
+          <a:lstStyle/>
+          <a:p>
+            <a:r>
+              <a:rPr lang="en-US" sz="9600" dirty="0">
+                <a:latin typeface="Georgia" panose="02040502050405020303" pitchFamily="18" charset="0"/>
+              </a:rPr>
+              <a:t>What don't we have?</a:t>
+            </a:r>
+          </a:p>
+        </p:txBody>
+      </p:sp>
+      <p:sp>
+        <p:nvSpPr>
+          <p:cNvPr id="3" name="Footer Placeholder 2">
+            <a:extLst>
+              <a:ext uri="{FF2B5EF4-FFF2-40B4-BE49-F238E27FC236}">
+                <a16:creationId xmlns:a16="http://schemas.microsoft.com/office/drawing/2014/main" id="{625BDACB-E34D-427C-8DFC-BED70BF4041C}"/>
+              </a:ext>
+            </a:extLst>
+          </p:cNvPr>
+          <p:cNvSpPr>
+            <a:spLocks noGrp="1"/>
+          </p:cNvSpPr>
+          <p:nvPr>
+            <p:ph type="ftr" sz="quarter" idx="3"/>
+          </p:nvPr>
+        </p:nvSpPr>
+        <p:spPr/>
+        <p:txBody>
+          <a:bodyPr/>
+          <a:lstStyle/>
+          <a:p>
+            <a:r>
+              <a:rPr lang="en-US"/>
+              <a:t>Core OSINT: Tracking and Reporting All the Things (Defcon Recon Village 2018) - Webbreacher.com</a:t>
+            </a:r>
+            <a:endParaRPr lang="en-US" dirty="0"/>
+          </a:p>
+        </p:txBody>
+      </p:sp>
+      <p:sp>
+        <p:nvSpPr>
+          <p:cNvPr id="6" name="TextBox 5">
+            <a:extLst>
+              <a:ext uri="{FF2B5EF4-FFF2-40B4-BE49-F238E27FC236}">
+                <a16:creationId xmlns:a16="http://schemas.microsoft.com/office/drawing/2014/main" id="{3F52FFA7-8EF9-4883-831F-825D0A853AFB}"/>
+              </a:ext>
+            </a:extLst>
+          </p:cNvPr>
+          <p:cNvSpPr txBox="1"/>
+          <p:nvPr/>
+        </p:nvSpPr>
+        <p:spPr>
+          <a:xfrm>
+            <a:off x="388881" y="1732086"/>
+            <a:ext cx="11445765" cy="3416320"/>
+          </a:xfrm>
+          <a:prstGeom prst="rect">
+            <a:avLst/>
+          </a:prstGeom>
+          <a:noFill/>
+        </p:spPr>
+        <p:txBody>
+          <a:bodyPr wrap="square" rtlCol="0">
+            <a:spAutoFit/>
+          </a:bodyPr>
+          <a:lstStyle/>
+          <a:p>
+            <a:pPr marL="1143000" indent="-1143000">
+              <a:buFont typeface="Arial" panose="020B0604020202020204" pitchFamily="34" charset="0"/>
+              <a:buChar char="•"/>
+            </a:pPr>
+            <a:r>
+              <a:rPr lang="en-US" sz="5400" dirty="0">
+                <a:latin typeface="Georgia" panose="02040502050405020303" pitchFamily="18" charset="0"/>
+              </a:rPr>
+              <a:t>Pictures of each page visited</a:t>
+            </a:r>
+          </a:p>
+          <a:p>
+            <a:pPr marL="1143000" indent="-1143000">
+              <a:buFont typeface="Arial" panose="020B0604020202020204" pitchFamily="34" charset="0"/>
+              <a:buChar char="•"/>
+            </a:pPr>
+            <a:r>
+              <a:rPr lang="en-US" sz="5400" dirty="0">
+                <a:latin typeface="Georgia" panose="02040502050405020303" pitchFamily="18" charset="0"/>
+              </a:rPr>
+              <a:t>Dates and times when visited</a:t>
+            </a:r>
+          </a:p>
+          <a:p>
+            <a:pPr marL="1143000" indent="-1143000">
+              <a:buFont typeface="Arial" panose="020B0604020202020204" pitchFamily="34" charset="0"/>
+              <a:buChar char="•"/>
+            </a:pPr>
+            <a:r>
+              <a:rPr lang="en-US" sz="5400" dirty="0">
+                <a:latin typeface="Georgia" panose="02040502050405020303" pitchFamily="18" charset="0"/>
+              </a:rPr>
+              <a:t>Images and text combined</a:t>
+            </a:r>
+          </a:p>
+          <a:p>
+            <a:pPr marL="1143000" indent="-1143000">
+              <a:buFont typeface="Arial" panose="020B0604020202020204" pitchFamily="34" charset="0"/>
+              <a:buChar char="•"/>
+            </a:pPr>
+            <a:r>
+              <a:rPr lang="en-US" sz="5400" dirty="0">
+                <a:latin typeface="Georgia" panose="02040502050405020303" pitchFamily="18" charset="0"/>
+              </a:rPr>
+              <a:t>Time-line/how did we find that?</a:t>
+            </a:r>
+          </a:p>
+        </p:txBody>
+      </p:sp>
+    </p:spTree>
+    <p:extLst>
+      <p:ext uri="{BB962C8B-B14F-4D97-AF65-F5344CB8AC3E}">
+        <p14:creationId xmlns:p14="http://schemas.microsoft.com/office/powerpoint/2010/main" val="1052259661"/>
+      </p:ext>
+    </p:extLst>
+  </p:cSld>
+  <p:clrMapOvr>
+    <a:masterClrMapping/>
+  </p:clrMapOvr>
+</p:sld>
+</file>
+
+<file path=ppt/slides/slide4.xml><?xml version="1.0" encoding="utf-8"?>
+<p:sld xmlns:a="http://schemas.openxmlformats.org/drawingml/2006/main" xmlns:r="http://schemas.openxmlformats.org/officeDocument/2006/relationships" xmlns:p="http://schemas.openxmlformats.org/presentationml/2006/main">
+  <p:cSld>
+    <p:spTree>
+      <p:nvGrpSpPr>
+        <p:cNvPr id="1" name=""/>
+        <p:cNvGrpSpPr/>
+        <p:nvPr/>
+      </p:nvGrpSpPr>
+      <p:grpSpPr>
+        <a:xfrm>
+          <a:off x="0" y="0"/>
+          <a:ext cx="0" cy="0"/>
+          <a:chOff x="0" y="0"/>
+          <a:chExt cx="0" cy="0"/>
+        </a:xfrm>
+      </p:grpSpPr>
+      <p:sp>
+        <p:nvSpPr>
+          <p:cNvPr id="2" name="Slide Number Placeholder 1"/>
+          <p:cNvSpPr>
+            <a:spLocks noGrp="1"/>
+          </p:cNvSpPr>
+          <p:nvPr>
+            <p:ph type="sldNum" sz="quarter" idx="4"/>
+          </p:nvPr>
+        </p:nvSpPr>
+        <p:spPr>
+          <a:xfrm>
+            <a:off x="9900458" y="6459785"/>
+            <a:ext cx="1312025" cy="365125"/>
+          </a:xfrm>
+        </p:spPr>
+        <p:txBody>
+          <a:bodyPr/>
+          <a:lstStyle/>
+          <a:p>
+            <a:fld id="{95C512E1-207F-4DA8-9E8B-046AC4C0F84D}" type="slidenum">
+              <a:rPr lang="en-US" smtClean="0"/>
+              <a:t>4</a:t>
+            </a:fld>
+            <a:endParaRPr lang="en-US" dirty="0"/>
+          </a:p>
+        </p:txBody>
+      </p:sp>
+      <p:sp>
+        <p:nvSpPr>
+          <p:cNvPr id="5" name="TextBox 4"/>
+          <p:cNvSpPr txBox="1"/>
+          <p:nvPr/>
+        </p:nvSpPr>
+        <p:spPr>
+          <a:xfrm>
+            <a:off x="388881" y="201685"/>
+            <a:ext cx="11445765" cy="1569660"/>
+          </a:xfrm>
+          <a:prstGeom prst="rect">
+            <a:avLst/>
+          </a:prstGeom>
+          <a:noFill/>
+        </p:spPr>
+        <p:txBody>
+          <a:bodyPr wrap="square" rtlCol="0">
+            <a:spAutoFit/>
+          </a:bodyPr>
+          <a:lstStyle/>
+          <a:p>
+            <a:r>
+              <a:rPr lang="en-US" sz="9600" dirty="0">
+                <a:latin typeface="Georgia" panose="02040502050405020303" pitchFamily="18" charset="0"/>
+              </a:rPr>
+              <a:t>A question…</a:t>
+            </a:r>
+          </a:p>
+        </p:txBody>
+      </p:sp>
+      <p:sp>
+        <p:nvSpPr>
+          <p:cNvPr id="4" name="TextBox 3">
+            <a:extLst>
+              <a:ext uri="{FF2B5EF4-FFF2-40B4-BE49-F238E27FC236}">
+                <a16:creationId xmlns:a16="http://schemas.microsoft.com/office/drawing/2014/main" id="{911D8388-12EA-4B08-972E-B627F4FFF37F}"/>
+              </a:ext>
+            </a:extLst>
+          </p:cNvPr>
+          <p:cNvSpPr txBox="1"/>
+          <p:nvPr/>
+        </p:nvSpPr>
+        <p:spPr>
+          <a:xfrm>
+            <a:off x="1362800" y="1662194"/>
+            <a:ext cx="9193670" cy="4524315"/>
+          </a:xfrm>
+          <a:prstGeom prst="rect">
+            <a:avLst/>
+          </a:prstGeom>
+          <a:noFill/>
+        </p:spPr>
+        <p:txBody>
+          <a:bodyPr wrap="square" rtlCol="0">
+            <a:spAutoFit/>
+          </a:bodyPr>
+          <a:lstStyle/>
+          <a:p>
+            <a:pPr algn="ctr"/>
+            <a:r>
+              <a:rPr lang="en-US" sz="9600" dirty="0">
+                <a:latin typeface="Georgia" panose="02040502050405020303" pitchFamily="18" charset="0"/>
+              </a:rPr>
+              <a:t>Raise your hand if you </a:t>
+            </a:r>
+            <a:r>
+              <a:rPr lang="en-US" sz="9600" b="1" dirty="0">
+                <a:latin typeface="Georgia" panose="02040502050405020303" pitchFamily="18" charset="0"/>
+              </a:rPr>
+              <a:t>love</a:t>
+            </a:r>
+            <a:r>
+              <a:rPr lang="en-US" sz="9600" dirty="0">
+                <a:latin typeface="Georgia" panose="02040502050405020303" pitchFamily="18" charset="0"/>
+              </a:rPr>
+              <a:t> </a:t>
+            </a:r>
+            <a:r>
+              <a:rPr lang="en-US" sz="9600" b="1" dirty="0">
+                <a:latin typeface="Georgia" panose="02040502050405020303" pitchFamily="18" charset="0"/>
+              </a:rPr>
+              <a:t>to document?</a:t>
+            </a:r>
+          </a:p>
+        </p:txBody>
+      </p:sp>
+      <p:sp>
+        <p:nvSpPr>
+          <p:cNvPr id="3" name="Footer Placeholder 2">
+            <a:extLst>
+              <a:ext uri="{FF2B5EF4-FFF2-40B4-BE49-F238E27FC236}">
+                <a16:creationId xmlns:a16="http://schemas.microsoft.com/office/drawing/2014/main" id="{5E0EE44B-5AEC-4992-B4C1-E1C28F1ECDF2}"/>
+              </a:ext>
+            </a:extLst>
+          </p:cNvPr>
+          <p:cNvSpPr>
+            <a:spLocks noGrp="1"/>
+          </p:cNvSpPr>
+          <p:nvPr>
+            <p:ph type="ftr" sz="quarter" idx="3"/>
+          </p:nvPr>
+        </p:nvSpPr>
+        <p:spPr/>
+        <p:txBody>
+          <a:bodyPr/>
+          <a:lstStyle/>
+          <a:p>
+            <a:r>
+              <a:rPr lang="en-US"/>
+              <a:t>Core OSINT: Tracking and Reporting All the Things (Defcon Recon Village 2018) - Webbreacher.com</a:t>
+            </a:r>
+            <a:endParaRPr lang="en-US" dirty="0"/>
+          </a:p>
+        </p:txBody>
+      </p:sp>
+    </p:spTree>
+    <p:extLst>
+      <p:ext uri="{BB962C8B-B14F-4D97-AF65-F5344CB8AC3E}">
+        <p14:creationId xmlns:p14="http://schemas.microsoft.com/office/powerpoint/2010/main" val="860521661"/>
+      </p:ext>
+    </p:extLst>
+  </p:cSld>
+  <p:clrMapOvr>
+    <a:masterClrMapping/>
+  </p:clrMapOvr>
+</p:sld>
+</file>
+
+<file path=ppt/slides/slide40.xml><?xml version="1.0" encoding="utf-8"?>
+<p:sld xmlns:a="http://schemas.openxmlformats.org/drawingml/2006/main" xmlns:r="http://schemas.openxmlformats.org/officeDocument/2006/relationships" xmlns:p="http://schemas.openxmlformats.org/presentationml/2006/main">
+  <p:cSld>
+    <p:spTree>
+      <p:nvGrpSpPr>
+        <p:cNvPr id="1" name=""/>
+        <p:cNvGrpSpPr/>
+        <p:nvPr/>
+      </p:nvGrpSpPr>
+      <p:grpSpPr>
+        <a:xfrm>
+          <a:off x="0" y="0"/>
+          <a:ext cx="0" cy="0"/>
+          <a:chOff x="0" y="0"/>
+          <a:chExt cx="0" cy="0"/>
+        </a:xfrm>
+      </p:grpSpPr>
+      <p:sp>
+        <p:nvSpPr>
+          <p:cNvPr id="2" name="Slide Number Placeholder 1"/>
+          <p:cNvSpPr>
+            <a:spLocks noGrp="1"/>
+          </p:cNvSpPr>
+          <p:nvPr>
+            <p:ph type="sldNum" sz="quarter" idx="4"/>
+          </p:nvPr>
+        </p:nvSpPr>
+        <p:spPr>
+          <a:xfrm>
+            <a:off x="9900458" y="6459785"/>
+            <a:ext cx="1312025" cy="365125"/>
+          </a:xfrm>
+        </p:spPr>
+        <p:txBody>
+          <a:bodyPr/>
+          <a:lstStyle/>
+          <a:p>
+            <a:fld id="{95C512E1-207F-4DA8-9E8B-046AC4C0F84D}" type="slidenum">
+              <a:rPr lang="en-US" smtClean="0"/>
+              <a:t>40</a:t>
+            </a:fld>
+            <a:endParaRPr lang="en-US" dirty="0"/>
+          </a:p>
+        </p:txBody>
+      </p:sp>
+      <p:sp>
+        <p:nvSpPr>
+          <p:cNvPr id="5" name="TextBox 4"/>
+          <p:cNvSpPr txBox="1"/>
+          <p:nvPr/>
+        </p:nvSpPr>
+        <p:spPr>
+          <a:xfrm>
+            <a:off x="388881" y="201685"/>
+            <a:ext cx="11445765" cy="1569660"/>
+          </a:xfrm>
+          <a:prstGeom prst="rect">
+            <a:avLst/>
+          </a:prstGeom>
+          <a:noFill/>
+        </p:spPr>
+        <p:txBody>
+          <a:bodyPr wrap="square" rtlCol="0">
+            <a:spAutoFit/>
+          </a:bodyPr>
+          <a:lstStyle/>
+          <a:p>
+            <a:r>
+              <a:rPr lang="en-US" sz="9600" dirty="0">
+                <a:latin typeface="Georgia" panose="02040502050405020303" pitchFamily="18" charset="0"/>
+              </a:rPr>
+              <a:t>Disclaimers:</a:t>
+            </a:r>
+          </a:p>
+        </p:txBody>
+      </p:sp>
+      <p:sp>
+        <p:nvSpPr>
+          <p:cNvPr id="3" name="Footer Placeholder 2">
+            <a:extLst>
+              <a:ext uri="{FF2B5EF4-FFF2-40B4-BE49-F238E27FC236}">
+                <a16:creationId xmlns:a16="http://schemas.microsoft.com/office/drawing/2014/main" id="{625BDACB-E34D-427C-8DFC-BED70BF4041C}"/>
+              </a:ext>
+            </a:extLst>
+          </p:cNvPr>
+          <p:cNvSpPr>
+            <a:spLocks noGrp="1"/>
+          </p:cNvSpPr>
+          <p:nvPr>
+            <p:ph type="ftr" sz="quarter" idx="3"/>
+          </p:nvPr>
+        </p:nvSpPr>
+        <p:spPr/>
+        <p:txBody>
+          <a:bodyPr/>
+          <a:lstStyle/>
+          <a:p>
+            <a:r>
+              <a:rPr lang="en-US"/>
+              <a:t>Core OSINT: Tracking and Reporting All the Things (Defcon Recon Village 2018) - Webbreacher.com</a:t>
+            </a:r>
+            <a:endParaRPr lang="en-US" dirty="0"/>
+          </a:p>
+        </p:txBody>
+      </p:sp>
+      <p:sp>
+        <p:nvSpPr>
+          <p:cNvPr id="6" name="TextBox 5">
+            <a:extLst>
+              <a:ext uri="{FF2B5EF4-FFF2-40B4-BE49-F238E27FC236}">
+                <a16:creationId xmlns:a16="http://schemas.microsoft.com/office/drawing/2014/main" id="{7C7710E6-80B4-4B3E-9EFC-BC681AF150AE}"/>
+              </a:ext>
+            </a:extLst>
+          </p:cNvPr>
+          <p:cNvSpPr txBox="1"/>
+          <p:nvPr/>
+        </p:nvSpPr>
+        <p:spPr>
+          <a:xfrm>
+            <a:off x="388881" y="1732086"/>
+            <a:ext cx="11445765" cy="4247317"/>
+          </a:xfrm>
+          <a:prstGeom prst="rect">
+            <a:avLst/>
+          </a:prstGeom>
+          <a:noFill/>
+        </p:spPr>
+        <p:txBody>
+          <a:bodyPr wrap="square" rtlCol="0">
+            <a:spAutoFit/>
+          </a:bodyPr>
+          <a:lstStyle/>
+          <a:p>
+            <a:pPr marL="1143000" indent="-1143000">
+              <a:buFont typeface="Arial" panose="020B0604020202020204" pitchFamily="34" charset="0"/>
+              <a:buChar char="•"/>
+            </a:pPr>
+            <a:r>
+              <a:rPr lang="en-US" sz="5400" dirty="0">
+                <a:latin typeface="Georgia" panose="02040502050405020303" pitchFamily="18" charset="0"/>
+              </a:rPr>
+              <a:t>Targets for this talk are solo </a:t>
+            </a:r>
+            <a:r>
+              <a:rPr lang="en-US" sz="5400" dirty="0" err="1">
+                <a:latin typeface="Georgia" panose="02040502050405020303" pitchFamily="18" charset="0"/>
+              </a:rPr>
+              <a:t>OSINTers</a:t>
+            </a:r>
+            <a:r>
+              <a:rPr lang="en-US" sz="5400" dirty="0">
+                <a:latin typeface="Georgia" panose="02040502050405020303" pitchFamily="18" charset="0"/>
+              </a:rPr>
+              <a:t> and small/medium-sized companies</a:t>
+            </a:r>
+          </a:p>
+          <a:p>
+            <a:pPr marL="1143000" indent="-1143000">
+              <a:buFont typeface="Arial" panose="020B0604020202020204" pitchFamily="34" charset="0"/>
+              <a:buChar char="•"/>
+            </a:pPr>
+            <a:r>
+              <a:rPr lang="en-US" sz="5400" dirty="0">
+                <a:latin typeface="Georgia" panose="02040502050405020303" pitchFamily="18" charset="0"/>
+              </a:rPr>
+              <a:t>You need to find out what works for you/your team</a:t>
+            </a:r>
+          </a:p>
+        </p:txBody>
+      </p:sp>
+    </p:spTree>
+    <p:extLst>
+      <p:ext uri="{BB962C8B-B14F-4D97-AF65-F5344CB8AC3E}">
+        <p14:creationId xmlns:p14="http://schemas.microsoft.com/office/powerpoint/2010/main" val="4073877422"/>
+      </p:ext>
+    </p:extLst>
+  </p:cSld>
+  <p:clrMapOvr>
+    <a:masterClrMapping/>
+  </p:clrMapOvr>
+</p:sld>
+</file>
+
+<file path=ppt/slides/slide41.xml><?xml version="1.0" encoding="utf-8"?>
+<p:sld xmlns:a="http://schemas.openxmlformats.org/drawingml/2006/main" xmlns:r="http://schemas.openxmlformats.org/officeDocument/2006/relationships" xmlns:p="http://schemas.openxmlformats.org/presentationml/2006/main">
+  <p:cSld>
+    <p:spTree>
+      <p:nvGrpSpPr>
+        <p:cNvPr id="1" name=""/>
+        <p:cNvGrpSpPr/>
+        <p:nvPr/>
+      </p:nvGrpSpPr>
+      <p:grpSpPr>
+        <a:xfrm>
+          <a:off x="0" y="0"/>
+          <a:ext cx="0" cy="0"/>
+          <a:chOff x="0" y="0"/>
+          <a:chExt cx="0" cy="0"/>
+        </a:xfrm>
+      </p:grpSpPr>
+      <p:sp>
+        <p:nvSpPr>
           <p:cNvPr id="9" name="Rectangle 8">
             <a:extLst>
               <a:ext uri="{FF2B5EF4-FFF2-40B4-BE49-F238E27FC236}">
@@ -11593,7 +12013,7 @@
           <a:p>
             <a:fld id="{95C512E1-207F-4DA8-9E8B-046AC4C0F84D}" type="slidenum">
               <a:rPr lang="en-US" smtClean="0"/>
-              <a:t>39</a:t>
+              <a:t>41</a:t>
             </a:fld>
             <a:endParaRPr lang="en-US" dirty="0"/>
           </a:p>
@@ -12347,575 +12767,6 @@
 </p:sld>
 </file>
 
-<file path=ppt/slides/slide4.xml><?xml version="1.0" encoding="utf-8"?>
-<p:sld xmlns:a="http://schemas.openxmlformats.org/drawingml/2006/main" xmlns:r="http://schemas.openxmlformats.org/officeDocument/2006/relationships" xmlns:p="http://schemas.openxmlformats.org/presentationml/2006/main">
-  <p:cSld>
-    <p:spTree>
-      <p:nvGrpSpPr>
-        <p:cNvPr id="1" name=""/>
-        <p:cNvGrpSpPr/>
-        <p:nvPr/>
-      </p:nvGrpSpPr>
-      <p:grpSpPr>
-        <a:xfrm>
-          <a:off x="0" y="0"/>
-          <a:ext cx="0" cy="0"/>
-          <a:chOff x="0" y="0"/>
-          <a:chExt cx="0" cy="0"/>
-        </a:xfrm>
-      </p:grpSpPr>
-      <p:sp>
-        <p:nvSpPr>
-          <p:cNvPr id="2" name="Slide Number Placeholder 1"/>
-          <p:cNvSpPr>
-            <a:spLocks noGrp="1"/>
-          </p:cNvSpPr>
-          <p:nvPr>
-            <p:ph type="sldNum" sz="quarter" idx="4"/>
-          </p:nvPr>
-        </p:nvSpPr>
-        <p:spPr>
-          <a:xfrm>
-            <a:off x="9900458" y="6459785"/>
-            <a:ext cx="1312025" cy="365125"/>
-          </a:xfrm>
-        </p:spPr>
-        <p:txBody>
-          <a:bodyPr/>
-          <a:lstStyle/>
-          <a:p>
-            <a:fld id="{95C512E1-207F-4DA8-9E8B-046AC4C0F84D}" type="slidenum">
-              <a:rPr lang="en-US" smtClean="0"/>
-              <a:t>4</a:t>
-            </a:fld>
-            <a:endParaRPr lang="en-US" dirty="0"/>
-          </a:p>
-        </p:txBody>
-      </p:sp>
-      <p:sp>
-        <p:nvSpPr>
-          <p:cNvPr id="5" name="TextBox 4"/>
-          <p:cNvSpPr txBox="1"/>
-          <p:nvPr/>
-        </p:nvSpPr>
-        <p:spPr>
-          <a:xfrm>
-            <a:off x="388881" y="201685"/>
-            <a:ext cx="11445765" cy="1569660"/>
-          </a:xfrm>
-          <a:prstGeom prst="rect">
-            <a:avLst/>
-          </a:prstGeom>
-          <a:noFill/>
-        </p:spPr>
-        <p:txBody>
-          <a:bodyPr wrap="square" rtlCol="0">
-            <a:spAutoFit/>
-          </a:bodyPr>
-          <a:lstStyle/>
-          <a:p>
-            <a:r>
-              <a:rPr lang="en-US" sz="9600" dirty="0">
-                <a:latin typeface="Georgia" panose="02040502050405020303" pitchFamily="18" charset="0"/>
-              </a:rPr>
-              <a:t>A question…</a:t>
-            </a:r>
-          </a:p>
-        </p:txBody>
-      </p:sp>
-      <p:sp>
-        <p:nvSpPr>
-          <p:cNvPr id="4" name="TextBox 3">
-            <a:extLst>
-              <a:ext uri="{FF2B5EF4-FFF2-40B4-BE49-F238E27FC236}">
-                <a16:creationId xmlns:a16="http://schemas.microsoft.com/office/drawing/2014/main" id="{911D8388-12EA-4B08-972E-B627F4FFF37F}"/>
-              </a:ext>
-            </a:extLst>
-          </p:cNvPr>
-          <p:cNvSpPr txBox="1"/>
-          <p:nvPr/>
-        </p:nvSpPr>
-        <p:spPr>
-          <a:xfrm>
-            <a:off x="1362800" y="1662194"/>
-            <a:ext cx="9193670" cy="4524315"/>
-          </a:xfrm>
-          <a:prstGeom prst="rect">
-            <a:avLst/>
-          </a:prstGeom>
-          <a:noFill/>
-        </p:spPr>
-        <p:txBody>
-          <a:bodyPr wrap="square" rtlCol="0">
-            <a:spAutoFit/>
-          </a:bodyPr>
-          <a:lstStyle/>
-          <a:p>
-            <a:pPr algn="ctr"/>
-            <a:r>
-              <a:rPr lang="en-US" sz="9600" dirty="0">
-                <a:latin typeface="Georgia" panose="02040502050405020303" pitchFamily="18" charset="0"/>
-              </a:rPr>
-              <a:t>Raise your hand if you </a:t>
-            </a:r>
-            <a:r>
-              <a:rPr lang="en-US" sz="9600" b="1" dirty="0">
-                <a:latin typeface="Georgia" panose="02040502050405020303" pitchFamily="18" charset="0"/>
-              </a:rPr>
-              <a:t>love</a:t>
-            </a:r>
-            <a:r>
-              <a:rPr lang="en-US" sz="9600" dirty="0">
-                <a:latin typeface="Georgia" panose="02040502050405020303" pitchFamily="18" charset="0"/>
-              </a:rPr>
-              <a:t> </a:t>
-            </a:r>
-            <a:r>
-              <a:rPr lang="en-US" sz="9600" b="1" dirty="0">
-                <a:latin typeface="Georgia" panose="02040502050405020303" pitchFamily="18" charset="0"/>
-              </a:rPr>
-              <a:t>to document?</a:t>
-            </a:r>
-          </a:p>
-        </p:txBody>
-      </p:sp>
-      <p:sp>
-        <p:nvSpPr>
-          <p:cNvPr id="3" name="Footer Placeholder 2">
-            <a:extLst>
-              <a:ext uri="{FF2B5EF4-FFF2-40B4-BE49-F238E27FC236}">
-                <a16:creationId xmlns:a16="http://schemas.microsoft.com/office/drawing/2014/main" id="{5E0EE44B-5AEC-4992-B4C1-E1C28F1ECDF2}"/>
-              </a:ext>
-            </a:extLst>
-          </p:cNvPr>
-          <p:cNvSpPr>
-            <a:spLocks noGrp="1"/>
-          </p:cNvSpPr>
-          <p:nvPr>
-            <p:ph type="ftr" sz="quarter" idx="3"/>
-          </p:nvPr>
-        </p:nvSpPr>
-        <p:spPr/>
-        <p:txBody>
-          <a:bodyPr/>
-          <a:lstStyle/>
-          <a:p>
-            <a:r>
-              <a:rPr lang="en-US"/>
-              <a:t>Core OSINT: Tracking and Reporting All the Things (Defcon Recon Village 2018) - Webbreacher.com</a:t>
-            </a:r>
-            <a:endParaRPr lang="en-US" dirty="0"/>
-          </a:p>
-        </p:txBody>
-      </p:sp>
-    </p:spTree>
-    <p:extLst>
-      <p:ext uri="{BB962C8B-B14F-4D97-AF65-F5344CB8AC3E}">
-        <p14:creationId xmlns:p14="http://schemas.microsoft.com/office/powerpoint/2010/main" val="860521661"/>
-      </p:ext>
-    </p:extLst>
-  </p:cSld>
-  <p:clrMapOvr>
-    <a:masterClrMapping/>
-  </p:clrMapOvr>
-</p:sld>
-</file>
-
-<file path=ppt/slides/slide40.xml><?xml version="1.0" encoding="utf-8"?>
-<p:sld xmlns:a="http://schemas.openxmlformats.org/drawingml/2006/main" xmlns:r="http://schemas.openxmlformats.org/officeDocument/2006/relationships" xmlns:p="http://schemas.openxmlformats.org/presentationml/2006/main">
-  <p:cSld>
-    <p:spTree>
-      <p:nvGrpSpPr>
-        <p:cNvPr id="1" name=""/>
-        <p:cNvGrpSpPr/>
-        <p:nvPr/>
-      </p:nvGrpSpPr>
-      <p:grpSpPr>
-        <a:xfrm>
-          <a:off x="0" y="0"/>
-          <a:ext cx="0" cy="0"/>
-          <a:chOff x="0" y="0"/>
-          <a:chExt cx="0" cy="0"/>
-        </a:xfrm>
-      </p:grpSpPr>
-      <p:sp>
-        <p:nvSpPr>
-          <p:cNvPr id="2" name="Slide Number Placeholder 1"/>
-          <p:cNvSpPr>
-            <a:spLocks noGrp="1"/>
-          </p:cNvSpPr>
-          <p:nvPr>
-            <p:ph type="sldNum" sz="quarter" idx="4"/>
-          </p:nvPr>
-        </p:nvSpPr>
-        <p:spPr>
-          <a:xfrm>
-            <a:off x="9900458" y="6459785"/>
-            <a:ext cx="1312025" cy="365125"/>
-          </a:xfrm>
-        </p:spPr>
-        <p:txBody>
-          <a:bodyPr/>
-          <a:lstStyle/>
-          <a:p>
-            <a:fld id="{95C512E1-207F-4DA8-9E8B-046AC4C0F84D}" type="slidenum">
-              <a:rPr lang="en-US" smtClean="0"/>
-              <a:t>40</a:t>
-            </a:fld>
-            <a:endParaRPr lang="en-US" dirty="0"/>
-          </a:p>
-        </p:txBody>
-      </p:sp>
-      <p:sp>
-        <p:nvSpPr>
-          <p:cNvPr id="5" name="TextBox 4"/>
-          <p:cNvSpPr txBox="1"/>
-          <p:nvPr/>
-        </p:nvSpPr>
-        <p:spPr>
-          <a:xfrm>
-            <a:off x="388881" y="201685"/>
-            <a:ext cx="11445765" cy="1569660"/>
-          </a:xfrm>
-          <a:prstGeom prst="rect">
-            <a:avLst/>
-          </a:prstGeom>
-          <a:noFill/>
-        </p:spPr>
-        <p:txBody>
-          <a:bodyPr wrap="square" rtlCol="0">
-            <a:spAutoFit/>
-          </a:bodyPr>
-          <a:lstStyle/>
-          <a:p>
-            <a:pPr algn="ctr"/>
-            <a:r>
-              <a:rPr lang="en-US" sz="9600" dirty="0">
-                <a:latin typeface="Georgia" panose="02040502050405020303" pitchFamily="18" charset="0"/>
-              </a:rPr>
-              <a:t>Let's Focus</a:t>
-            </a:r>
-          </a:p>
-        </p:txBody>
-      </p:sp>
-      <p:sp>
-        <p:nvSpPr>
-          <p:cNvPr id="3" name="Footer Placeholder 2">
-            <a:extLst>
-              <a:ext uri="{FF2B5EF4-FFF2-40B4-BE49-F238E27FC236}">
-                <a16:creationId xmlns:a16="http://schemas.microsoft.com/office/drawing/2014/main" id="{625BDACB-E34D-427C-8DFC-BED70BF4041C}"/>
-              </a:ext>
-            </a:extLst>
-          </p:cNvPr>
-          <p:cNvSpPr>
-            <a:spLocks noGrp="1"/>
-          </p:cNvSpPr>
-          <p:nvPr>
-            <p:ph type="ftr" sz="quarter" idx="3"/>
-          </p:nvPr>
-        </p:nvSpPr>
-        <p:spPr/>
-        <p:txBody>
-          <a:bodyPr/>
-          <a:lstStyle/>
-          <a:p>
-            <a:r>
-              <a:rPr lang="en-US"/>
-              <a:t>Core OSINT: Tracking and Reporting All the Things (Defcon Recon Village 2018) - Webbreacher.com</a:t>
-            </a:r>
-            <a:endParaRPr lang="en-US" dirty="0"/>
-          </a:p>
-        </p:txBody>
-      </p:sp>
-      <p:sp>
-        <p:nvSpPr>
-          <p:cNvPr id="7" name="TextBox 6">
-            <a:extLst>
-              <a:ext uri="{FF2B5EF4-FFF2-40B4-BE49-F238E27FC236}">
-                <a16:creationId xmlns:a16="http://schemas.microsoft.com/office/drawing/2014/main" id="{E7A8D45C-C7E4-42B9-8387-11B388FB2E8E}"/>
-              </a:ext>
-            </a:extLst>
-          </p:cNvPr>
-          <p:cNvSpPr txBox="1"/>
-          <p:nvPr/>
-        </p:nvSpPr>
-        <p:spPr>
-          <a:xfrm>
-            <a:off x="388881" y="1732086"/>
-            <a:ext cx="11445765" cy="3416320"/>
-          </a:xfrm>
-          <a:prstGeom prst="rect">
-            <a:avLst/>
-          </a:prstGeom>
-          <a:noFill/>
-        </p:spPr>
-        <p:txBody>
-          <a:bodyPr wrap="square" rtlCol="0">
-            <a:spAutoFit/>
-          </a:bodyPr>
-          <a:lstStyle/>
-          <a:p>
-            <a:pPr marL="1143000" indent="-1143000">
-              <a:buFont typeface="Arial" panose="020B0604020202020204" pitchFamily="34" charset="0"/>
-              <a:buChar char="•"/>
-            </a:pPr>
-            <a:r>
-              <a:rPr lang="en-US" sz="5400" dirty="0">
-                <a:latin typeface="Georgia" panose="02040502050405020303" pitchFamily="18" charset="0"/>
-              </a:rPr>
-              <a:t>Most flexible</a:t>
-            </a:r>
-          </a:p>
-          <a:p>
-            <a:pPr marL="1143000" indent="-1143000">
-              <a:buFont typeface="Arial" panose="020B0604020202020204" pitchFamily="34" charset="0"/>
-              <a:buChar char="•"/>
-            </a:pPr>
-            <a:r>
-              <a:rPr lang="en-US" sz="5400" dirty="0">
-                <a:latin typeface="Georgia" panose="02040502050405020303" pitchFamily="18" charset="0"/>
-              </a:rPr>
-              <a:t>Most complete features</a:t>
-            </a:r>
-          </a:p>
-          <a:p>
-            <a:pPr marL="1143000" indent="-1143000">
-              <a:buFont typeface="Arial" panose="020B0604020202020204" pitchFamily="34" charset="0"/>
-              <a:buChar char="•"/>
-            </a:pPr>
-            <a:r>
-              <a:rPr lang="en-US" sz="5400" dirty="0">
-                <a:latin typeface="Georgia" panose="02040502050405020303" pitchFamily="18" charset="0"/>
-              </a:rPr>
-              <a:t>Easiest to use</a:t>
-            </a:r>
-          </a:p>
-          <a:p>
-            <a:pPr marL="1143000" indent="-1143000">
-              <a:buFont typeface="Arial" panose="020B0604020202020204" pitchFamily="34" charset="0"/>
-              <a:buChar char="•"/>
-            </a:pPr>
-            <a:r>
-              <a:rPr lang="en-US" sz="5400" dirty="0">
-                <a:latin typeface="Georgia" panose="02040502050405020303" pitchFamily="18" charset="0"/>
-              </a:rPr>
-              <a:t>Decreases our work</a:t>
-            </a:r>
-          </a:p>
-        </p:txBody>
-      </p:sp>
-    </p:spTree>
-    <p:extLst>
-      <p:ext uri="{BB962C8B-B14F-4D97-AF65-F5344CB8AC3E}">
-        <p14:creationId xmlns:p14="http://schemas.microsoft.com/office/powerpoint/2010/main" val="2172788887"/>
-      </p:ext>
-    </p:extLst>
-  </p:cSld>
-  <p:clrMapOvr>
-    <a:masterClrMapping/>
-  </p:clrMapOvr>
-</p:sld>
-</file>
-
-<file path=ppt/slides/slide41.xml><?xml version="1.0" encoding="utf-8"?>
-<p:sld xmlns:a="http://schemas.openxmlformats.org/drawingml/2006/main" xmlns:r="http://schemas.openxmlformats.org/officeDocument/2006/relationships" xmlns:p="http://schemas.openxmlformats.org/presentationml/2006/main">
-  <p:cSld>
-    <p:spTree>
-      <p:nvGrpSpPr>
-        <p:cNvPr id="1" name=""/>
-        <p:cNvGrpSpPr/>
-        <p:nvPr/>
-      </p:nvGrpSpPr>
-      <p:grpSpPr>
-        <a:xfrm>
-          <a:off x="0" y="0"/>
-          <a:ext cx="0" cy="0"/>
-          <a:chOff x="0" y="0"/>
-          <a:chExt cx="0" cy="0"/>
-        </a:xfrm>
-      </p:grpSpPr>
-      <p:sp>
-        <p:nvSpPr>
-          <p:cNvPr id="2" name="Slide Number Placeholder 1"/>
-          <p:cNvSpPr>
-            <a:spLocks noGrp="1"/>
-          </p:cNvSpPr>
-          <p:nvPr>
-            <p:ph type="sldNum" sz="quarter" idx="4"/>
-          </p:nvPr>
-        </p:nvSpPr>
-        <p:spPr>
-          <a:xfrm>
-            <a:off x="9900458" y="6459785"/>
-            <a:ext cx="1312025" cy="365125"/>
-          </a:xfrm>
-        </p:spPr>
-        <p:txBody>
-          <a:bodyPr/>
-          <a:lstStyle/>
-          <a:p>
-            <a:fld id="{95C512E1-207F-4DA8-9E8B-046AC4C0F84D}" type="slidenum">
-              <a:rPr lang="en-US" smtClean="0"/>
-              <a:t>41</a:t>
-            </a:fld>
-            <a:endParaRPr lang="en-US" dirty="0"/>
-          </a:p>
-        </p:txBody>
-      </p:sp>
-      <p:sp>
-        <p:nvSpPr>
-          <p:cNvPr id="5" name="TextBox 4"/>
-          <p:cNvSpPr txBox="1"/>
-          <p:nvPr/>
-        </p:nvSpPr>
-        <p:spPr>
-          <a:xfrm>
-            <a:off x="388881" y="201685"/>
-            <a:ext cx="11445765" cy="1569660"/>
-          </a:xfrm>
-          <a:prstGeom prst="rect">
-            <a:avLst/>
-          </a:prstGeom>
-          <a:noFill/>
-        </p:spPr>
-        <p:txBody>
-          <a:bodyPr wrap="square" rtlCol="0">
-            <a:spAutoFit/>
-          </a:bodyPr>
-          <a:lstStyle/>
-          <a:p>
-            <a:pPr algn="ctr"/>
-            <a:r>
-              <a:rPr lang="en-US" sz="9600" dirty="0" err="1">
-                <a:latin typeface="Georgia" panose="02040502050405020303" pitchFamily="18" charset="0"/>
-              </a:rPr>
-              <a:t>MindMaps</a:t>
-            </a:r>
-            <a:endParaRPr lang="en-US" sz="9600" dirty="0">
-              <a:latin typeface="Georgia" panose="02040502050405020303" pitchFamily="18" charset="0"/>
-            </a:endParaRPr>
-          </a:p>
-        </p:txBody>
-      </p:sp>
-      <p:sp>
-        <p:nvSpPr>
-          <p:cNvPr id="3" name="Footer Placeholder 2">
-            <a:extLst>
-              <a:ext uri="{FF2B5EF4-FFF2-40B4-BE49-F238E27FC236}">
-                <a16:creationId xmlns:a16="http://schemas.microsoft.com/office/drawing/2014/main" id="{625BDACB-E34D-427C-8DFC-BED70BF4041C}"/>
-              </a:ext>
-            </a:extLst>
-          </p:cNvPr>
-          <p:cNvSpPr>
-            <a:spLocks noGrp="1"/>
-          </p:cNvSpPr>
-          <p:nvPr>
-            <p:ph type="ftr" sz="quarter" idx="3"/>
-          </p:nvPr>
-        </p:nvSpPr>
-        <p:spPr/>
-        <p:txBody>
-          <a:bodyPr/>
-          <a:lstStyle/>
-          <a:p>
-            <a:r>
-              <a:rPr lang="en-US"/>
-              <a:t>Core OSINT: Tracking and Reporting All the Things (Defcon Recon Village 2018) - Webbreacher.com</a:t>
-            </a:r>
-            <a:endParaRPr lang="en-US" dirty="0"/>
-          </a:p>
-        </p:txBody>
-      </p:sp>
-      <p:sp>
-        <p:nvSpPr>
-          <p:cNvPr id="7" name="TextBox 6">
-            <a:extLst>
-              <a:ext uri="{FF2B5EF4-FFF2-40B4-BE49-F238E27FC236}">
-                <a16:creationId xmlns:a16="http://schemas.microsoft.com/office/drawing/2014/main" id="{E7A8D45C-C7E4-42B9-8387-11B388FB2E8E}"/>
-              </a:ext>
-            </a:extLst>
-          </p:cNvPr>
-          <p:cNvSpPr txBox="1"/>
-          <p:nvPr/>
-        </p:nvSpPr>
-        <p:spPr>
-          <a:xfrm>
-            <a:off x="388881" y="1732086"/>
-            <a:ext cx="11445765" cy="3416320"/>
-          </a:xfrm>
-          <a:prstGeom prst="rect">
-            <a:avLst/>
-          </a:prstGeom>
-          <a:noFill/>
-        </p:spPr>
-        <p:txBody>
-          <a:bodyPr wrap="square" rtlCol="0">
-            <a:spAutoFit/>
-          </a:bodyPr>
-          <a:lstStyle/>
-          <a:p>
-            <a:pPr marL="1143000" indent="-1143000">
-              <a:buFont typeface="Arial" panose="020B0604020202020204" pitchFamily="34" charset="0"/>
-              <a:buChar char="•"/>
-            </a:pPr>
-            <a:r>
-              <a:rPr lang="en-US" sz="5400" dirty="0">
-                <a:latin typeface="Georgia" panose="02040502050405020303" pitchFamily="18" charset="0"/>
-              </a:rPr>
-              <a:t>Visual note taking</a:t>
-            </a:r>
-          </a:p>
-          <a:p>
-            <a:pPr marL="1143000" indent="-1143000">
-              <a:buFont typeface="Arial" panose="020B0604020202020204" pitchFamily="34" charset="0"/>
-              <a:buChar char="•"/>
-            </a:pPr>
-            <a:r>
-              <a:rPr lang="en-US" sz="5400" dirty="0">
-                <a:latin typeface="Georgia" panose="02040502050405020303" pitchFamily="18" charset="0"/>
-              </a:rPr>
-              <a:t>Embed images and documents</a:t>
-            </a:r>
-          </a:p>
-          <a:p>
-            <a:pPr marL="1143000" indent="-1143000">
-              <a:buFont typeface="Arial" panose="020B0604020202020204" pitchFamily="34" charset="0"/>
-              <a:buChar char="•"/>
-            </a:pPr>
-            <a:r>
-              <a:rPr lang="en-US" sz="5400" dirty="0">
-                <a:latin typeface="Georgia" panose="02040502050405020303" pitchFamily="18" charset="0"/>
-              </a:rPr>
-              <a:t>Some are multi-user</a:t>
-            </a:r>
-          </a:p>
-          <a:p>
-            <a:pPr marL="1143000" indent="-1143000">
-              <a:buFont typeface="Arial" panose="020B0604020202020204" pitchFamily="34" charset="0"/>
-              <a:buChar char="•"/>
-            </a:pPr>
-            <a:r>
-              <a:rPr lang="en-US" sz="5400" dirty="0">
-                <a:latin typeface="Georgia" panose="02040502050405020303" pitchFamily="18" charset="0"/>
-              </a:rPr>
-              <a:t>Easy to see findings and TODOs</a:t>
-            </a:r>
-          </a:p>
-        </p:txBody>
-      </p:sp>
-    </p:spTree>
-    <p:extLst>
-      <p:ext uri="{BB962C8B-B14F-4D97-AF65-F5344CB8AC3E}">
-        <p14:creationId xmlns:p14="http://schemas.microsoft.com/office/powerpoint/2010/main" val="3106724648"/>
-      </p:ext>
-    </p:extLst>
-  </p:cSld>
-  <p:clrMapOvr>
-    <a:masterClrMapping/>
-  </p:clrMapOvr>
-</p:sld>
-</file>
-
 <file path=ppt/slides/slide42.xml><?xml version="1.0" encoding="utf-8"?>
 <p:sld xmlns:a="http://schemas.openxmlformats.org/drawingml/2006/main" xmlns:r="http://schemas.openxmlformats.org/officeDocument/2006/relationships" xmlns:p="http://schemas.openxmlformats.org/presentationml/2006/main">
   <p:cSld>
@@ -12970,7 +12821,7 @@
         <p:spPr>
           <a:xfrm>
             <a:off x="388881" y="201685"/>
-            <a:ext cx="11445765" cy="1323439"/>
+            <a:ext cx="11445765" cy="1569660"/>
           </a:xfrm>
           <a:prstGeom prst="rect">
             <a:avLst/>
@@ -12985,14 +12836,11 @@
           <a:p>
             <a:pPr algn="ctr"/>
             <a:r>
-              <a:rPr lang="en-US" sz="8000" dirty="0" err="1">
+              <a:rPr lang="en-US" sz="9600" dirty="0">
                 <a:latin typeface="Georgia" panose="02040502050405020303" pitchFamily="18" charset="0"/>
               </a:rPr>
-              <a:t>OSINT_Maps.xmind</a:t>
-            </a:r>
-            <a:endParaRPr lang="en-US" sz="8000" dirty="0">
-              <a:latin typeface="Georgia" panose="02040502050405020303" pitchFamily="18" charset="0"/>
-            </a:endParaRPr>
+              <a:t>Let's Focus</a:t>
+            </a:r>
           </a:p>
         </p:txBody>
       </p:sp>
@@ -13039,6 +12887,404 @@
         </p:nvSpPr>
         <p:spPr>
           <a:xfrm>
+            <a:off x="388881" y="1732086"/>
+            <a:ext cx="11445765" cy="3416320"/>
+          </a:xfrm>
+          <a:prstGeom prst="rect">
+            <a:avLst/>
+          </a:prstGeom>
+          <a:noFill/>
+        </p:spPr>
+        <p:txBody>
+          <a:bodyPr wrap="square" rtlCol="0">
+            <a:spAutoFit/>
+          </a:bodyPr>
+          <a:lstStyle/>
+          <a:p>
+            <a:pPr marL="1143000" indent="-1143000">
+              <a:buFont typeface="Arial" panose="020B0604020202020204" pitchFamily="34" charset="0"/>
+              <a:buChar char="•"/>
+            </a:pPr>
+            <a:r>
+              <a:rPr lang="en-US" sz="5400" dirty="0">
+                <a:latin typeface="Georgia" panose="02040502050405020303" pitchFamily="18" charset="0"/>
+              </a:rPr>
+              <a:t>Most flexible</a:t>
+            </a:r>
+          </a:p>
+          <a:p>
+            <a:pPr marL="1143000" indent="-1143000">
+              <a:buFont typeface="Arial" panose="020B0604020202020204" pitchFamily="34" charset="0"/>
+              <a:buChar char="•"/>
+            </a:pPr>
+            <a:r>
+              <a:rPr lang="en-US" sz="5400" dirty="0">
+                <a:latin typeface="Georgia" panose="02040502050405020303" pitchFamily="18" charset="0"/>
+              </a:rPr>
+              <a:t>Most complete features</a:t>
+            </a:r>
+          </a:p>
+          <a:p>
+            <a:pPr marL="1143000" indent="-1143000">
+              <a:buFont typeface="Arial" panose="020B0604020202020204" pitchFamily="34" charset="0"/>
+              <a:buChar char="•"/>
+            </a:pPr>
+            <a:r>
+              <a:rPr lang="en-US" sz="5400" dirty="0">
+                <a:latin typeface="Georgia" panose="02040502050405020303" pitchFamily="18" charset="0"/>
+              </a:rPr>
+              <a:t>Easiest to use</a:t>
+            </a:r>
+          </a:p>
+          <a:p>
+            <a:pPr marL="1143000" indent="-1143000">
+              <a:buFont typeface="Arial" panose="020B0604020202020204" pitchFamily="34" charset="0"/>
+              <a:buChar char="•"/>
+            </a:pPr>
+            <a:r>
+              <a:rPr lang="en-US" sz="5400" dirty="0">
+                <a:latin typeface="Georgia" panose="02040502050405020303" pitchFamily="18" charset="0"/>
+              </a:rPr>
+              <a:t>Decreases our work</a:t>
+            </a:r>
+          </a:p>
+        </p:txBody>
+      </p:sp>
+    </p:spTree>
+    <p:extLst>
+      <p:ext uri="{BB962C8B-B14F-4D97-AF65-F5344CB8AC3E}">
+        <p14:creationId xmlns:p14="http://schemas.microsoft.com/office/powerpoint/2010/main" val="2172788887"/>
+      </p:ext>
+    </p:extLst>
+  </p:cSld>
+  <p:clrMapOvr>
+    <a:masterClrMapping/>
+  </p:clrMapOvr>
+</p:sld>
+</file>
+
+<file path=ppt/slides/slide43.xml><?xml version="1.0" encoding="utf-8"?>
+<p:sld xmlns:a="http://schemas.openxmlformats.org/drawingml/2006/main" xmlns:r="http://schemas.openxmlformats.org/officeDocument/2006/relationships" xmlns:p="http://schemas.openxmlformats.org/presentationml/2006/main">
+  <p:cSld>
+    <p:spTree>
+      <p:nvGrpSpPr>
+        <p:cNvPr id="1" name=""/>
+        <p:cNvGrpSpPr/>
+        <p:nvPr/>
+      </p:nvGrpSpPr>
+      <p:grpSpPr>
+        <a:xfrm>
+          <a:off x="0" y="0"/>
+          <a:ext cx="0" cy="0"/>
+          <a:chOff x="0" y="0"/>
+          <a:chExt cx="0" cy="0"/>
+        </a:xfrm>
+      </p:grpSpPr>
+      <p:sp>
+        <p:nvSpPr>
+          <p:cNvPr id="2" name="Slide Number Placeholder 1"/>
+          <p:cNvSpPr>
+            <a:spLocks noGrp="1"/>
+          </p:cNvSpPr>
+          <p:nvPr>
+            <p:ph type="sldNum" sz="quarter" idx="4"/>
+          </p:nvPr>
+        </p:nvSpPr>
+        <p:spPr>
+          <a:xfrm>
+            <a:off x="9900458" y="6459785"/>
+            <a:ext cx="1312025" cy="365125"/>
+          </a:xfrm>
+        </p:spPr>
+        <p:txBody>
+          <a:bodyPr/>
+          <a:lstStyle/>
+          <a:p>
+            <a:fld id="{95C512E1-207F-4DA8-9E8B-046AC4C0F84D}" type="slidenum">
+              <a:rPr lang="en-US" smtClean="0"/>
+              <a:t>43</a:t>
+            </a:fld>
+            <a:endParaRPr lang="en-US" dirty="0"/>
+          </a:p>
+        </p:txBody>
+      </p:sp>
+      <p:sp>
+        <p:nvSpPr>
+          <p:cNvPr id="5" name="TextBox 4"/>
+          <p:cNvSpPr txBox="1"/>
+          <p:nvPr/>
+        </p:nvSpPr>
+        <p:spPr>
+          <a:xfrm>
+            <a:off x="388881" y="201685"/>
+            <a:ext cx="11445765" cy="1569660"/>
+          </a:xfrm>
+          <a:prstGeom prst="rect">
+            <a:avLst/>
+          </a:prstGeom>
+          <a:noFill/>
+        </p:spPr>
+        <p:txBody>
+          <a:bodyPr wrap="square" rtlCol="0">
+            <a:spAutoFit/>
+          </a:bodyPr>
+          <a:lstStyle/>
+          <a:p>
+            <a:pPr algn="ctr"/>
+            <a:r>
+              <a:rPr lang="en-US" sz="9600" dirty="0" err="1">
+                <a:latin typeface="Georgia" panose="02040502050405020303" pitchFamily="18" charset="0"/>
+              </a:rPr>
+              <a:t>MindMaps</a:t>
+            </a:r>
+            <a:endParaRPr lang="en-US" sz="9600" dirty="0">
+              <a:latin typeface="Georgia" panose="02040502050405020303" pitchFamily="18" charset="0"/>
+            </a:endParaRPr>
+          </a:p>
+        </p:txBody>
+      </p:sp>
+      <p:sp>
+        <p:nvSpPr>
+          <p:cNvPr id="3" name="Footer Placeholder 2">
+            <a:extLst>
+              <a:ext uri="{FF2B5EF4-FFF2-40B4-BE49-F238E27FC236}">
+                <a16:creationId xmlns:a16="http://schemas.microsoft.com/office/drawing/2014/main" id="{625BDACB-E34D-427C-8DFC-BED70BF4041C}"/>
+              </a:ext>
+            </a:extLst>
+          </p:cNvPr>
+          <p:cNvSpPr>
+            <a:spLocks noGrp="1"/>
+          </p:cNvSpPr>
+          <p:nvPr>
+            <p:ph type="ftr" sz="quarter" idx="3"/>
+          </p:nvPr>
+        </p:nvSpPr>
+        <p:spPr/>
+        <p:txBody>
+          <a:bodyPr/>
+          <a:lstStyle/>
+          <a:p>
+            <a:r>
+              <a:rPr lang="en-US"/>
+              <a:t>Core OSINT: Tracking and Reporting All the Things (Defcon Recon Village 2018) - Webbreacher.com</a:t>
+            </a:r>
+            <a:endParaRPr lang="en-US" dirty="0"/>
+          </a:p>
+        </p:txBody>
+      </p:sp>
+      <p:sp>
+        <p:nvSpPr>
+          <p:cNvPr id="7" name="TextBox 6">
+            <a:extLst>
+              <a:ext uri="{FF2B5EF4-FFF2-40B4-BE49-F238E27FC236}">
+                <a16:creationId xmlns:a16="http://schemas.microsoft.com/office/drawing/2014/main" id="{E7A8D45C-C7E4-42B9-8387-11B388FB2E8E}"/>
+              </a:ext>
+            </a:extLst>
+          </p:cNvPr>
+          <p:cNvSpPr txBox="1"/>
+          <p:nvPr/>
+        </p:nvSpPr>
+        <p:spPr>
+          <a:xfrm>
+            <a:off x="388881" y="1732086"/>
+            <a:ext cx="11445765" cy="3416320"/>
+          </a:xfrm>
+          <a:prstGeom prst="rect">
+            <a:avLst/>
+          </a:prstGeom>
+          <a:noFill/>
+        </p:spPr>
+        <p:txBody>
+          <a:bodyPr wrap="square" rtlCol="0">
+            <a:spAutoFit/>
+          </a:bodyPr>
+          <a:lstStyle/>
+          <a:p>
+            <a:pPr marL="1143000" indent="-1143000">
+              <a:buFont typeface="Arial" panose="020B0604020202020204" pitchFamily="34" charset="0"/>
+              <a:buChar char="•"/>
+            </a:pPr>
+            <a:r>
+              <a:rPr lang="en-US" sz="5400" dirty="0">
+                <a:latin typeface="Georgia" panose="02040502050405020303" pitchFamily="18" charset="0"/>
+              </a:rPr>
+              <a:t>Visual note taking</a:t>
+            </a:r>
+          </a:p>
+          <a:p>
+            <a:pPr marL="1143000" indent="-1143000">
+              <a:buFont typeface="Arial" panose="020B0604020202020204" pitchFamily="34" charset="0"/>
+              <a:buChar char="•"/>
+            </a:pPr>
+            <a:r>
+              <a:rPr lang="en-US" sz="5400" dirty="0">
+                <a:latin typeface="Georgia" panose="02040502050405020303" pitchFamily="18" charset="0"/>
+              </a:rPr>
+              <a:t>Embed images and documents</a:t>
+            </a:r>
+          </a:p>
+          <a:p>
+            <a:pPr marL="1143000" indent="-1143000">
+              <a:buFont typeface="Arial" panose="020B0604020202020204" pitchFamily="34" charset="0"/>
+              <a:buChar char="•"/>
+            </a:pPr>
+            <a:r>
+              <a:rPr lang="en-US" sz="5400" dirty="0">
+                <a:latin typeface="Georgia" panose="02040502050405020303" pitchFamily="18" charset="0"/>
+              </a:rPr>
+              <a:t>Some are multi-user</a:t>
+            </a:r>
+          </a:p>
+          <a:p>
+            <a:pPr marL="1143000" indent="-1143000">
+              <a:buFont typeface="Arial" panose="020B0604020202020204" pitchFamily="34" charset="0"/>
+              <a:buChar char="•"/>
+            </a:pPr>
+            <a:r>
+              <a:rPr lang="en-US" sz="5400" dirty="0">
+                <a:latin typeface="Georgia" panose="02040502050405020303" pitchFamily="18" charset="0"/>
+              </a:rPr>
+              <a:t>Easy to see findings and TODOs</a:t>
+            </a:r>
+          </a:p>
+        </p:txBody>
+      </p:sp>
+    </p:spTree>
+    <p:extLst>
+      <p:ext uri="{BB962C8B-B14F-4D97-AF65-F5344CB8AC3E}">
+        <p14:creationId xmlns:p14="http://schemas.microsoft.com/office/powerpoint/2010/main" val="3106724648"/>
+      </p:ext>
+    </p:extLst>
+  </p:cSld>
+  <p:clrMapOvr>
+    <a:masterClrMapping/>
+  </p:clrMapOvr>
+</p:sld>
+</file>
+
+<file path=ppt/slides/slide44.xml><?xml version="1.0" encoding="utf-8"?>
+<p:sld xmlns:a="http://schemas.openxmlformats.org/drawingml/2006/main" xmlns:r="http://schemas.openxmlformats.org/officeDocument/2006/relationships" xmlns:p="http://schemas.openxmlformats.org/presentationml/2006/main">
+  <p:cSld>
+    <p:spTree>
+      <p:nvGrpSpPr>
+        <p:cNvPr id="1" name=""/>
+        <p:cNvGrpSpPr/>
+        <p:nvPr/>
+      </p:nvGrpSpPr>
+      <p:grpSpPr>
+        <a:xfrm>
+          <a:off x="0" y="0"/>
+          <a:ext cx="0" cy="0"/>
+          <a:chOff x="0" y="0"/>
+          <a:chExt cx="0" cy="0"/>
+        </a:xfrm>
+      </p:grpSpPr>
+      <p:sp>
+        <p:nvSpPr>
+          <p:cNvPr id="2" name="Slide Number Placeholder 1"/>
+          <p:cNvSpPr>
+            <a:spLocks noGrp="1"/>
+          </p:cNvSpPr>
+          <p:nvPr>
+            <p:ph type="sldNum" sz="quarter" idx="4"/>
+          </p:nvPr>
+        </p:nvSpPr>
+        <p:spPr>
+          <a:xfrm>
+            <a:off x="9900458" y="6459785"/>
+            <a:ext cx="1312025" cy="365125"/>
+          </a:xfrm>
+        </p:spPr>
+        <p:txBody>
+          <a:bodyPr/>
+          <a:lstStyle/>
+          <a:p>
+            <a:fld id="{95C512E1-207F-4DA8-9E8B-046AC4C0F84D}" type="slidenum">
+              <a:rPr lang="en-US" smtClean="0"/>
+              <a:t>44</a:t>
+            </a:fld>
+            <a:endParaRPr lang="en-US" dirty="0"/>
+          </a:p>
+        </p:txBody>
+      </p:sp>
+      <p:sp>
+        <p:nvSpPr>
+          <p:cNvPr id="5" name="TextBox 4"/>
+          <p:cNvSpPr txBox="1"/>
+          <p:nvPr/>
+        </p:nvSpPr>
+        <p:spPr>
+          <a:xfrm>
+            <a:off x="388881" y="201685"/>
+            <a:ext cx="11445765" cy="1323439"/>
+          </a:xfrm>
+          <a:prstGeom prst="rect">
+            <a:avLst/>
+          </a:prstGeom>
+          <a:noFill/>
+        </p:spPr>
+        <p:txBody>
+          <a:bodyPr wrap="square" rtlCol="0">
+            <a:spAutoFit/>
+          </a:bodyPr>
+          <a:lstStyle/>
+          <a:p>
+            <a:pPr algn="ctr"/>
+            <a:r>
+              <a:rPr lang="en-US" sz="8000" dirty="0" err="1">
+                <a:latin typeface="Georgia" panose="02040502050405020303" pitchFamily="18" charset="0"/>
+              </a:rPr>
+              <a:t>OSINT_Maps.xmind</a:t>
+            </a:r>
+            <a:endParaRPr lang="en-US" sz="8000" dirty="0">
+              <a:latin typeface="Georgia" panose="02040502050405020303" pitchFamily="18" charset="0"/>
+            </a:endParaRPr>
+          </a:p>
+        </p:txBody>
+      </p:sp>
+      <p:sp>
+        <p:nvSpPr>
+          <p:cNvPr id="3" name="Footer Placeholder 2">
+            <a:extLst>
+              <a:ext uri="{FF2B5EF4-FFF2-40B4-BE49-F238E27FC236}">
+                <a16:creationId xmlns:a16="http://schemas.microsoft.com/office/drawing/2014/main" id="{625BDACB-E34D-427C-8DFC-BED70BF4041C}"/>
+              </a:ext>
+            </a:extLst>
+          </p:cNvPr>
+          <p:cNvSpPr>
+            <a:spLocks noGrp="1"/>
+          </p:cNvSpPr>
+          <p:nvPr>
+            <p:ph type="ftr" sz="quarter" idx="3"/>
+          </p:nvPr>
+        </p:nvSpPr>
+        <p:spPr/>
+        <p:txBody>
+          <a:bodyPr/>
+          <a:lstStyle/>
+          <a:p>
+            <a:r>
+              <a:rPr lang="en-US"/>
+              <a:t>Core OSINT: Tracking and Reporting All the Things (Defcon Recon Village 2018) - Webbreacher.com</a:t>
+            </a:r>
+            <a:endParaRPr lang="en-US" dirty="0"/>
+          </a:p>
+        </p:txBody>
+      </p:sp>
+      <p:sp>
+        <p:nvSpPr>
+          <p:cNvPr id="7" name="TextBox 6">
+            <a:extLst>
+              <a:ext uri="{FF2B5EF4-FFF2-40B4-BE49-F238E27FC236}">
+                <a16:creationId xmlns:a16="http://schemas.microsoft.com/office/drawing/2014/main" id="{E7A8D45C-C7E4-42B9-8387-11B388FB2E8E}"/>
+              </a:ext>
+            </a:extLst>
+          </p:cNvPr>
+          <p:cNvSpPr txBox="1"/>
+          <p:nvPr/>
+        </p:nvSpPr>
+        <p:spPr>
+          <a:xfrm>
             <a:off x="388881" y="1582108"/>
             <a:ext cx="11445765" cy="707886"/>
           </a:xfrm>
@@ -13102,19 +13348,7 @@
               <a:rPr lang="en-US" sz="4800" dirty="0">
                 <a:latin typeface="Georgia" panose="02040502050405020303" pitchFamily="18" charset="0"/>
               </a:rPr>
-              <a:t>Free (</a:t>
-            </a:r>
-            <a:r>
-              <a:rPr lang="en-US" sz="4800" dirty="0" err="1">
-                <a:latin typeface="Georgia" panose="02040502050405020303" pitchFamily="18" charset="0"/>
-              </a:rPr>
-              <a:t>Xmind</a:t>
-            </a:r>
-            <a:r>
-              <a:rPr lang="en-US" sz="4800" dirty="0">
-                <a:latin typeface="Georgia" panose="02040502050405020303" pitchFamily="18" charset="0"/>
-              </a:rPr>
-              <a:t>)</a:t>
+              <a:t>Free (Xmind.net)</a:t>
             </a:r>
           </a:p>
           <a:p>
@@ -13192,7 +13426,7 @@
 </p:sld>
 </file>
 
-<file path=ppt/slides/slide43.xml><?xml version="1.0" encoding="utf-8"?>
+<file path=ppt/slides/slide45.xml><?xml version="1.0" encoding="utf-8"?>
 <p:sld xmlns:a="http://schemas.openxmlformats.org/drawingml/2006/main" xmlns:r="http://schemas.openxmlformats.org/officeDocument/2006/relationships" xmlns:p="http://schemas.openxmlformats.org/presentationml/2006/main">
   <p:cSld>
     <p:spTree>
@@ -13231,7 +13465,7 @@
           <a:p>
             <a:fld id="{95C512E1-207F-4DA8-9E8B-046AC4C0F84D}" type="slidenum">
               <a:rPr lang="en-US" smtClean="0"/>
-              <a:t>43</a:t>
+              <a:t>45</a:t>
             </a:fld>
             <a:endParaRPr lang="en-US" dirty="0"/>
           </a:p>
@@ -13337,317 +13571,6 @@
     <p:extLst>
       <p:ext uri="{BB962C8B-B14F-4D97-AF65-F5344CB8AC3E}">
         <p14:creationId xmlns:p14="http://schemas.microsoft.com/office/powerpoint/2010/main" val="4088834602"/>
-      </p:ext>
-    </p:extLst>
-  </p:cSld>
-  <p:clrMapOvr>
-    <a:masterClrMapping/>
-  </p:clrMapOvr>
-</p:sld>
-</file>
-
-<file path=ppt/slides/slide44.xml><?xml version="1.0" encoding="utf-8"?>
-<p:sld xmlns:a="http://schemas.openxmlformats.org/drawingml/2006/main" xmlns:r="http://schemas.openxmlformats.org/officeDocument/2006/relationships" xmlns:p="http://schemas.openxmlformats.org/presentationml/2006/main">
-  <p:cSld>
-    <p:spTree>
-      <p:nvGrpSpPr>
-        <p:cNvPr id="1" name=""/>
-        <p:cNvGrpSpPr/>
-        <p:nvPr/>
-      </p:nvGrpSpPr>
-      <p:grpSpPr>
-        <a:xfrm>
-          <a:off x="0" y="0"/>
-          <a:ext cx="0" cy="0"/>
-          <a:chOff x="0" y="0"/>
-          <a:chExt cx="0" cy="0"/>
-        </a:xfrm>
-      </p:grpSpPr>
-      <p:sp>
-        <p:nvSpPr>
-          <p:cNvPr id="2" name="Slide Number Placeholder 1"/>
-          <p:cNvSpPr>
-            <a:spLocks noGrp="1"/>
-          </p:cNvSpPr>
-          <p:nvPr>
-            <p:ph type="sldNum" sz="quarter" idx="4"/>
-          </p:nvPr>
-        </p:nvSpPr>
-        <p:spPr>
-          <a:xfrm>
-            <a:off x="9900458" y="6459785"/>
-            <a:ext cx="1312025" cy="365125"/>
-          </a:xfrm>
-        </p:spPr>
-        <p:txBody>
-          <a:bodyPr/>
-          <a:lstStyle/>
-          <a:p>
-            <a:fld id="{95C512E1-207F-4DA8-9E8B-046AC4C0F84D}" type="slidenum">
-              <a:rPr lang="en-US" smtClean="0"/>
-              <a:t>44</a:t>
-            </a:fld>
-            <a:endParaRPr lang="en-US" dirty="0"/>
-          </a:p>
-        </p:txBody>
-      </p:sp>
-      <p:sp>
-        <p:nvSpPr>
-          <p:cNvPr id="5" name="TextBox 4"/>
-          <p:cNvSpPr txBox="1"/>
-          <p:nvPr/>
-        </p:nvSpPr>
-        <p:spPr>
-          <a:xfrm>
-            <a:off x="388881" y="201685"/>
-            <a:ext cx="11445765" cy="1323439"/>
-          </a:xfrm>
-          <a:prstGeom prst="rect">
-            <a:avLst/>
-          </a:prstGeom>
-          <a:noFill/>
-        </p:spPr>
-        <p:txBody>
-          <a:bodyPr wrap="square" rtlCol="0">
-            <a:spAutoFit/>
-          </a:bodyPr>
-          <a:lstStyle/>
-          <a:p>
-            <a:pPr algn="ctr"/>
-            <a:r>
-              <a:rPr lang="en-US" sz="8000" dirty="0">
-                <a:latin typeface="Georgia" panose="02040502050405020303" pitchFamily="18" charset="0"/>
-              </a:rPr>
-              <a:t>Data Collection Tab</a:t>
-            </a:r>
-          </a:p>
-        </p:txBody>
-      </p:sp>
-      <p:sp>
-        <p:nvSpPr>
-          <p:cNvPr id="3" name="Footer Placeholder 2">
-            <a:extLst>
-              <a:ext uri="{FF2B5EF4-FFF2-40B4-BE49-F238E27FC236}">
-                <a16:creationId xmlns:a16="http://schemas.microsoft.com/office/drawing/2014/main" id="{625BDACB-E34D-427C-8DFC-BED70BF4041C}"/>
-              </a:ext>
-            </a:extLst>
-          </p:cNvPr>
-          <p:cNvSpPr>
-            <a:spLocks noGrp="1"/>
-          </p:cNvSpPr>
-          <p:nvPr>
-            <p:ph type="ftr" sz="quarter" idx="3"/>
-          </p:nvPr>
-        </p:nvSpPr>
-        <p:spPr/>
-        <p:txBody>
-          <a:bodyPr/>
-          <a:lstStyle/>
-          <a:p>
-            <a:r>
-              <a:rPr lang="en-US"/>
-              <a:t>Core OSINT: Tracking and Reporting All the Things (Defcon Recon Village 2018) - Webbreacher.com</a:t>
-            </a:r>
-            <a:endParaRPr lang="en-US" dirty="0"/>
-          </a:p>
-        </p:txBody>
-      </p:sp>
-      <p:pic>
-        <p:nvPicPr>
-          <p:cNvPr id="6" name="Picture 5">
-            <a:extLst>
-              <a:ext uri="{FF2B5EF4-FFF2-40B4-BE49-F238E27FC236}">
-                <a16:creationId xmlns:a16="http://schemas.microsoft.com/office/drawing/2014/main" id="{06A61B8C-042A-499D-9AD1-5201AF12C9A0}"/>
-              </a:ext>
-            </a:extLst>
-          </p:cNvPr>
-          <p:cNvPicPr>
-            <a:picLocks noChangeAspect="1"/>
-          </p:cNvPicPr>
-          <p:nvPr/>
-        </p:nvPicPr>
-        <p:blipFill>
-          <a:blip r:embed="rId2"/>
-          <a:stretch>
-            <a:fillRect/>
-          </a:stretch>
-        </p:blipFill>
-        <p:spPr>
-          <a:xfrm>
-            <a:off x="1377996" y="1525124"/>
-            <a:ext cx="4331947" cy="4712181"/>
-          </a:xfrm>
-          <a:prstGeom prst="rect">
-            <a:avLst/>
-          </a:prstGeom>
-          <a:ln>
-            <a:solidFill>
-              <a:schemeClr val="tx1"/>
-            </a:solidFill>
-          </a:ln>
-        </p:spPr>
-      </p:pic>
-      <p:pic>
-        <p:nvPicPr>
-          <p:cNvPr id="7" name="Picture 6">
-            <a:extLst>
-              <a:ext uri="{FF2B5EF4-FFF2-40B4-BE49-F238E27FC236}">
-                <a16:creationId xmlns:a16="http://schemas.microsoft.com/office/drawing/2014/main" id="{1C1AC7CF-9702-48E7-9FB0-A1FB3F4ADCDB}"/>
-              </a:ext>
-            </a:extLst>
-          </p:cNvPr>
-          <p:cNvPicPr>
-            <a:picLocks noChangeAspect="1"/>
-          </p:cNvPicPr>
-          <p:nvPr/>
-        </p:nvPicPr>
-        <p:blipFill>
-          <a:blip r:embed="rId3"/>
-          <a:stretch>
-            <a:fillRect/>
-          </a:stretch>
-        </p:blipFill>
-        <p:spPr>
-          <a:xfrm>
-            <a:off x="6482058" y="1718615"/>
-            <a:ext cx="4117763" cy="4257613"/>
-          </a:xfrm>
-          <a:prstGeom prst="rect">
-            <a:avLst/>
-          </a:prstGeom>
-          <a:ln>
-            <a:solidFill>
-              <a:schemeClr val="tx1"/>
-            </a:solidFill>
-          </a:ln>
-        </p:spPr>
-      </p:pic>
-    </p:spTree>
-    <p:extLst>
-      <p:ext uri="{BB962C8B-B14F-4D97-AF65-F5344CB8AC3E}">
-        <p14:creationId xmlns:p14="http://schemas.microsoft.com/office/powerpoint/2010/main" val="445488717"/>
-      </p:ext>
-    </p:extLst>
-  </p:cSld>
-  <p:clrMapOvr>
-    <a:masterClrMapping/>
-  </p:clrMapOvr>
-</p:sld>
-</file>
-
-<file path=ppt/slides/slide45.xml><?xml version="1.0" encoding="utf-8"?>
-<p:sld xmlns:a="http://schemas.openxmlformats.org/drawingml/2006/main" xmlns:r="http://schemas.openxmlformats.org/officeDocument/2006/relationships" xmlns:p="http://schemas.openxmlformats.org/presentationml/2006/main">
-  <p:cSld>
-    <p:spTree>
-      <p:nvGrpSpPr>
-        <p:cNvPr id="1" name=""/>
-        <p:cNvGrpSpPr/>
-        <p:nvPr/>
-      </p:nvGrpSpPr>
-      <p:grpSpPr>
-        <a:xfrm>
-          <a:off x="0" y="0"/>
-          <a:ext cx="0" cy="0"/>
-          <a:chOff x="0" y="0"/>
-          <a:chExt cx="0" cy="0"/>
-        </a:xfrm>
-      </p:grpSpPr>
-      <p:sp>
-        <p:nvSpPr>
-          <p:cNvPr id="2" name="Slide Number Placeholder 1"/>
-          <p:cNvSpPr>
-            <a:spLocks noGrp="1"/>
-          </p:cNvSpPr>
-          <p:nvPr>
-            <p:ph type="sldNum" sz="quarter" idx="4"/>
-          </p:nvPr>
-        </p:nvSpPr>
-        <p:spPr>
-          <a:xfrm>
-            <a:off x="9900458" y="6459785"/>
-            <a:ext cx="1312025" cy="365125"/>
-          </a:xfrm>
-        </p:spPr>
-        <p:txBody>
-          <a:bodyPr/>
-          <a:lstStyle/>
-          <a:p>
-            <a:fld id="{95C512E1-207F-4DA8-9E8B-046AC4C0F84D}" type="slidenum">
-              <a:rPr lang="en-US" smtClean="0"/>
-              <a:t>45</a:t>
-            </a:fld>
-            <a:endParaRPr lang="en-US" dirty="0"/>
-          </a:p>
-        </p:txBody>
-      </p:sp>
-      <p:sp>
-        <p:nvSpPr>
-          <p:cNvPr id="3" name="Footer Placeholder 2">
-            <a:extLst>
-              <a:ext uri="{FF2B5EF4-FFF2-40B4-BE49-F238E27FC236}">
-                <a16:creationId xmlns:a16="http://schemas.microsoft.com/office/drawing/2014/main" id="{625BDACB-E34D-427C-8DFC-BED70BF4041C}"/>
-              </a:ext>
-            </a:extLst>
-          </p:cNvPr>
-          <p:cNvSpPr>
-            <a:spLocks noGrp="1"/>
-          </p:cNvSpPr>
-          <p:nvPr>
-            <p:ph type="ftr" sz="quarter" idx="3"/>
-          </p:nvPr>
-        </p:nvSpPr>
-        <p:spPr/>
-        <p:txBody>
-          <a:bodyPr/>
-          <a:lstStyle/>
-          <a:p>
-            <a:r>
-              <a:rPr lang="en-US"/>
-              <a:t>Core OSINT: Tracking and Reporting All the Things (Defcon Recon Village 2018) - Webbreacher.com</a:t>
-            </a:r>
-            <a:endParaRPr lang="en-US" dirty="0"/>
-          </a:p>
-        </p:txBody>
-      </p:sp>
-      <p:pic>
-        <p:nvPicPr>
-          <p:cNvPr id="4" name="Picture 3">
-            <a:extLst>
-              <a:ext uri="{FF2B5EF4-FFF2-40B4-BE49-F238E27FC236}">
-                <a16:creationId xmlns:a16="http://schemas.microsoft.com/office/drawing/2014/main" id="{4ECA984C-DC22-4291-9F37-3234FC04097F}"/>
-              </a:ext>
-            </a:extLst>
-          </p:cNvPr>
-          <p:cNvPicPr>
-            <a:picLocks noChangeAspect="1"/>
-          </p:cNvPicPr>
-          <p:nvPr/>
-        </p:nvPicPr>
-        <p:blipFill>
-          <a:blip r:embed="rId2"/>
-          <a:stretch>
-            <a:fillRect/>
-          </a:stretch>
-        </p:blipFill>
-        <p:spPr>
-          <a:xfrm>
-            <a:off x="323850" y="197666"/>
-            <a:ext cx="11544300" cy="6006295"/>
-          </a:xfrm>
-          <a:prstGeom prst="rect">
-            <a:avLst/>
-          </a:prstGeom>
-          <a:ln>
-            <a:solidFill>
-              <a:schemeClr val="tx1"/>
-            </a:solidFill>
-          </a:ln>
-        </p:spPr>
-      </p:pic>
-    </p:spTree>
-    <p:extLst>
-      <p:ext uri="{BB962C8B-B14F-4D97-AF65-F5344CB8AC3E}">
-        <p14:creationId xmlns:p14="http://schemas.microsoft.com/office/powerpoint/2010/main" val="666018401"/>
       </p:ext>
     </p:extLst>
   </p:cSld>
@@ -13704,6 +13627,38 @@
       </p:sp>
       <p:sp>
         <p:nvSpPr>
+          <p:cNvPr id="5" name="TextBox 4"/>
+          <p:cNvSpPr txBox="1"/>
+          <p:nvPr/>
+        </p:nvSpPr>
+        <p:spPr>
+          <a:xfrm>
+            <a:off x="388881" y="201685"/>
+            <a:ext cx="11445765" cy="1323439"/>
+          </a:xfrm>
+          <a:prstGeom prst="rect">
+            <a:avLst/>
+          </a:prstGeom>
+          <a:noFill/>
+        </p:spPr>
+        <p:txBody>
+          <a:bodyPr wrap="square" rtlCol="0">
+            <a:spAutoFit/>
+          </a:bodyPr>
+          <a:lstStyle/>
+          <a:p>
+            <a:pPr algn="ctr"/>
+            <a:r>
+              <a:rPr lang="en-US" sz="8000" dirty="0">
+                <a:latin typeface="Georgia" panose="02040502050405020303" pitchFamily="18" charset="0"/>
+              </a:rPr>
+              <a:t>Data Collection Tab</a:t>
+            </a:r>
+          </a:p>
+        </p:txBody>
+      </p:sp>
+      <p:sp>
+        <p:nvSpPr>
           <p:cNvPr id="3" name="Footer Placeholder 2">
             <a:extLst>
               <a:ext uri="{FF2B5EF4-FFF2-40B4-BE49-F238E27FC236}">
@@ -13733,10 +13688,10 @@
       </p:sp>
       <p:pic>
         <p:nvPicPr>
-          <p:cNvPr id="5" name="Picture 4">
+          <p:cNvPr id="6" name="Picture 5">
             <a:extLst>
               <a:ext uri="{FF2B5EF4-FFF2-40B4-BE49-F238E27FC236}">
-                <a16:creationId xmlns:a16="http://schemas.microsoft.com/office/drawing/2014/main" id="{63066123-90A7-4957-9DEB-B88CD8A696E6}"/>
+                <a16:creationId xmlns:a16="http://schemas.microsoft.com/office/drawing/2014/main" id="{06A61B8C-042A-499D-9AD1-5201AF12C9A0}"/>
               </a:ext>
             </a:extLst>
           </p:cNvPr>
@@ -13753,8 +13708,8 @@
         </p:blipFill>
         <p:spPr>
           <a:xfrm>
-            <a:off x="753143" y="443147"/>
-            <a:ext cx="10685714" cy="3761905"/>
+            <a:off x="1377996" y="1525124"/>
+            <a:ext cx="4331947" cy="4712181"/>
           </a:xfrm>
           <a:prstGeom prst="rect">
             <a:avLst/>
@@ -13766,10 +13721,45 @@
           </a:ln>
         </p:spPr>
       </p:pic>
+      <p:pic>
+        <p:nvPicPr>
+          <p:cNvPr id="7" name="Picture 6">
+            <a:extLst>
+              <a:ext uri="{FF2B5EF4-FFF2-40B4-BE49-F238E27FC236}">
+                <a16:creationId xmlns:a16="http://schemas.microsoft.com/office/drawing/2014/main" id="{1C1AC7CF-9702-48E7-9FB0-A1FB3F4ADCDB}"/>
+              </a:ext>
+            </a:extLst>
+          </p:cNvPr>
+          <p:cNvPicPr>
+            <a:picLocks noChangeAspect="1"/>
+          </p:cNvPicPr>
+          <p:nvPr/>
+        </p:nvPicPr>
+        <p:blipFill>
+          <a:blip r:embed="rId3"/>
+          <a:stretch>
+            <a:fillRect/>
+          </a:stretch>
+        </p:blipFill>
+        <p:spPr>
+          <a:xfrm>
+            <a:off x="6482058" y="1718615"/>
+            <a:ext cx="4117763" cy="4257613"/>
+          </a:xfrm>
+          <a:prstGeom prst="rect">
+            <a:avLst/>
+          </a:prstGeom>
+          <a:ln>
+            <a:solidFill>
+              <a:schemeClr val="tx1"/>
+            </a:solidFill>
+          </a:ln>
+        </p:spPr>
+      </p:pic>
     </p:spTree>
     <p:extLst>
       <p:ext uri="{BB962C8B-B14F-4D97-AF65-F5344CB8AC3E}">
-        <p14:creationId xmlns:p14="http://schemas.microsoft.com/office/powerpoint/2010/main" val="3080927"/>
+        <p14:creationId xmlns:p14="http://schemas.microsoft.com/office/powerpoint/2010/main" val="445488717"/>
       </p:ext>
     </p:extLst>
   </p:cSld>
@@ -13826,38 +13816,6 @@
       </p:sp>
       <p:sp>
         <p:nvSpPr>
-          <p:cNvPr id="5" name="TextBox 4"/>
-          <p:cNvSpPr txBox="1"/>
-          <p:nvPr/>
-        </p:nvSpPr>
-        <p:spPr>
-          <a:xfrm>
-            <a:off x="388881" y="201685"/>
-            <a:ext cx="11445765" cy="1323439"/>
-          </a:xfrm>
-          <a:prstGeom prst="rect">
-            <a:avLst/>
-          </a:prstGeom>
-          <a:noFill/>
-        </p:spPr>
-        <p:txBody>
-          <a:bodyPr wrap="square" rtlCol="0">
-            <a:spAutoFit/>
-          </a:bodyPr>
-          <a:lstStyle/>
-          <a:p>
-            <a:pPr algn="ctr"/>
-            <a:r>
-              <a:rPr lang="en-US" sz="8000" dirty="0">
-                <a:latin typeface="Georgia" panose="02040502050405020303" pitchFamily="18" charset="0"/>
-              </a:rPr>
-              <a:t>MindMap Drawbacks</a:t>
-            </a:r>
-          </a:p>
-        </p:txBody>
-      </p:sp>
-      <p:sp>
-        <p:nvSpPr>
           <p:cNvPr id="3" name="Footer Placeholder 2">
             <a:extLst>
               <a:ext uri="{FF2B5EF4-FFF2-40B4-BE49-F238E27FC236}">
@@ -13885,78 +13843,44 @@
           </a:p>
         </p:txBody>
       </p:sp>
-      <p:sp>
-        <p:nvSpPr>
-          <p:cNvPr id="6" name="TextBox 5">
+      <p:pic>
+        <p:nvPicPr>
+          <p:cNvPr id="4" name="Picture 3">
             <a:extLst>
               <a:ext uri="{FF2B5EF4-FFF2-40B4-BE49-F238E27FC236}">
-                <a16:creationId xmlns:a16="http://schemas.microsoft.com/office/drawing/2014/main" id="{C452079F-CA80-4DC1-A2AD-6A9DE399FA74}"/>
+                <a16:creationId xmlns:a16="http://schemas.microsoft.com/office/drawing/2014/main" id="{4ECA984C-DC22-4291-9F37-3234FC04097F}"/>
               </a:ext>
             </a:extLst>
           </p:cNvPr>
-          <p:cNvSpPr txBox="1"/>
+          <p:cNvPicPr>
+            <a:picLocks noChangeAspect="1"/>
+          </p:cNvPicPr>
           <p:nvPr/>
-        </p:nvSpPr>
-        <p:spPr>
-          <a:xfrm>
-            <a:off x="388880" y="1685936"/>
-            <a:ext cx="10964919" cy="3416320"/>
+        </p:nvPicPr>
+        <p:blipFill rotWithShape="1">
+          <a:blip r:embed="rId2"/>
+          <a:srcRect t="16048" r="5680" b="11330"/>
+          <a:stretch/>
+        </p:blipFill>
+        <p:spPr>
+          <a:xfrm>
+            <a:off x="323850" y="284206"/>
+            <a:ext cx="11690624" cy="4683210"/>
           </a:xfrm>
           <a:prstGeom prst="rect">
             <a:avLst/>
           </a:prstGeom>
-          <a:noFill/>
           <a:ln>
-            <a:noFill/>
+            <a:solidFill>
+              <a:schemeClr val="tx1"/>
+            </a:solidFill>
           </a:ln>
         </p:spPr>
-        <p:txBody>
-          <a:bodyPr wrap="square" rtlCol="0">
-            <a:spAutoFit/>
-          </a:bodyPr>
-          <a:lstStyle/>
-          <a:p>
-            <a:pPr marL="1143000" indent="-1143000">
-              <a:buFont typeface="Arial" panose="020B0604020202020204" pitchFamily="34" charset="0"/>
-              <a:buChar char="•"/>
-            </a:pPr>
-            <a:r>
-              <a:rPr lang="en-US" sz="5400" dirty="0">
-                <a:latin typeface="Georgia" panose="02040502050405020303" pitchFamily="18" charset="0"/>
-              </a:rPr>
-              <a:t>Exporting data can be challenging</a:t>
-            </a:r>
-          </a:p>
-          <a:p>
-            <a:pPr marL="1143000" indent="-1143000">
-              <a:buFont typeface="Arial" panose="020B0604020202020204" pitchFamily="34" charset="0"/>
-              <a:buChar char="•"/>
-            </a:pPr>
-            <a:r>
-              <a:rPr lang="en-US" sz="5400" dirty="0">
-                <a:latin typeface="Georgia" panose="02040502050405020303" pitchFamily="18" charset="0"/>
-              </a:rPr>
-              <a:t>Multi-user support is so-so</a:t>
-            </a:r>
-          </a:p>
-          <a:p>
-            <a:pPr marL="1143000" indent="-1143000">
-              <a:buFont typeface="Arial" panose="020B0604020202020204" pitchFamily="34" charset="0"/>
-              <a:buChar char="•"/>
-            </a:pPr>
-            <a:r>
-              <a:rPr lang="en-US" sz="5400" dirty="0">
-                <a:latin typeface="Georgia" panose="02040502050405020303" pitchFamily="18" charset="0"/>
-              </a:rPr>
-              <a:t>Manual data entry process</a:t>
-            </a:r>
-          </a:p>
-        </p:txBody>
-      </p:sp>
+      </p:pic>
     </p:spTree>
     <p:extLst>
       <p:ext uri="{BB962C8B-B14F-4D97-AF65-F5344CB8AC3E}">
-        <p14:creationId xmlns:p14="http://schemas.microsoft.com/office/powerpoint/2010/main" val="1735656895"/>
+        <p14:creationId xmlns:p14="http://schemas.microsoft.com/office/powerpoint/2010/main" val="666018401"/>
       </p:ext>
     </p:extLst>
   </p:cSld>
@@ -14013,38 +13937,6 @@
       </p:sp>
       <p:sp>
         <p:nvSpPr>
-          <p:cNvPr id="5" name="TextBox 4"/>
-          <p:cNvSpPr txBox="1"/>
-          <p:nvPr/>
-        </p:nvSpPr>
-        <p:spPr>
-          <a:xfrm>
-            <a:off x="388881" y="201685"/>
-            <a:ext cx="11445765" cy="1569660"/>
-          </a:xfrm>
-          <a:prstGeom prst="rect">
-            <a:avLst/>
-          </a:prstGeom>
-          <a:noFill/>
-        </p:spPr>
-        <p:txBody>
-          <a:bodyPr wrap="square" rtlCol="0">
-            <a:spAutoFit/>
-          </a:bodyPr>
-          <a:lstStyle/>
-          <a:p>
-            <a:pPr algn="ctr"/>
-            <a:r>
-              <a:rPr lang="en-US" sz="9600" dirty="0">
-                <a:latin typeface="Georgia" panose="02040502050405020303" pitchFamily="18" charset="0"/>
-              </a:rPr>
-              <a:t>Hunch.ly</a:t>
-            </a:r>
-          </a:p>
-        </p:txBody>
-      </p:sp>
-      <p:sp>
-        <p:nvSpPr>
           <p:cNvPr id="3" name="Footer Placeholder 2">
             <a:extLst>
               <a:ext uri="{FF2B5EF4-FFF2-40B4-BE49-F238E27FC236}">
@@ -14072,125 +13964,12 @@
           </a:p>
         </p:txBody>
       </p:sp>
-      <p:sp>
-        <p:nvSpPr>
-          <p:cNvPr id="7" name="TextBox 6">
+      <p:pic>
+        <p:nvPicPr>
+          <p:cNvPr id="5" name="Picture 4">
             <a:extLst>
               <a:ext uri="{FF2B5EF4-FFF2-40B4-BE49-F238E27FC236}">
-                <a16:creationId xmlns:a16="http://schemas.microsoft.com/office/drawing/2014/main" id="{E7A8D45C-C7E4-42B9-8387-11B388FB2E8E}"/>
-              </a:ext>
-            </a:extLst>
-          </p:cNvPr>
-          <p:cNvSpPr txBox="1"/>
-          <p:nvPr/>
-        </p:nvSpPr>
-        <p:spPr>
-          <a:xfrm>
-            <a:off x="388882" y="1735411"/>
-            <a:ext cx="8674988" cy="4401205"/>
-          </a:xfrm>
-          <a:prstGeom prst="rect">
-            <a:avLst/>
-          </a:prstGeom>
-          <a:noFill/>
-        </p:spPr>
-        <p:txBody>
-          <a:bodyPr wrap="square" rtlCol="0">
-            <a:spAutoFit/>
-          </a:bodyPr>
-          <a:lstStyle/>
-          <a:p>
-            <a:pPr marL="1143000" indent="-1143000">
-              <a:buFont typeface="Arial" panose="020B0604020202020204" pitchFamily="34" charset="0"/>
-              <a:buChar char="•"/>
-            </a:pPr>
-            <a:r>
-              <a:rPr lang="en-US" sz="4000" dirty="0">
-                <a:latin typeface="Georgia" panose="02040502050405020303" pitchFamily="18" charset="0"/>
-              </a:rPr>
-              <a:t>Passively extracts data</a:t>
-            </a:r>
-          </a:p>
-          <a:p>
-            <a:pPr marL="1143000" indent="-1143000">
-              <a:buFont typeface="Arial" panose="020B0604020202020204" pitchFamily="34" charset="0"/>
-              <a:buChar char="•"/>
-            </a:pPr>
-            <a:r>
-              <a:rPr lang="en-US" sz="4000" dirty="0">
-                <a:latin typeface="Georgia" panose="02040502050405020303" pitchFamily="18" charset="0"/>
-              </a:rPr>
-              <a:t>Automated recording of browser</a:t>
-            </a:r>
-          </a:p>
-          <a:p>
-            <a:pPr marL="1143000" indent="-1143000">
-              <a:buFont typeface="Arial" panose="020B0604020202020204" pitchFamily="34" charset="0"/>
-              <a:buChar char="•"/>
-            </a:pPr>
-            <a:r>
-              <a:rPr lang="en-US" sz="4000" dirty="0">
-                <a:latin typeface="Georgia" panose="02040502050405020303" pitchFamily="18" charset="0"/>
-              </a:rPr>
-              <a:t>Time-lining</a:t>
-            </a:r>
-          </a:p>
-          <a:p>
-            <a:pPr marL="1143000" indent="-1143000">
-              <a:buFont typeface="Arial" panose="020B0604020202020204" pitchFamily="34" charset="0"/>
-              <a:buChar char="•"/>
-            </a:pPr>
-            <a:r>
-              <a:rPr lang="en-US" sz="4000" dirty="0">
-                <a:latin typeface="Georgia" panose="02040502050405020303" pitchFamily="18" charset="0"/>
-              </a:rPr>
-              <a:t>Hashing of images</a:t>
-            </a:r>
-          </a:p>
-          <a:p>
-            <a:pPr marL="1143000" indent="-1143000">
-              <a:buFont typeface="Arial" panose="020B0604020202020204" pitchFamily="34" charset="0"/>
-              <a:buChar char="•"/>
-            </a:pPr>
-            <a:r>
-              <a:rPr lang="en-US" sz="4000" dirty="0">
-                <a:latin typeface="Georgia" panose="02040502050405020303" pitchFamily="18" charset="0"/>
-              </a:rPr>
-              <a:t>Downloaded files, included</a:t>
-            </a:r>
-          </a:p>
-          <a:p>
-            <a:pPr marL="1143000" indent="-1143000">
-              <a:buFont typeface="Arial" panose="020B0604020202020204" pitchFamily="34" charset="0"/>
-              <a:buChar char="•"/>
-            </a:pPr>
-            <a:r>
-              <a:rPr lang="en-US" sz="4000" dirty="0">
-                <a:latin typeface="Georgia" panose="02040502050405020303" pitchFamily="18" charset="0"/>
-              </a:rPr>
-              <a:t>Google Chrome Extension</a:t>
-            </a:r>
-          </a:p>
-          <a:p>
-            <a:pPr marL="1143000" indent="-1143000">
-              <a:buFont typeface="Arial" panose="020B0604020202020204" pitchFamily="34" charset="0"/>
-              <a:buChar char="•"/>
-            </a:pPr>
-            <a:r>
-              <a:rPr lang="en-US" sz="4000" dirty="0">
-                <a:latin typeface="Georgia" panose="02040502050405020303" pitchFamily="18" charset="0"/>
-              </a:rPr>
-              <a:t>Can$130/year</a:t>
-            </a:r>
-          </a:p>
-        </p:txBody>
-      </p:sp>
-      <p:pic>
-        <p:nvPicPr>
-          <p:cNvPr id="6" name="Picture 5">
-            <a:extLst>
-              <a:ext uri="{FF2B5EF4-FFF2-40B4-BE49-F238E27FC236}">
-                <a16:creationId xmlns:a16="http://schemas.microsoft.com/office/drawing/2014/main" id="{50BBF47E-6EAB-4D23-8A30-E29E7056F19C}"/>
+                <a16:creationId xmlns:a16="http://schemas.microsoft.com/office/drawing/2014/main" id="{63066123-90A7-4957-9DEB-B88CD8A696E6}"/>
               </a:ext>
             </a:extLst>
           </p:cNvPr>
@@ -14200,72 +13979,30 @@
           <p:nvPr/>
         </p:nvPicPr>
         <p:blipFill>
-          <a:blip r:embed="rId2">
-            <a:extLst>
-              <a:ext uri="{28A0092B-C50C-407E-A947-70E740481C1C}">
-                <a14:useLocalDpi xmlns:a14="http://schemas.microsoft.com/office/drawing/2010/main" val="0"/>
-              </a:ext>
-            </a:extLst>
-          </a:blip>
+          <a:blip r:embed="rId2"/>
           <a:stretch>
             <a:fillRect/>
           </a:stretch>
         </p:blipFill>
         <p:spPr>
-          <a:xfrm flipH="1">
-            <a:off x="9365347" y="884283"/>
-            <a:ext cx="2167821" cy="2362483"/>
+          <a:xfrm>
+            <a:off x="280279" y="220725"/>
+            <a:ext cx="11692935" cy="4116497"/>
           </a:xfrm>
           <a:prstGeom prst="rect">
             <a:avLst/>
           </a:prstGeom>
+          <a:ln>
+            <a:solidFill>
+              <a:schemeClr val="tx1"/>
+            </a:solidFill>
+          </a:ln>
         </p:spPr>
       </p:pic>
-      <p:sp>
-        <p:nvSpPr>
-          <p:cNvPr id="8" name="TextBox 7">
-            <a:extLst>
-              <a:ext uri="{FF2B5EF4-FFF2-40B4-BE49-F238E27FC236}">
-                <a16:creationId xmlns:a16="http://schemas.microsoft.com/office/drawing/2014/main" id="{A1550EF6-2CA3-4459-A3EC-173977D3A49A}"/>
-              </a:ext>
-            </a:extLst>
-          </p:cNvPr>
-          <p:cNvSpPr txBox="1"/>
-          <p:nvPr/>
-        </p:nvSpPr>
-        <p:spPr>
-          <a:xfrm>
-            <a:off x="8579796" y="3305071"/>
-            <a:ext cx="3378740" cy="584775"/>
-          </a:xfrm>
-          <a:prstGeom prst="rect">
-            <a:avLst/>
-          </a:prstGeom>
-          <a:noFill/>
-        </p:spPr>
-        <p:txBody>
-          <a:bodyPr wrap="square" rtlCol="0">
-            <a:spAutoFit/>
-          </a:bodyPr>
-          <a:lstStyle/>
-          <a:p>
-            <a:pPr algn="ctr"/>
-            <a:r>
-              <a:rPr lang="en-US" sz="3200" dirty="0">
-                <a:solidFill>
-                  <a:schemeClr val="accent1"/>
-                </a:solidFill>
-                <a:latin typeface="Georgia" panose="02040502050405020303" pitchFamily="18" charset="0"/>
-              </a:rPr>
-              <a:t>https://hunch.ly</a:t>
-            </a:r>
-          </a:p>
-        </p:txBody>
-      </p:sp>
     </p:spTree>
     <p:extLst>
       <p:ext uri="{BB962C8B-B14F-4D97-AF65-F5344CB8AC3E}">
-        <p14:creationId xmlns:p14="http://schemas.microsoft.com/office/powerpoint/2010/main" val="2385437102"/>
+        <p14:creationId xmlns:p14="http://schemas.microsoft.com/office/powerpoint/2010/main" val="3080927"/>
       </p:ext>
     </p:extLst>
   </p:cSld>
@@ -14294,10 +14031,70 @@
       </p:grpSpPr>
       <p:sp>
         <p:nvSpPr>
-          <p:cNvPr id="2" name="Footer Placeholder 1">
+          <p:cNvPr id="2" name="Slide Number Placeholder 1"/>
+          <p:cNvSpPr>
+            <a:spLocks noGrp="1"/>
+          </p:cNvSpPr>
+          <p:nvPr>
+            <p:ph type="sldNum" sz="quarter" idx="4"/>
+          </p:nvPr>
+        </p:nvSpPr>
+        <p:spPr>
+          <a:xfrm>
+            <a:off x="9900458" y="6459785"/>
+            <a:ext cx="1312025" cy="365125"/>
+          </a:xfrm>
+        </p:spPr>
+        <p:txBody>
+          <a:bodyPr/>
+          <a:lstStyle/>
+          <a:p>
+            <a:fld id="{95C512E1-207F-4DA8-9E8B-046AC4C0F84D}" type="slidenum">
+              <a:rPr lang="en-US" smtClean="0"/>
+              <a:t>49</a:t>
+            </a:fld>
+            <a:endParaRPr lang="en-US" dirty="0"/>
+          </a:p>
+        </p:txBody>
+      </p:sp>
+      <p:sp>
+        <p:nvSpPr>
+          <p:cNvPr id="5" name="TextBox 4"/>
+          <p:cNvSpPr txBox="1"/>
+          <p:nvPr/>
+        </p:nvSpPr>
+        <p:spPr>
+          <a:xfrm>
+            <a:off x="388881" y="201685"/>
+            <a:ext cx="11445765" cy="1323439"/>
+          </a:xfrm>
+          <a:prstGeom prst="rect">
+            <a:avLst/>
+          </a:prstGeom>
+          <a:noFill/>
+        </p:spPr>
+        <p:txBody>
+          <a:bodyPr wrap="square" rtlCol="0">
+            <a:spAutoFit/>
+          </a:bodyPr>
+          <a:lstStyle/>
+          <a:p>
+            <a:pPr algn="ctr"/>
+            <a:r>
+              <a:rPr lang="en-US" sz="8000" dirty="0">
+                <a:latin typeface="Georgia" panose="02040502050405020303" pitchFamily="18" charset="0"/>
+              </a:rPr>
+              <a:t>MindMap Drawbacks</a:t>
+            </a:r>
+          </a:p>
+        </p:txBody>
+      </p:sp>
+      <p:sp>
+        <p:nvSpPr>
+          <p:cNvPr id="3" name="Footer Placeholder 2">
             <a:extLst>
               <a:ext uri="{FF2B5EF4-FFF2-40B4-BE49-F238E27FC236}">
-                <a16:creationId xmlns:a16="http://schemas.microsoft.com/office/drawing/2014/main" id="{A6575B85-D81D-42FD-9470-F6F51C3629BE}"/>
+                <a16:creationId xmlns:a16="http://schemas.microsoft.com/office/drawing/2014/main" id="{625BDACB-E34D-427C-8DFC-BED70BF4041C}"/>
               </a:ext>
             </a:extLst>
           </p:cNvPr>
@@ -14323,78 +14120,10 @@
       </p:sp>
       <p:sp>
         <p:nvSpPr>
-          <p:cNvPr id="3" name="Slide Number Placeholder 2">
+          <p:cNvPr id="6" name="TextBox 5">
             <a:extLst>
               <a:ext uri="{FF2B5EF4-FFF2-40B4-BE49-F238E27FC236}">
-                <a16:creationId xmlns:a16="http://schemas.microsoft.com/office/drawing/2014/main" id="{43F26F97-A54E-498C-B611-5591C11A1CA0}"/>
-              </a:ext>
-            </a:extLst>
-          </p:cNvPr>
-          <p:cNvSpPr>
-            <a:spLocks noGrp="1"/>
-          </p:cNvSpPr>
-          <p:nvPr>
-            <p:ph type="sldNum" sz="quarter" idx="4"/>
-          </p:nvPr>
-        </p:nvSpPr>
-        <p:spPr/>
-        <p:txBody>
-          <a:bodyPr/>
-          <a:lstStyle/>
-          <a:p>
-            <a:fld id="{95C512E1-207F-4DA8-9E8B-046AC4C0F84D}" type="slidenum">
-              <a:rPr lang="en-US" smtClean="0"/>
-              <a:pPr/>
-              <a:t>49</a:t>
-            </a:fld>
-            <a:r>
-              <a:rPr lang="en-US"/>
-              <a:t> </a:t>
-            </a:r>
-            <a:endParaRPr lang="en-US" dirty="0"/>
-          </a:p>
-        </p:txBody>
-      </p:sp>
-      <p:pic>
-        <p:nvPicPr>
-          <p:cNvPr id="4" name="Picture 3">
-            <a:extLst>
-              <a:ext uri="{FF2B5EF4-FFF2-40B4-BE49-F238E27FC236}">
-                <a16:creationId xmlns:a16="http://schemas.microsoft.com/office/drawing/2014/main" id="{25B9FBEE-8062-4137-868D-28F8D2EEBE64}"/>
-              </a:ext>
-            </a:extLst>
-          </p:cNvPr>
-          <p:cNvPicPr>
-            <a:picLocks noChangeAspect="1"/>
-          </p:cNvPicPr>
-          <p:nvPr/>
-        </p:nvPicPr>
-        <p:blipFill rotWithShape="1">
-          <a:blip r:embed="rId2"/>
-          <a:srcRect r="50202" b="37778"/>
-          <a:stretch/>
-        </p:blipFill>
-        <p:spPr>
-          <a:xfrm>
-            <a:off x="4775200" y="292099"/>
-            <a:ext cx="7148310" cy="5873073"/>
-          </a:xfrm>
-          <a:prstGeom prst="rect">
-            <a:avLst/>
-          </a:prstGeom>
-          <a:ln>
-            <a:solidFill>
-              <a:schemeClr val="tx1"/>
-            </a:solidFill>
-          </a:ln>
-        </p:spPr>
-      </p:pic>
-      <p:sp>
-        <p:nvSpPr>
-          <p:cNvPr id="5" name="TextBox 4">
-            <a:extLst>
-              <a:ext uri="{FF2B5EF4-FFF2-40B4-BE49-F238E27FC236}">
-                <a16:creationId xmlns:a16="http://schemas.microsoft.com/office/drawing/2014/main" id="{1450165D-3F9A-4F40-93DA-5DD194D964BD}"/>
+                <a16:creationId xmlns:a16="http://schemas.microsoft.com/office/drawing/2014/main" id="{C452079F-CA80-4DC1-A2AD-6A9DE399FA74}"/>
               </a:ext>
             </a:extLst>
           </p:cNvPr>
@@ -14403,8 +14132,8 @@
         </p:nvSpPr>
         <p:spPr>
           <a:xfrm>
-            <a:off x="646453" y="692828"/>
-            <a:ext cx="3862047" cy="3416320"/>
+            <a:off x="388880" y="1685936"/>
+            <a:ext cx="10964919" cy="3416320"/>
           </a:xfrm>
           <a:prstGeom prst="rect">
             <a:avLst/>
@@ -14420,19 +14149,39 @@
           </a:bodyPr>
           <a:lstStyle/>
           <a:p>
+            <a:pPr marL="1143000" indent="-1143000">
+              <a:buFont typeface="Arial" panose="020B0604020202020204" pitchFamily="34" charset="0"/>
+              <a:buChar char="•"/>
+            </a:pPr>
             <a:r>
               <a:rPr lang="en-US" sz="5400" dirty="0">
                 <a:latin typeface="Georgia" panose="02040502050405020303" pitchFamily="18" charset="0"/>
               </a:rPr>
-              <a:t>Dashboard</a:t>
-            </a:r>
-          </a:p>
-          <a:p>
+              <a:t>Exporting data can be challenging</a:t>
+            </a:r>
+          </a:p>
+          <a:p>
+            <a:pPr marL="1143000" indent="-1143000">
+              <a:buFont typeface="Arial" panose="020B0604020202020204" pitchFamily="34" charset="0"/>
+              <a:buChar char="•"/>
+            </a:pPr>
             <a:r>
               <a:rPr lang="en-US" sz="5400" dirty="0">
                 <a:latin typeface="Georgia" panose="02040502050405020303" pitchFamily="18" charset="0"/>
               </a:rPr>
-              <a:t>with case summary data</a:t>
+              <a:t>Multi-user support is so-so</a:t>
+            </a:r>
+          </a:p>
+          <a:p>
+            <a:pPr marL="1143000" indent="-1143000">
+              <a:buFont typeface="Arial" panose="020B0604020202020204" pitchFamily="34" charset="0"/>
+              <a:buChar char="•"/>
+            </a:pPr>
+            <a:r>
+              <a:rPr lang="en-US" sz="5400" dirty="0">
+                <a:latin typeface="Georgia" panose="02040502050405020303" pitchFamily="18" charset="0"/>
+              </a:rPr>
+              <a:t>Manual data entry process</a:t>
             </a:r>
           </a:p>
         </p:txBody>
@@ -14440,7 +14189,7 @@
     </p:spTree>
     <p:extLst>
       <p:ext uri="{BB962C8B-B14F-4D97-AF65-F5344CB8AC3E}">
-        <p14:creationId xmlns:p14="http://schemas.microsoft.com/office/powerpoint/2010/main" val="1057503475"/>
+        <p14:creationId xmlns:p14="http://schemas.microsoft.com/office/powerpoint/2010/main" val="1735656895"/>
       </p:ext>
     </p:extLst>
   </p:cSld>
@@ -14630,10 +14379,70 @@
       </p:grpSpPr>
       <p:sp>
         <p:nvSpPr>
-          <p:cNvPr id="2" name="Footer Placeholder 1">
+          <p:cNvPr id="2" name="Slide Number Placeholder 1"/>
+          <p:cNvSpPr>
+            <a:spLocks noGrp="1"/>
+          </p:cNvSpPr>
+          <p:nvPr>
+            <p:ph type="sldNum" sz="quarter" idx="4"/>
+          </p:nvPr>
+        </p:nvSpPr>
+        <p:spPr>
+          <a:xfrm>
+            <a:off x="9900458" y="6459785"/>
+            <a:ext cx="1312025" cy="365125"/>
+          </a:xfrm>
+        </p:spPr>
+        <p:txBody>
+          <a:bodyPr/>
+          <a:lstStyle/>
+          <a:p>
+            <a:fld id="{95C512E1-207F-4DA8-9E8B-046AC4C0F84D}" type="slidenum">
+              <a:rPr lang="en-US" smtClean="0"/>
+              <a:t>50</a:t>
+            </a:fld>
+            <a:endParaRPr lang="en-US" dirty="0"/>
+          </a:p>
+        </p:txBody>
+      </p:sp>
+      <p:sp>
+        <p:nvSpPr>
+          <p:cNvPr id="5" name="TextBox 4"/>
+          <p:cNvSpPr txBox="1"/>
+          <p:nvPr/>
+        </p:nvSpPr>
+        <p:spPr>
+          <a:xfrm>
+            <a:off x="388881" y="201685"/>
+            <a:ext cx="11445765" cy="1569660"/>
+          </a:xfrm>
+          <a:prstGeom prst="rect">
+            <a:avLst/>
+          </a:prstGeom>
+          <a:noFill/>
+        </p:spPr>
+        <p:txBody>
+          <a:bodyPr wrap="square" rtlCol="0">
+            <a:spAutoFit/>
+          </a:bodyPr>
+          <a:lstStyle/>
+          <a:p>
+            <a:pPr algn="ctr"/>
+            <a:r>
+              <a:rPr lang="en-US" sz="9600" dirty="0">
+                <a:latin typeface="Georgia" panose="02040502050405020303" pitchFamily="18" charset="0"/>
+              </a:rPr>
+              <a:t>Hunch.ly</a:t>
+            </a:r>
+          </a:p>
+        </p:txBody>
+      </p:sp>
+      <p:sp>
+        <p:nvSpPr>
+          <p:cNvPr id="3" name="Footer Placeholder 2">
             <a:extLst>
               <a:ext uri="{FF2B5EF4-FFF2-40B4-BE49-F238E27FC236}">
-                <a16:creationId xmlns:a16="http://schemas.microsoft.com/office/drawing/2014/main" id="{A6575B85-D81D-42FD-9470-F6F51C3629BE}"/>
+                <a16:creationId xmlns:a16="http://schemas.microsoft.com/office/drawing/2014/main" id="{625BDACB-E34D-427C-8DFC-BED70BF4041C}"/>
               </a:ext>
             </a:extLst>
           </p:cNvPr>
@@ -14659,44 +14468,10 @@
       </p:sp>
       <p:sp>
         <p:nvSpPr>
-          <p:cNvPr id="3" name="Slide Number Placeholder 2">
+          <p:cNvPr id="7" name="TextBox 6">
             <a:extLst>
               <a:ext uri="{FF2B5EF4-FFF2-40B4-BE49-F238E27FC236}">
-                <a16:creationId xmlns:a16="http://schemas.microsoft.com/office/drawing/2014/main" id="{43F26F97-A54E-498C-B611-5591C11A1CA0}"/>
-              </a:ext>
-            </a:extLst>
-          </p:cNvPr>
-          <p:cNvSpPr>
-            <a:spLocks noGrp="1"/>
-          </p:cNvSpPr>
-          <p:nvPr>
-            <p:ph type="sldNum" sz="quarter" idx="4"/>
-          </p:nvPr>
-        </p:nvSpPr>
-        <p:spPr/>
-        <p:txBody>
-          <a:bodyPr/>
-          <a:lstStyle/>
-          <a:p>
-            <a:fld id="{95C512E1-207F-4DA8-9E8B-046AC4C0F84D}" type="slidenum">
-              <a:rPr lang="en-US" smtClean="0"/>
-              <a:pPr/>
-              <a:t>50</a:t>
-            </a:fld>
-            <a:r>
-              <a:rPr lang="en-US"/>
-              <a:t> </a:t>
-            </a:r>
-            <a:endParaRPr lang="en-US" dirty="0"/>
-          </a:p>
-        </p:txBody>
-      </p:sp>
-      <p:sp>
-        <p:nvSpPr>
-          <p:cNvPr id="5" name="TextBox 4">
-            <a:extLst>
-              <a:ext uri="{FF2B5EF4-FFF2-40B4-BE49-F238E27FC236}">
-                <a16:creationId xmlns:a16="http://schemas.microsoft.com/office/drawing/2014/main" id="{1450165D-3F9A-4F40-93DA-5DD194D964BD}"/>
+                <a16:creationId xmlns:a16="http://schemas.microsoft.com/office/drawing/2014/main" id="{E7A8D45C-C7E4-42B9-8387-11B388FB2E8E}"/>
               </a:ext>
             </a:extLst>
           </p:cNvPr>
@@ -14705,16 +14480,13 @@
         </p:nvSpPr>
         <p:spPr>
           <a:xfrm>
-            <a:off x="646453" y="692828"/>
-            <a:ext cx="3862047" cy="5078313"/>
+            <a:off x="388882" y="1735411"/>
+            <a:ext cx="8674988" cy="4401205"/>
           </a:xfrm>
           <a:prstGeom prst="rect">
             <a:avLst/>
           </a:prstGeom>
           <a:noFill/>
-          <a:ln>
-            <a:noFill/>
-          </a:ln>
         </p:spPr>
         <p:txBody>
           <a:bodyPr wrap="square" rtlCol="0">
@@ -14722,11 +14494,87 @@
           </a:bodyPr>
           <a:lstStyle/>
           <a:p>
-            <a:r>
-              <a:rPr lang="en-US" sz="5400" dirty="0">
+            <a:pPr marL="1143000" indent="-1143000">
+              <a:buFont typeface="Arial" panose="020B0604020202020204" pitchFamily="34" charset="0"/>
+              <a:buChar char="•"/>
+            </a:pPr>
+            <a:r>
+              <a:rPr lang="en-US" sz="4000" dirty="0">
                 <a:latin typeface="Georgia" panose="02040502050405020303" pitchFamily="18" charset="0"/>
               </a:rPr>
-              <a:t>Enter selectors so Hunchly can find them in pages/files</a:t>
+              <a:t>Passively extracts data</a:t>
+            </a:r>
+          </a:p>
+          <a:p>
+            <a:pPr marL="1143000" indent="-1143000">
+              <a:buFont typeface="Arial" panose="020B0604020202020204" pitchFamily="34" charset="0"/>
+              <a:buChar char="•"/>
+            </a:pPr>
+            <a:r>
+              <a:rPr lang="en-US" sz="4000" dirty="0">
+                <a:latin typeface="Georgia" panose="02040502050405020303" pitchFamily="18" charset="0"/>
+              </a:rPr>
+              <a:t>Automated recording of browser</a:t>
+            </a:r>
+          </a:p>
+          <a:p>
+            <a:pPr marL="1143000" indent="-1143000">
+              <a:buFont typeface="Arial" panose="020B0604020202020204" pitchFamily="34" charset="0"/>
+              <a:buChar char="•"/>
+            </a:pPr>
+            <a:r>
+              <a:rPr lang="en-US" sz="4000" dirty="0">
+                <a:latin typeface="Georgia" panose="02040502050405020303" pitchFamily="18" charset="0"/>
+              </a:rPr>
+              <a:t>Time-lining</a:t>
+            </a:r>
+          </a:p>
+          <a:p>
+            <a:pPr marL="1143000" indent="-1143000">
+              <a:buFont typeface="Arial" panose="020B0604020202020204" pitchFamily="34" charset="0"/>
+              <a:buChar char="•"/>
+            </a:pPr>
+            <a:r>
+              <a:rPr lang="en-US" sz="4000" dirty="0">
+                <a:latin typeface="Georgia" panose="02040502050405020303" pitchFamily="18" charset="0"/>
+              </a:rPr>
+              <a:t>Hashing of images</a:t>
+            </a:r>
+          </a:p>
+          <a:p>
+            <a:pPr marL="1143000" indent="-1143000">
+              <a:buFont typeface="Arial" panose="020B0604020202020204" pitchFamily="34" charset="0"/>
+              <a:buChar char="•"/>
+            </a:pPr>
+            <a:r>
+              <a:rPr lang="en-US" sz="4000" dirty="0">
+                <a:latin typeface="Georgia" panose="02040502050405020303" pitchFamily="18" charset="0"/>
+              </a:rPr>
+              <a:t>Downloaded files, included</a:t>
+            </a:r>
+          </a:p>
+          <a:p>
+            <a:pPr marL="1143000" indent="-1143000">
+              <a:buFont typeface="Arial" panose="020B0604020202020204" pitchFamily="34" charset="0"/>
+              <a:buChar char="•"/>
+            </a:pPr>
+            <a:r>
+              <a:rPr lang="en-US" sz="4000" dirty="0">
+                <a:latin typeface="Georgia" panose="02040502050405020303" pitchFamily="18" charset="0"/>
+              </a:rPr>
+              <a:t>Google Chrome Extension</a:t>
+            </a:r>
+          </a:p>
+          <a:p>
+            <a:pPr marL="1143000" indent="-1143000">
+              <a:buFont typeface="Arial" panose="020B0604020202020204" pitchFamily="34" charset="0"/>
+              <a:buChar char="•"/>
+            </a:pPr>
+            <a:r>
+              <a:rPr lang="en-US" sz="4000" dirty="0">
+                <a:latin typeface="Georgia" panose="02040502050405020303" pitchFamily="18" charset="0"/>
+              </a:rPr>
+              <a:t>Can$130/year</a:t>
             </a:r>
           </a:p>
         </p:txBody>
@@ -14736,7 +14584,7 @@
           <p:cNvPr id="6" name="Picture 5">
             <a:extLst>
               <a:ext uri="{FF2B5EF4-FFF2-40B4-BE49-F238E27FC236}">
-                <a16:creationId xmlns:a16="http://schemas.microsoft.com/office/drawing/2014/main" id="{0805A575-ADA7-4656-BC33-4248696746C2}"/>
+                <a16:creationId xmlns:a16="http://schemas.microsoft.com/office/drawing/2014/main" id="{50BBF47E-6EAB-4D23-8A30-E29E7056F19C}"/>
               </a:ext>
             </a:extLst>
           </p:cNvPr>
@@ -14745,30 +14593,73 @@
           </p:cNvPicPr>
           <p:nvPr/>
         </p:nvPicPr>
-        <p:blipFill rotWithShape="1">
-          <a:blip r:embed="rId2"/>
-          <a:srcRect l="50000" t="7802" b="40082"/>
-          <a:stretch/>
+        <p:blipFill>
+          <a:blip r:embed="rId2">
+            <a:extLst>
+              <a:ext uri="{28A0092B-C50C-407E-A947-70E740481C1C}">
+                <a14:useLocalDpi xmlns:a14="http://schemas.microsoft.com/office/drawing/2010/main" val="0"/>
+              </a:ext>
+            </a:extLst>
+          </a:blip>
+          <a:stretch>
+            <a:fillRect/>
+          </a:stretch>
         </p:blipFill>
         <p:spPr>
-          <a:xfrm>
-            <a:off x="4803392" y="804696"/>
-            <a:ext cx="6916020" cy="4740070"/>
+          <a:xfrm flipH="1">
+            <a:off x="9365347" y="884283"/>
+            <a:ext cx="2167821" cy="2362483"/>
           </a:xfrm>
           <a:prstGeom prst="rect">
             <a:avLst/>
           </a:prstGeom>
-          <a:ln>
-            <a:solidFill>
-              <a:schemeClr val="tx1"/>
-            </a:solidFill>
-          </a:ln>
         </p:spPr>
       </p:pic>
+      <p:sp>
+        <p:nvSpPr>
+          <p:cNvPr id="8" name="TextBox 7">
+            <a:extLst>
+              <a:ext uri="{FF2B5EF4-FFF2-40B4-BE49-F238E27FC236}">
+                <a16:creationId xmlns:a16="http://schemas.microsoft.com/office/drawing/2014/main" id="{A1550EF6-2CA3-4459-A3EC-173977D3A49A}"/>
+              </a:ext>
+            </a:extLst>
+          </p:cNvPr>
+          <p:cNvSpPr txBox="1"/>
+          <p:nvPr/>
+        </p:nvSpPr>
+        <p:spPr>
+          <a:xfrm>
+            <a:off x="8579796" y="3305071"/>
+            <a:ext cx="3378740" cy="584775"/>
+          </a:xfrm>
+          <a:prstGeom prst="rect">
+            <a:avLst/>
+          </a:prstGeom>
+          <a:noFill/>
+        </p:spPr>
+        <p:txBody>
+          <a:bodyPr wrap="square" rtlCol="0">
+            <a:spAutoFit/>
+          </a:bodyPr>
+          <a:lstStyle/>
+          <a:p>
+            <a:pPr algn="ctr"/>
+            <a:r>
+              <a:rPr lang="en-US" sz="3200" dirty="0">
+                <a:solidFill>
+                  <a:schemeClr val="accent1"/>
+                </a:solidFill>
+                <a:latin typeface="Georgia" panose="02040502050405020303" pitchFamily="18" charset="0"/>
+              </a:rPr>
+              <a:t>https://hunch.ly</a:t>
+            </a:r>
+          </a:p>
+        </p:txBody>
+      </p:sp>
     </p:spTree>
     <p:extLst>
       <p:ext uri="{BB962C8B-B14F-4D97-AF65-F5344CB8AC3E}">
-        <p14:creationId xmlns:p14="http://schemas.microsoft.com/office/powerpoint/2010/main" val="359372150"/>
+        <p14:creationId xmlns:p14="http://schemas.microsoft.com/office/powerpoint/2010/main" val="2385437102"/>
       </p:ext>
     </p:extLst>
   </p:cSld>
@@ -14858,92 +14749,12 @@
           </a:p>
         </p:txBody>
       </p:sp>
-      <p:sp>
-        <p:nvSpPr>
-          <p:cNvPr id="5" name="TextBox 4">
-            <a:extLst>
-              <a:ext uri="{FF2B5EF4-FFF2-40B4-BE49-F238E27FC236}">
-                <a16:creationId xmlns:a16="http://schemas.microsoft.com/office/drawing/2014/main" id="{1450165D-3F9A-4F40-93DA-5DD194D964BD}"/>
-              </a:ext>
-            </a:extLst>
-          </p:cNvPr>
-          <p:cNvSpPr txBox="1"/>
-          <p:nvPr/>
-        </p:nvSpPr>
-        <p:spPr>
-          <a:xfrm>
-            <a:off x="340122" y="3429000"/>
-            <a:ext cx="10566030" cy="2554545"/>
-          </a:xfrm>
-          <a:prstGeom prst="rect">
-            <a:avLst/>
-          </a:prstGeom>
-          <a:noFill/>
-          <a:ln>
-            <a:noFill/>
-          </a:ln>
-        </p:spPr>
-        <p:txBody>
-          <a:bodyPr wrap="square" rtlCol="0">
-            <a:spAutoFit/>
-          </a:bodyPr>
-          <a:lstStyle/>
-          <a:p>
-            <a:pPr marL="685800" indent="-685800">
-              <a:buFont typeface="Arial" panose="020B0604020202020204" pitchFamily="34" charset="0"/>
-              <a:buChar char="•"/>
-            </a:pPr>
-            <a:r>
-              <a:rPr lang="en-US" sz="4000" dirty="0">
-                <a:latin typeface="Georgia" panose="02040502050405020303" pitchFamily="18" charset="0"/>
-              </a:rPr>
-              <a:t>Shows all the pages you visited in order</a:t>
-            </a:r>
-          </a:p>
-          <a:p>
-            <a:pPr marL="685800" indent="-685800">
-              <a:buFont typeface="Arial" panose="020B0604020202020204" pitchFamily="34" charset="0"/>
-              <a:buChar char="•"/>
-            </a:pPr>
-            <a:r>
-              <a:rPr lang="en-US" sz="4000" dirty="0">
-                <a:latin typeface="Georgia" panose="02040502050405020303" pitchFamily="18" charset="0"/>
-              </a:rPr>
-              <a:t>Date/time/URL stamps</a:t>
-            </a:r>
-          </a:p>
-          <a:p>
-            <a:pPr marL="685800" indent="-685800">
-              <a:buFont typeface="Arial" panose="020B0604020202020204" pitchFamily="34" charset="0"/>
-              <a:buChar char="•"/>
-            </a:pPr>
-            <a:r>
-              <a:rPr lang="en-US" sz="4000" dirty="0">
-                <a:latin typeface="Georgia" panose="02040502050405020303" pitchFamily="18" charset="0"/>
-              </a:rPr>
-              <a:t>Hashes images (integrity)</a:t>
-            </a:r>
-          </a:p>
-          <a:p>
-            <a:pPr marL="685800" indent="-685800">
-              <a:buFont typeface="Arial" panose="020B0604020202020204" pitchFamily="34" charset="0"/>
-              <a:buChar char="•"/>
-            </a:pPr>
-            <a:r>
-              <a:rPr lang="en-US" sz="4000" dirty="0">
-                <a:latin typeface="Georgia" panose="02040502050405020303" pitchFamily="18" charset="0"/>
-              </a:rPr>
-              <a:t>Extracts meta-data from images</a:t>
-            </a:r>
-          </a:p>
-        </p:txBody>
-      </p:sp>
       <p:pic>
         <p:nvPicPr>
           <p:cNvPr id="4" name="Picture 3">
             <a:extLst>
               <a:ext uri="{FF2B5EF4-FFF2-40B4-BE49-F238E27FC236}">
-                <a16:creationId xmlns:a16="http://schemas.microsoft.com/office/drawing/2014/main" id="{51945DDD-1B57-4928-93A3-BF6ADD109003}"/>
+                <a16:creationId xmlns:a16="http://schemas.microsoft.com/office/drawing/2014/main" id="{25B9FBEE-8062-4137-868D-28F8D2EEBE64}"/>
               </a:ext>
             </a:extLst>
           </p:cNvPr>
@@ -14954,13 +14765,13 @@
         </p:nvPicPr>
         <p:blipFill rotWithShape="1">
           <a:blip r:embed="rId2"/>
-          <a:srcRect l="3303" t="64681" r="4567"/>
+          <a:srcRect r="50202" b="37778"/>
           <a:stretch/>
         </p:blipFill>
         <p:spPr>
           <a:xfrm>
-            <a:off x="328076" y="379377"/>
-            <a:ext cx="11430573" cy="2881409"/>
+            <a:off x="4775200" y="292099"/>
+            <a:ext cx="7148310" cy="5873073"/>
           </a:xfrm>
           <a:prstGeom prst="rect">
             <a:avLst/>
@@ -14972,10 +14783,58 @@
           </a:ln>
         </p:spPr>
       </p:pic>
+      <p:sp>
+        <p:nvSpPr>
+          <p:cNvPr id="5" name="TextBox 4">
+            <a:extLst>
+              <a:ext uri="{FF2B5EF4-FFF2-40B4-BE49-F238E27FC236}">
+                <a16:creationId xmlns:a16="http://schemas.microsoft.com/office/drawing/2014/main" id="{1450165D-3F9A-4F40-93DA-5DD194D964BD}"/>
+              </a:ext>
+            </a:extLst>
+          </p:cNvPr>
+          <p:cNvSpPr txBox="1"/>
+          <p:nvPr/>
+        </p:nvSpPr>
+        <p:spPr>
+          <a:xfrm>
+            <a:off x="646453" y="692828"/>
+            <a:ext cx="3862047" cy="3416320"/>
+          </a:xfrm>
+          <a:prstGeom prst="rect">
+            <a:avLst/>
+          </a:prstGeom>
+          <a:noFill/>
+          <a:ln>
+            <a:noFill/>
+          </a:ln>
+        </p:spPr>
+        <p:txBody>
+          <a:bodyPr wrap="square" rtlCol="0">
+            <a:spAutoFit/>
+          </a:bodyPr>
+          <a:lstStyle/>
+          <a:p>
+            <a:r>
+              <a:rPr lang="en-US" sz="5400" dirty="0">
+                <a:latin typeface="Georgia" panose="02040502050405020303" pitchFamily="18" charset="0"/>
+              </a:rPr>
+              <a:t>Dashboard</a:t>
+            </a:r>
+          </a:p>
+          <a:p>
+            <a:r>
+              <a:rPr lang="en-US" sz="5400" dirty="0">
+                <a:latin typeface="Georgia" panose="02040502050405020303" pitchFamily="18" charset="0"/>
+              </a:rPr>
+              <a:t>with case summary data</a:t>
+            </a:r>
+          </a:p>
+        </p:txBody>
+      </p:sp>
     </p:spTree>
     <p:extLst>
       <p:ext uri="{BB962C8B-B14F-4D97-AF65-F5344CB8AC3E}">
-        <p14:creationId xmlns:p14="http://schemas.microsoft.com/office/powerpoint/2010/main" val="1799688453"/>
+        <p14:creationId xmlns:p14="http://schemas.microsoft.com/office/powerpoint/2010/main" val="1057503475"/>
       </p:ext>
     </p:extLst>
   </p:cSld>
@@ -15004,82 +14863,10 @@
       </p:grpSpPr>
       <p:sp>
         <p:nvSpPr>
-          <p:cNvPr id="2" name="Slide Number Placeholder 1"/>
-          <p:cNvSpPr>
-            <a:spLocks noGrp="1"/>
-          </p:cNvSpPr>
-          <p:nvPr>
-            <p:ph type="sldNum" sz="quarter" idx="4"/>
-          </p:nvPr>
-        </p:nvSpPr>
-        <p:spPr>
-          <a:xfrm>
-            <a:off x="9900458" y="6459785"/>
-            <a:ext cx="1312025" cy="365125"/>
-          </a:xfrm>
-        </p:spPr>
-        <p:txBody>
-          <a:bodyPr/>
-          <a:lstStyle/>
-          <a:p>
-            <a:fld id="{95C512E1-207F-4DA8-9E8B-046AC4C0F84D}" type="slidenum">
-              <a:rPr lang="en-US" smtClean="0"/>
-              <a:t>52</a:t>
-            </a:fld>
-            <a:endParaRPr lang="en-US" dirty="0"/>
-          </a:p>
-        </p:txBody>
-      </p:sp>
-      <p:sp>
-        <p:nvSpPr>
-          <p:cNvPr id="5" name="TextBox 4"/>
-          <p:cNvSpPr txBox="1"/>
-          <p:nvPr/>
-        </p:nvSpPr>
-        <p:spPr>
-          <a:xfrm>
-            <a:off x="388881" y="201685"/>
-            <a:ext cx="11445765" cy="1107996"/>
-          </a:xfrm>
-          <a:prstGeom prst="rect">
-            <a:avLst/>
-          </a:prstGeom>
-          <a:noFill/>
-        </p:spPr>
-        <p:txBody>
-          <a:bodyPr wrap="square" rtlCol="0">
-            <a:spAutoFit/>
-          </a:bodyPr>
-          <a:lstStyle/>
-          <a:p>
-            <a:pPr algn="ctr"/>
-            <a:r>
-              <a:rPr lang="en-US" sz="6600" dirty="0">
-                <a:latin typeface="Georgia" panose="02040502050405020303" pitchFamily="18" charset="0"/>
-              </a:rPr>
-              <a:t>Side-loading </a:t>
-            </a:r>
-            <a:r>
-              <a:rPr lang="en-US" sz="6600" dirty="0" err="1">
-                <a:latin typeface="Georgia" panose="02040502050405020303" pitchFamily="18" charset="0"/>
-              </a:rPr>
-              <a:t>Cmd</a:t>
-            </a:r>
-            <a:r>
-              <a:rPr lang="en-US" sz="6600" dirty="0">
-                <a:latin typeface="Georgia" panose="02040502050405020303" pitchFamily="18" charset="0"/>
-              </a:rPr>
-              <a:t>-line Output</a:t>
-            </a:r>
-          </a:p>
-        </p:txBody>
-      </p:sp>
-      <p:sp>
-        <p:nvSpPr>
-          <p:cNvPr id="3" name="Footer Placeholder 2">
+          <p:cNvPr id="2" name="Footer Placeholder 1">
             <a:extLst>
               <a:ext uri="{FF2B5EF4-FFF2-40B4-BE49-F238E27FC236}">
-                <a16:creationId xmlns:a16="http://schemas.microsoft.com/office/drawing/2014/main" id="{625BDACB-E34D-427C-8DFC-BED70BF4041C}"/>
+                <a16:creationId xmlns:a16="http://schemas.microsoft.com/office/drawing/2014/main" id="{A6575B85-D81D-42FD-9470-F6F51C3629BE}"/>
               </a:ext>
             </a:extLst>
           </p:cNvPr>
@@ -15105,10 +14892,44 @@
       </p:sp>
       <p:sp>
         <p:nvSpPr>
-          <p:cNvPr id="7" name="TextBox 6">
+          <p:cNvPr id="3" name="Slide Number Placeholder 2">
             <a:extLst>
               <a:ext uri="{FF2B5EF4-FFF2-40B4-BE49-F238E27FC236}">
-                <a16:creationId xmlns:a16="http://schemas.microsoft.com/office/drawing/2014/main" id="{E7A8D45C-C7E4-42B9-8387-11B388FB2E8E}"/>
+                <a16:creationId xmlns:a16="http://schemas.microsoft.com/office/drawing/2014/main" id="{43F26F97-A54E-498C-B611-5591C11A1CA0}"/>
+              </a:ext>
+            </a:extLst>
+          </p:cNvPr>
+          <p:cNvSpPr>
+            <a:spLocks noGrp="1"/>
+          </p:cNvSpPr>
+          <p:nvPr>
+            <p:ph type="sldNum" sz="quarter" idx="4"/>
+          </p:nvPr>
+        </p:nvSpPr>
+        <p:spPr/>
+        <p:txBody>
+          <a:bodyPr/>
+          <a:lstStyle/>
+          <a:p>
+            <a:fld id="{95C512E1-207F-4DA8-9E8B-046AC4C0F84D}" type="slidenum">
+              <a:rPr lang="en-US" smtClean="0"/>
+              <a:pPr/>
+              <a:t>52</a:t>
+            </a:fld>
+            <a:r>
+              <a:rPr lang="en-US"/>
+              <a:t> </a:t>
+            </a:r>
+            <a:endParaRPr lang="en-US" dirty="0"/>
+          </a:p>
+        </p:txBody>
+      </p:sp>
+      <p:sp>
+        <p:nvSpPr>
+          <p:cNvPr id="5" name="TextBox 4">
+            <a:extLst>
+              <a:ext uri="{FF2B5EF4-FFF2-40B4-BE49-F238E27FC236}">
+                <a16:creationId xmlns:a16="http://schemas.microsoft.com/office/drawing/2014/main" id="{1450165D-3F9A-4F40-93DA-5DD194D964BD}"/>
               </a:ext>
             </a:extLst>
           </p:cNvPr>
@@ -15117,13 +14938,16 @@
         </p:nvSpPr>
         <p:spPr>
           <a:xfrm>
-            <a:off x="388881" y="1669605"/>
-            <a:ext cx="11187034" cy="3046988"/>
+            <a:off x="646453" y="692828"/>
+            <a:ext cx="3862047" cy="5078313"/>
           </a:xfrm>
           <a:prstGeom prst="rect">
             <a:avLst/>
           </a:prstGeom>
           <a:noFill/>
+          <a:ln>
+            <a:noFill/>
+          </a:ln>
         </p:spPr>
         <p:txBody>
           <a:bodyPr wrap="square" rtlCol="0">
@@ -15131,59 +14955,53 @@
           </a:bodyPr>
           <a:lstStyle/>
           <a:p>
-            <a:pPr marL="1143000" indent="-1143000">
-              <a:buFont typeface="+mj-lt"/>
-              <a:buAutoNum type="arabicPeriod"/>
-            </a:pPr>
-            <a:r>
-              <a:rPr lang="en-US" sz="4800" dirty="0">
+            <a:r>
+              <a:rPr lang="en-US" sz="5400" dirty="0">
                 <a:latin typeface="Georgia" panose="02040502050405020303" pitchFamily="18" charset="0"/>
               </a:rPr>
-              <a:t>Run command-line tool</a:t>
-            </a:r>
-          </a:p>
-          <a:p>
-            <a:pPr marL="1143000" indent="-1143000">
-              <a:buFont typeface="+mj-lt"/>
-              <a:buAutoNum type="arabicPeriod"/>
-            </a:pPr>
-            <a:r>
-              <a:rPr lang="en-US" sz="4800" dirty="0">
-                <a:latin typeface="Georgia" panose="02040502050405020303" pitchFamily="18" charset="0"/>
-              </a:rPr>
-              <a:t>Save output in text file</a:t>
-            </a:r>
-          </a:p>
-          <a:p>
-            <a:pPr marL="1143000" indent="-1143000">
-              <a:buFont typeface="+mj-lt"/>
-              <a:buAutoNum type="arabicPeriod"/>
-            </a:pPr>
-            <a:r>
-              <a:rPr lang="en-US" sz="4800" dirty="0">
-                <a:latin typeface="Georgia" panose="02040502050405020303" pitchFamily="18" charset="0"/>
-              </a:rPr>
-              <a:t>Open that file in Google Chrome</a:t>
-            </a:r>
-          </a:p>
-          <a:p>
-            <a:pPr marL="1143000" indent="-1143000">
-              <a:buFont typeface="+mj-lt"/>
-              <a:buAutoNum type="arabicPeriod"/>
-            </a:pPr>
-            <a:r>
-              <a:rPr lang="en-US" sz="4800" dirty="0">
-                <a:latin typeface="Georgia" panose="02040502050405020303" pitchFamily="18" charset="0"/>
-              </a:rPr>
-              <a:t>Hunchly logs and scans file</a:t>
-            </a:r>
-          </a:p>
-        </p:txBody>
-      </p:sp>
+              <a:t>Enter selectors so Hunchly can find them in pages/files</a:t>
+            </a:r>
+          </a:p>
+        </p:txBody>
+      </p:sp>
+      <p:pic>
+        <p:nvPicPr>
+          <p:cNvPr id="6" name="Picture 5">
+            <a:extLst>
+              <a:ext uri="{FF2B5EF4-FFF2-40B4-BE49-F238E27FC236}">
+                <a16:creationId xmlns:a16="http://schemas.microsoft.com/office/drawing/2014/main" id="{0805A575-ADA7-4656-BC33-4248696746C2}"/>
+              </a:ext>
+            </a:extLst>
+          </p:cNvPr>
+          <p:cNvPicPr>
+            <a:picLocks noChangeAspect="1"/>
+          </p:cNvPicPr>
+          <p:nvPr/>
+        </p:nvPicPr>
+        <p:blipFill rotWithShape="1">
+          <a:blip r:embed="rId2"/>
+          <a:srcRect l="50000" t="7802" b="40082"/>
+          <a:stretch/>
+        </p:blipFill>
+        <p:spPr>
+          <a:xfrm>
+            <a:off x="4803392" y="804696"/>
+            <a:ext cx="6916020" cy="4740070"/>
+          </a:xfrm>
+          <a:prstGeom prst="rect">
+            <a:avLst/>
+          </a:prstGeom>
+          <a:ln>
+            <a:solidFill>
+              <a:schemeClr val="tx1"/>
+            </a:solidFill>
+          </a:ln>
+        </p:spPr>
+      </p:pic>
     </p:spTree>
     <p:extLst>
       <p:ext uri="{BB962C8B-B14F-4D97-AF65-F5344CB8AC3E}">
-        <p14:creationId xmlns:p14="http://schemas.microsoft.com/office/powerpoint/2010/main" val="4167591040"/>
+        <p14:creationId xmlns:p14="http://schemas.microsoft.com/office/powerpoint/2010/main" val="359372150"/>
       </p:ext>
     </p:extLst>
   </p:cSld>
@@ -15212,38 +15030,10 @@
       </p:grpSpPr>
       <p:sp>
         <p:nvSpPr>
-          <p:cNvPr id="2" name="Slide Number Placeholder 1"/>
-          <p:cNvSpPr>
-            <a:spLocks noGrp="1"/>
-          </p:cNvSpPr>
-          <p:nvPr>
-            <p:ph type="sldNum" sz="quarter" idx="4"/>
-          </p:nvPr>
-        </p:nvSpPr>
-        <p:spPr>
-          <a:xfrm>
-            <a:off x="9900458" y="6459785"/>
-            <a:ext cx="1312025" cy="365125"/>
-          </a:xfrm>
-        </p:spPr>
-        <p:txBody>
-          <a:bodyPr/>
-          <a:lstStyle/>
-          <a:p>
-            <a:fld id="{95C512E1-207F-4DA8-9E8B-046AC4C0F84D}" type="slidenum">
-              <a:rPr lang="en-US" smtClean="0"/>
-              <a:t>53</a:t>
-            </a:fld>
-            <a:endParaRPr lang="en-US" dirty="0"/>
-          </a:p>
-        </p:txBody>
-      </p:sp>
-      <p:sp>
-        <p:nvSpPr>
-          <p:cNvPr id="3" name="Footer Placeholder 2">
+          <p:cNvPr id="2" name="Footer Placeholder 1">
             <a:extLst>
               <a:ext uri="{FF2B5EF4-FFF2-40B4-BE49-F238E27FC236}">
-                <a16:creationId xmlns:a16="http://schemas.microsoft.com/office/drawing/2014/main" id="{625BDACB-E34D-427C-8DFC-BED70BF4041C}"/>
+                <a16:creationId xmlns:a16="http://schemas.microsoft.com/office/drawing/2014/main" id="{A6575B85-D81D-42FD-9470-F6F51C3629BE}"/>
               </a:ext>
             </a:extLst>
           </p:cNvPr>
@@ -15267,12 +15057,126 @@
           </a:p>
         </p:txBody>
       </p:sp>
+      <p:sp>
+        <p:nvSpPr>
+          <p:cNvPr id="3" name="Slide Number Placeholder 2">
+            <a:extLst>
+              <a:ext uri="{FF2B5EF4-FFF2-40B4-BE49-F238E27FC236}">
+                <a16:creationId xmlns:a16="http://schemas.microsoft.com/office/drawing/2014/main" id="{43F26F97-A54E-498C-B611-5591C11A1CA0}"/>
+              </a:ext>
+            </a:extLst>
+          </p:cNvPr>
+          <p:cNvSpPr>
+            <a:spLocks noGrp="1"/>
+          </p:cNvSpPr>
+          <p:nvPr>
+            <p:ph type="sldNum" sz="quarter" idx="4"/>
+          </p:nvPr>
+        </p:nvSpPr>
+        <p:spPr/>
+        <p:txBody>
+          <a:bodyPr/>
+          <a:lstStyle/>
+          <a:p>
+            <a:fld id="{95C512E1-207F-4DA8-9E8B-046AC4C0F84D}" type="slidenum">
+              <a:rPr lang="en-US" smtClean="0"/>
+              <a:pPr/>
+              <a:t>53</a:t>
+            </a:fld>
+            <a:r>
+              <a:rPr lang="en-US"/>
+              <a:t> </a:t>
+            </a:r>
+            <a:endParaRPr lang="en-US" dirty="0"/>
+          </a:p>
+        </p:txBody>
+      </p:sp>
+      <p:sp>
+        <p:nvSpPr>
+          <p:cNvPr id="5" name="TextBox 4">
+            <a:extLst>
+              <a:ext uri="{FF2B5EF4-FFF2-40B4-BE49-F238E27FC236}">
+                <a16:creationId xmlns:a16="http://schemas.microsoft.com/office/drawing/2014/main" id="{1450165D-3F9A-4F40-93DA-5DD194D964BD}"/>
+              </a:ext>
+            </a:extLst>
+          </p:cNvPr>
+          <p:cNvSpPr txBox="1"/>
+          <p:nvPr/>
+        </p:nvSpPr>
+        <p:spPr>
+          <a:xfrm>
+            <a:off x="340122" y="3429000"/>
+            <a:ext cx="10566030" cy="2554545"/>
+          </a:xfrm>
+          <a:prstGeom prst="rect">
+            <a:avLst/>
+          </a:prstGeom>
+          <a:noFill/>
+          <a:ln>
+            <a:noFill/>
+          </a:ln>
+        </p:spPr>
+        <p:txBody>
+          <a:bodyPr wrap="square" rtlCol="0">
+            <a:spAutoFit/>
+          </a:bodyPr>
+          <a:lstStyle/>
+          <a:p>
+            <a:pPr marL="685800" indent="-685800">
+              <a:buFont typeface="Arial" panose="020B0604020202020204" pitchFamily="34" charset="0"/>
+              <a:buChar char="•"/>
+            </a:pPr>
+            <a:r>
+              <a:rPr lang="en-US" sz="4000" dirty="0">
+                <a:latin typeface="Georgia" panose="02040502050405020303" pitchFamily="18" charset="0"/>
+              </a:rPr>
+              <a:t>Shows all the pages you visited in order</a:t>
+            </a:r>
+          </a:p>
+          <a:p>
+            <a:pPr marL="685800" indent="-685800">
+              <a:buFont typeface="Arial" panose="020B0604020202020204" pitchFamily="34" charset="0"/>
+              <a:buChar char="•"/>
+            </a:pPr>
+            <a:r>
+              <a:rPr lang="en-US" sz="4000" dirty="0">
+                <a:latin typeface="Georgia" panose="02040502050405020303" pitchFamily="18" charset="0"/>
+              </a:rPr>
+              <a:t>Date/time/URL stamps</a:t>
+            </a:r>
+          </a:p>
+          <a:p>
+            <a:pPr marL="685800" indent="-685800">
+              <a:buFont typeface="Arial" panose="020B0604020202020204" pitchFamily="34" charset="0"/>
+              <a:buChar char="•"/>
+            </a:pPr>
+            <a:r>
+              <a:rPr lang="en-US" sz="4000" dirty="0">
+                <a:latin typeface="Georgia" panose="02040502050405020303" pitchFamily="18" charset="0"/>
+              </a:rPr>
+              <a:t>Hashes images (integrity)</a:t>
+            </a:r>
+          </a:p>
+          <a:p>
+            <a:pPr marL="685800" indent="-685800">
+              <a:buFont typeface="Arial" panose="020B0604020202020204" pitchFamily="34" charset="0"/>
+              <a:buChar char="•"/>
+            </a:pPr>
+            <a:r>
+              <a:rPr lang="en-US" sz="4000" dirty="0">
+                <a:latin typeface="Georgia" panose="02040502050405020303" pitchFamily="18" charset="0"/>
+              </a:rPr>
+              <a:t>Extracts meta-data from images</a:t>
+            </a:r>
+          </a:p>
+        </p:txBody>
+      </p:sp>
       <p:pic>
         <p:nvPicPr>
-          <p:cNvPr id="6" name="Picture 5">
+          <p:cNvPr id="4" name="Picture 3">
             <a:extLst>
               <a:ext uri="{FF2B5EF4-FFF2-40B4-BE49-F238E27FC236}">
-                <a16:creationId xmlns:a16="http://schemas.microsoft.com/office/drawing/2014/main" id="{ACB39BC9-E3EE-4099-855C-F8CEB07D2B7A}"/>
+                <a16:creationId xmlns:a16="http://schemas.microsoft.com/office/drawing/2014/main" id="{51945DDD-1B57-4928-93A3-BF6ADD109003}"/>
               </a:ext>
             </a:extLst>
           </p:cNvPr>
@@ -15281,16 +15185,15 @@
           </p:cNvPicPr>
           <p:nvPr/>
         </p:nvPicPr>
-        <p:blipFill>
+        <p:blipFill rotWithShape="1">
           <a:blip r:embed="rId2"/>
-          <a:stretch>
-            <a:fillRect/>
-          </a:stretch>
+          <a:srcRect l="3303" t="64681" r="4567"/>
+          <a:stretch/>
         </p:blipFill>
         <p:spPr>
           <a:xfrm>
-            <a:off x="554335" y="472296"/>
-            <a:ext cx="11083329" cy="5043286"/>
+            <a:off x="328076" y="379377"/>
+            <a:ext cx="11430573" cy="2881409"/>
           </a:xfrm>
           <a:prstGeom prst="rect">
             <a:avLst/>
@@ -15305,7 +15208,7 @@
     </p:spTree>
     <p:extLst>
       <p:ext uri="{BB962C8B-B14F-4D97-AF65-F5344CB8AC3E}">
-        <p14:creationId xmlns:p14="http://schemas.microsoft.com/office/powerpoint/2010/main" val="2228319936"/>
+        <p14:creationId xmlns:p14="http://schemas.microsoft.com/office/powerpoint/2010/main" val="1799688453"/>
       </p:ext>
     </p:extLst>
   </p:cSld>
@@ -15362,6 +15265,50 @@
       </p:sp>
       <p:sp>
         <p:nvSpPr>
+          <p:cNvPr id="5" name="TextBox 4"/>
+          <p:cNvSpPr txBox="1"/>
+          <p:nvPr/>
+        </p:nvSpPr>
+        <p:spPr>
+          <a:xfrm>
+            <a:off x="388881" y="201685"/>
+            <a:ext cx="11445765" cy="1107996"/>
+          </a:xfrm>
+          <a:prstGeom prst="rect">
+            <a:avLst/>
+          </a:prstGeom>
+          <a:noFill/>
+        </p:spPr>
+        <p:txBody>
+          <a:bodyPr wrap="square" rtlCol="0">
+            <a:spAutoFit/>
+          </a:bodyPr>
+          <a:lstStyle/>
+          <a:p>
+            <a:pPr algn="ctr"/>
+            <a:r>
+              <a:rPr lang="en-US" sz="6600" dirty="0">
+                <a:latin typeface="Georgia" panose="02040502050405020303" pitchFamily="18" charset="0"/>
+              </a:rPr>
+              <a:t>Side-loading </a:t>
+            </a:r>
+            <a:r>
+              <a:rPr lang="en-US" sz="6600" dirty="0" err="1">
+                <a:latin typeface="Georgia" panose="02040502050405020303" pitchFamily="18" charset="0"/>
+              </a:rPr>
+              <a:t>Cmd</a:t>
+            </a:r>
+            <a:r>
+              <a:rPr lang="en-US" sz="6600" dirty="0">
+                <a:latin typeface="Georgia" panose="02040502050405020303" pitchFamily="18" charset="0"/>
+              </a:rPr>
+              <a:t>-line Output</a:t>
+            </a:r>
+          </a:p>
+        </p:txBody>
+      </p:sp>
+      <p:sp>
+        <p:nvSpPr>
           <p:cNvPr id="3" name="Footer Placeholder 2">
             <a:extLst>
               <a:ext uri="{FF2B5EF4-FFF2-40B4-BE49-F238E27FC236}">
@@ -15389,45 +15336,87 @@
           </a:p>
         </p:txBody>
       </p:sp>
-      <p:pic>
-        <p:nvPicPr>
-          <p:cNvPr id="4" name="Picture 3">
+      <p:sp>
+        <p:nvSpPr>
+          <p:cNvPr id="7" name="TextBox 6">
             <a:extLst>
               <a:ext uri="{FF2B5EF4-FFF2-40B4-BE49-F238E27FC236}">
-                <a16:creationId xmlns:a16="http://schemas.microsoft.com/office/drawing/2014/main" id="{791A8ADE-6140-4A11-AC71-2D7EE0A8D626}"/>
+                <a16:creationId xmlns:a16="http://schemas.microsoft.com/office/drawing/2014/main" id="{E7A8D45C-C7E4-42B9-8387-11B388FB2E8E}"/>
               </a:ext>
             </a:extLst>
           </p:cNvPr>
-          <p:cNvPicPr>
-            <a:picLocks noChangeAspect="1"/>
-          </p:cNvPicPr>
+          <p:cNvSpPr txBox="1"/>
           <p:nvPr/>
-        </p:nvPicPr>
-        <p:blipFill>
-          <a:blip r:embed="rId2"/>
-          <a:stretch>
-            <a:fillRect/>
-          </a:stretch>
-        </p:blipFill>
-        <p:spPr>
-          <a:xfrm>
-            <a:off x="2310067" y="157456"/>
-            <a:ext cx="6626140" cy="6062735"/>
+        </p:nvSpPr>
+        <p:spPr>
+          <a:xfrm>
+            <a:off x="388881" y="1669605"/>
+            <a:ext cx="11187034" cy="3046988"/>
           </a:xfrm>
           <a:prstGeom prst="rect">
             <a:avLst/>
           </a:prstGeom>
-          <a:ln>
-            <a:solidFill>
-              <a:schemeClr val="tx1"/>
-            </a:solidFill>
-          </a:ln>
-        </p:spPr>
-      </p:pic>
+          <a:noFill/>
+        </p:spPr>
+        <p:txBody>
+          <a:bodyPr wrap="square" rtlCol="0">
+            <a:spAutoFit/>
+          </a:bodyPr>
+          <a:lstStyle/>
+          <a:p>
+            <a:pPr marL="1143000" indent="-1143000">
+              <a:buFont typeface="+mj-lt"/>
+              <a:buAutoNum type="arabicPeriod"/>
+            </a:pPr>
+            <a:r>
+              <a:rPr lang="en-US" sz="4800" dirty="0">
+                <a:latin typeface="Georgia" panose="02040502050405020303" pitchFamily="18" charset="0"/>
+              </a:rPr>
+              <a:t>Run command-line tool</a:t>
+            </a:r>
+          </a:p>
+          <a:p>
+            <a:pPr marL="1143000" indent="-1143000">
+              <a:buFont typeface="+mj-lt"/>
+              <a:buAutoNum type="arabicPeriod"/>
+            </a:pPr>
+            <a:r>
+              <a:rPr lang="en-US" sz="4800" dirty="0">
+                <a:latin typeface="Georgia" panose="02040502050405020303" pitchFamily="18" charset="0"/>
+              </a:rPr>
+              <a:t>Save output in text file</a:t>
+            </a:r>
+          </a:p>
+          <a:p>
+            <a:pPr marL="1143000" indent="-1143000">
+              <a:buFont typeface="+mj-lt"/>
+              <a:buAutoNum type="arabicPeriod"/>
+            </a:pPr>
+            <a:r>
+              <a:rPr lang="en-US" sz="4800" dirty="0">
+                <a:latin typeface="Georgia" panose="02040502050405020303" pitchFamily="18" charset="0"/>
+              </a:rPr>
+              <a:t>Open that file in Google Chrome</a:t>
+            </a:r>
+          </a:p>
+          <a:p>
+            <a:pPr marL="1143000" indent="-1143000">
+              <a:buFont typeface="+mj-lt"/>
+              <a:buAutoNum type="arabicPeriod"/>
+            </a:pPr>
+            <a:r>
+              <a:rPr lang="en-US" sz="4800" dirty="0">
+                <a:latin typeface="Georgia" panose="02040502050405020303" pitchFamily="18" charset="0"/>
+              </a:rPr>
+              <a:t>Hunchly logs and scans file</a:t>
+            </a:r>
+          </a:p>
+        </p:txBody>
+      </p:sp>
     </p:spTree>
     <p:extLst>
       <p:ext uri="{BB962C8B-B14F-4D97-AF65-F5344CB8AC3E}">
-        <p14:creationId xmlns:p14="http://schemas.microsoft.com/office/powerpoint/2010/main" val="2185709059"/>
+        <p14:creationId xmlns:p14="http://schemas.microsoft.com/office/powerpoint/2010/main" val="4167591040"/>
       </p:ext>
     </p:extLst>
   </p:cSld>
@@ -15484,38 +15473,6 @@
       </p:sp>
       <p:sp>
         <p:nvSpPr>
-          <p:cNvPr id="5" name="TextBox 4"/>
-          <p:cNvSpPr txBox="1"/>
-          <p:nvPr/>
-        </p:nvSpPr>
-        <p:spPr>
-          <a:xfrm>
-            <a:off x="388881" y="201685"/>
-            <a:ext cx="11445765" cy="1323439"/>
-          </a:xfrm>
-          <a:prstGeom prst="rect">
-            <a:avLst/>
-          </a:prstGeom>
-          <a:noFill/>
-        </p:spPr>
-        <p:txBody>
-          <a:bodyPr wrap="square" rtlCol="0">
-            <a:spAutoFit/>
-          </a:bodyPr>
-          <a:lstStyle/>
-          <a:p>
-            <a:pPr algn="ctr"/>
-            <a:r>
-              <a:rPr lang="en-US" sz="8000" dirty="0">
-                <a:latin typeface="Georgia" panose="02040502050405020303" pitchFamily="18" charset="0"/>
-              </a:rPr>
-              <a:t>Hunchly Drawbacks</a:t>
-            </a:r>
-          </a:p>
-        </p:txBody>
-      </p:sp>
-      <p:sp>
-        <p:nvSpPr>
           <p:cNvPr id="3" name="Footer Placeholder 2">
             <a:extLst>
               <a:ext uri="{FF2B5EF4-FFF2-40B4-BE49-F238E27FC236}">
@@ -15543,78 +15500,45 @@
           </a:p>
         </p:txBody>
       </p:sp>
-      <p:sp>
-        <p:nvSpPr>
-          <p:cNvPr id="6" name="TextBox 5">
+      <p:pic>
+        <p:nvPicPr>
+          <p:cNvPr id="6" name="Picture 5">
             <a:extLst>
               <a:ext uri="{FF2B5EF4-FFF2-40B4-BE49-F238E27FC236}">
-                <a16:creationId xmlns:a16="http://schemas.microsoft.com/office/drawing/2014/main" id="{C452079F-CA80-4DC1-A2AD-6A9DE399FA74}"/>
+                <a16:creationId xmlns:a16="http://schemas.microsoft.com/office/drawing/2014/main" id="{ACB39BC9-E3EE-4099-855C-F8CEB07D2B7A}"/>
               </a:ext>
             </a:extLst>
           </p:cNvPr>
-          <p:cNvSpPr txBox="1"/>
+          <p:cNvPicPr>
+            <a:picLocks noChangeAspect="1"/>
+          </p:cNvPicPr>
           <p:nvPr/>
-        </p:nvSpPr>
-        <p:spPr>
-          <a:xfrm>
-            <a:off x="388880" y="1685936"/>
-            <a:ext cx="10964919" cy="2585323"/>
+        </p:nvPicPr>
+        <p:blipFill>
+          <a:blip r:embed="rId2"/>
+          <a:stretch>
+            <a:fillRect/>
+          </a:stretch>
+        </p:blipFill>
+        <p:spPr>
+          <a:xfrm>
+            <a:off x="554335" y="472296"/>
+            <a:ext cx="11083329" cy="5043286"/>
           </a:xfrm>
           <a:prstGeom prst="rect">
             <a:avLst/>
           </a:prstGeom>
-          <a:noFill/>
           <a:ln>
-            <a:noFill/>
+            <a:solidFill>
+              <a:schemeClr val="tx1"/>
+            </a:solidFill>
           </a:ln>
         </p:spPr>
-        <p:txBody>
-          <a:bodyPr wrap="square" rtlCol="0">
-            <a:spAutoFit/>
-          </a:bodyPr>
-          <a:lstStyle/>
-          <a:p>
-            <a:pPr marL="1143000" indent="-1143000">
-              <a:buFont typeface="Arial" panose="020B0604020202020204" pitchFamily="34" charset="0"/>
-              <a:buChar char="•"/>
-            </a:pPr>
-            <a:r>
-              <a:rPr lang="en-US" sz="5400" dirty="0">
-                <a:latin typeface="Georgia" panose="02040502050405020303" pitchFamily="18" charset="0"/>
-              </a:rPr>
-              <a:t>Reporting is good but not great</a:t>
-            </a:r>
-          </a:p>
-          <a:p>
-            <a:pPr marL="1143000" indent="-1143000">
-              <a:buFont typeface="Arial" panose="020B0604020202020204" pitchFamily="34" charset="0"/>
-              <a:buChar char="•"/>
-            </a:pPr>
-            <a:r>
-              <a:rPr lang="en-US" sz="5400" dirty="0">
-                <a:latin typeface="Georgia" panose="02040502050405020303" pitchFamily="18" charset="0"/>
-              </a:rPr>
-              <a:t>Single-user</a:t>
-            </a:r>
-          </a:p>
-          <a:p>
-            <a:pPr marL="1143000" indent="-1143000">
-              <a:buFont typeface="Arial" panose="020B0604020202020204" pitchFamily="34" charset="0"/>
-              <a:buChar char="•"/>
-            </a:pPr>
-            <a:r>
-              <a:rPr lang="en-US" sz="5400" dirty="0">
-                <a:latin typeface="Georgia" panose="02040502050405020303" pitchFamily="18" charset="0"/>
-              </a:rPr>
-              <a:t>Google Chrome-only</a:t>
-            </a:r>
-          </a:p>
-        </p:txBody>
-      </p:sp>
+      </p:pic>
     </p:spTree>
     <p:extLst>
       <p:ext uri="{BB962C8B-B14F-4D97-AF65-F5344CB8AC3E}">
-        <p14:creationId xmlns:p14="http://schemas.microsoft.com/office/powerpoint/2010/main" val="1680396906"/>
+        <p14:creationId xmlns:p14="http://schemas.microsoft.com/office/powerpoint/2010/main" val="2228319936"/>
       </p:ext>
     </p:extLst>
   </p:cSld>
@@ -15671,6 +15595,315 @@
       </p:sp>
       <p:sp>
         <p:nvSpPr>
+          <p:cNvPr id="3" name="Footer Placeholder 2">
+            <a:extLst>
+              <a:ext uri="{FF2B5EF4-FFF2-40B4-BE49-F238E27FC236}">
+                <a16:creationId xmlns:a16="http://schemas.microsoft.com/office/drawing/2014/main" id="{625BDACB-E34D-427C-8DFC-BED70BF4041C}"/>
+              </a:ext>
+            </a:extLst>
+          </p:cNvPr>
+          <p:cNvSpPr>
+            <a:spLocks noGrp="1"/>
+          </p:cNvSpPr>
+          <p:nvPr>
+            <p:ph type="ftr" sz="quarter" idx="3"/>
+          </p:nvPr>
+        </p:nvSpPr>
+        <p:spPr/>
+        <p:txBody>
+          <a:bodyPr/>
+          <a:lstStyle/>
+          <a:p>
+            <a:r>
+              <a:rPr lang="en-US"/>
+              <a:t>Core OSINT: Tracking and Reporting All the Things (Defcon Recon Village 2018) - Webbreacher.com</a:t>
+            </a:r>
+            <a:endParaRPr lang="en-US" dirty="0"/>
+          </a:p>
+        </p:txBody>
+      </p:sp>
+      <p:pic>
+        <p:nvPicPr>
+          <p:cNvPr id="4" name="Picture 3">
+            <a:extLst>
+              <a:ext uri="{FF2B5EF4-FFF2-40B4-BE49-F238E27FC236}">
+                <a16:creationId xmlns:a16="http://schemas.microsoft.com/office/drawing/2014/main" id="{791A8ADE-6140-4A11-AC71-2D7EE0A8D626}"/>
+              </a:ext>
+            </a:extLst>
+          </p:cNvPr>
+          <p:cNvPicPr>
+            <a:picLocks noChangeAspect="1"/>
+          </p:cNvPicPr>
+          <p:nvPr/>
+        </p:nvPicPr>
+        <p:blipFill>
+          <a:blip r:embed="rId2"/>
+          <a:stretch>
+            <a:fillRect/>
+          </a:stretch>
+        </p:blipFill>
+        <p:spPr>
+          <a:xfrm>
+            <a:off x="2310067" y="157456"/>
+            <a:ext cx="6626140" cy="6062735"/>
+          </a:xfrm>
+          <a:prstGeom prst="rect">
+            <a:avLst/>
+          </a:prstGeom>
+          <a:ln>
+            <a:solidFill>
+              <a:schemeClr val="tx1"/>
+            </a:solidFill>
+          </a:ln>
+        </p:spPr>
+      </p:pic>
+    </p:spTree>
+    <p:extLst>
+      <p:ext uri="{BB962C8B-B14F-4D97-AF65-F5344CB8AC3E}">
+        <p14:creationId xmlns:p14="http://schemas.microsoft.com/office/powerpoint/2010/main" val="2185709059"/>
+      </p:ext>
+    </p:extLst>
+  </p:cSld>
+  <p:clrMapOvr>
+    <a:masterClrMapping/>
+  </p:clrMapOvr>
+</p:sld>
+</file>
+
+<file path=ppt/slides/slide57.xml><?xml version="1.0" encoding="utf-8"?>
+<p:sld xmlns:a="http://schemas.openxmlformats.org/drawingml/2006/main" xmlns:r="http://schemas.openxmlformats.org/officeDocument/2006/relationships" xmlns:p="http://schemas.openxmlformats.org/presentationml/2006/main">
+  <p:cSld>
+    <p:spTree>
+      <p:nvGrpSpPr>
+        <p:cNvPr id="1" name=""/>
+        <p:cNvGrpSpPr/>
+        <p:nvPr/>
+      </p:nvGrpSpPr>
+      <p:grpSpPr>
+        <a:xfrm>
+          <a:off x="0" y="0"/>
+          <a:ext cx="0" cy="0"/>
+          <a:chOff x="0" y="0"/>
+          <a:chExt cx="0" cy="0"/>
+        </a:xfrm>
+      </p:grpSpPr>
+      <p:sp>
+        <p:nvSpPr>
+          <p:cNvPr id="2" name="Slide Number Placeholder 1"/>
+          <p:cNvSpPr>
+            <a:spLocks noGrp="1"/>
+          </p:cNvSpPr>
+          <p:nvPr>
+            <p:ph type="sldNum" sz="quarter" idx="4"/>
+          </p:nvPr>
+        </p:nvSpPr>
+        <p:spPr>
+          <a:xfrm>
+            <a:off x="9900458" y="6459785"/>
+            <a:ext cx="1312025" cy="365125"/>
+          </a:xfrm>
+        </p:spPr>
+        <p:txBody>
+          <a:bodyPr/>
+          <a:lstStyle/>
+          <a:p>
+            <a:fld id="{95C512E1-207F-4DA8-9E8B-046AC4C0F84D}" type="slidenum">
+              <a:rPr lang="en-US" smtClean="0"/>
+              <a:t>57</a:t>
+            </a:fld>
+            <a:endParaRPr lang="en-US" dirty="0"/>
+          </a:p>
+        </p:txBody>
+      </p:sp>
+      <p:sp>
+        <p:nvSpPr>
+          <p:cNvPr id="5" name="TextBox 4"/>
+          <p:cNvSpPr txBox="1"/>
+          <p:nvPr/>
+        </p:nvSpPr>
+        <p:spPr>
+          <a:xfrm>
+            <a:off x="388881" y="201685"/>
+            <a:ext cx="11445765" cy="1323439"/>
+          </a:xfrm>
+          <a:prstGeom prst="rect">
+            <a:avLst/>
+          </a:prstGeom>
+          <a:noFill/>
+        </p:spPr>
+        <p:txBody>
+          <a:bodyPr wrap="square" rtlCol="0">
+            <a:spAutoFit/>
+          </a:bodyPr>
+          <a:lstStyle/>
+          <a:p>
+            <a:pPr algn="ctr"/>
+            <a:r>
+              <a:rPr lang="en-US" sz="8000" dirty="0">
+                <a:latin typeface="Georgia" panose="02040502050405020303" pitchFamily="18" charset="0"/>
+              </a:rPr>
+              <a:t>Hunchly Drawbacks</a:t>
+            </a:r>
+          </a:p>
+        </p:txBody>
+      </p:sp>
+      <p:sp>
+        <p:nvSpPr>
+          <p:cNvPr id="3" name="Footer Placeholder 2">
+            <a:extLst>
+              <a:ext uri="{FF2B5EF4-FFF2-40B4-BE49-F238E27FC236}">
+                <a16:creationId xmlns:a16="http://schemas.microsoft.com/office/drawing/2014/main" id="{625BDACB-E34D-427C-8DFC-BED70BF4041C}"/>
+              </a:ext>
+            </a:extLst>
+          </p:cNvPr>
+          <p:cNvSpPr>
+            <a:spLocks noGrp="1"/>
+          </p:cNvSpPr>
+          <p:nvPr>
+            <p:ph type="ftr" sz="quarter" idx="3"/>
+          </p:nvPr>
+        </p:nvSpPr>
+        <p:spPr/>
+        <p:txBody>
+          <a:bodyPr/>
+          <a:lstStyle/>
+          <a:p>
+            <a:r>
+              <a:rPr lang="en-US"/>
+              <a:t>Core OSINT: Tracking and Reporting All the Things (Defcon Recon Village 2018) - Webbreacher.com</a:t>
+            </a:r>
+            <a:endParaRPr lang="en-US" dirty="0"/>
+          </a:p>
+        </p:txBody>
+      </p:sp>
+      <p:sp>
+        <p:nvSpPr>
+          <p:cNvPr id="6" name="TextBox 5">
+            <a:extLst>
+              <a:ext uri="{FF2B5EF4-FFF2-40B4-BE49-F238E27FC236}">
+                <a16:creationId xmlns:a16="http://schemas.microsoft.com/office/drawing/2014/main" id="{C452079F-CA80-4DC1-A2AD-6A9DE399FA74}"/>
+              </a:ext>
+            </a:extLst>
+          </p:cNvPr>
+          <p:cNvSpPr txBox="1"/>
+          <p:nvPr/>
+        </p:nvSpPr>
+        <p:spPr>
+          <a:xfrm>
+            <a:off x="388880" y="1685936"/>
+            <a:ext cx="10964919" cy="2585323"/>
+          </a:xfrm>
+          <a:prstGeom prst="rect">
+            <a:avLst/>
+          </a:prstGeom>
+          <a:noFill/>
+          <a:ln>
+            <a:noFill/>
+          </a:ln>
+        </p:spPr>
+        <p:txBody>
+          <a:bodyPr wrap="square" rtlCol="0">
+            <a:spAutoFit/>
+          </a:bodyPr>
+          <a:lstStyle/>
+          <a:p>
+            <a:pPr marL="1143000" indent="-1143000">
+              <a:buFont typeface="Arial" panose="020B0604020202020204" pitchFamily="34" charset="0"/>
+              <a:buChar char="•"/>
+            </a:pPr>
+            <a:r>
+              <a:rPr lang="en-US" sz="5400" dirty="0">
+                <a:latin typeface="Georgia" panose="02040502050405020303" pitchFamily="18" charset="0"/>
+              </a:rPr>
+              <a:t>Reporting is good but not great</a:t>
+            </a:r>
+          </a:p>
+          <a:p>
+            <a:pPr marL="1143000" indent="-1143000">
+              <a:buFont typeface="Arial" panose="020B0604020202020204" pitchFamily="34" charset="0"/>
+              <a:buChar char="•"/>
+            </a:pPr>
+            <a:r>
+              <a:rPr lang="en-US" sz="5400" dirty="0">
+                <a:latin typeface="Georgia" panose="02040502050405020303" pitchFamily="18" charset="0"/>
+              </a:rPr>
+              <a:t>Single-user</a:t>
+            </a:r>
+          </a:p>
+          <a:p>
+            <a:pPr marL="1143000" indent="-1143000">
+              <a:buFont typeface="Arial" panose="020B0604020202020204" pitchFamily="34" charset="0"/>
+              <a:buChar char="•"/>
+            </a:pPr>
+            <a:r>
+              <a:rPr lang="en-US" sz="5400" dirty="0">
+                <a:latin typeface="Georgia" panose="02040502050405020303" pitchFamily="18" charset="0"/>
+              </a:rPr>
+              <a:t>Google Chrome-only</a:t>
+            </a:r>
+          </a:p>
+        </p:txBody>
+      </p:sp>
+    </p:spTree>
+    <p:extLst>
+      <p:ext uri="{BB962C8B-B14F-4D97-AF65-F5344CB8AC3E}">
+        <p14:creationId xmlns:p14="http://schemas.microsoft.com/office/powerpoint/2010/main" val="1680396906"/>
+      </p:ext>
+    </p:extLst>
+  </p:cSld>
+  <p:clrMapOvr>
+    <a:masterClrMapping/>
+  </p:clrMapOvr>
+</p:sld>
+</file>
+
+<file path=ppt/slides/slide58.xml><?xml version="1.0" encoding="utf-8"?>
+<p:sld xmlns:a="http://schemas.openxmlformats.org/drawingml/2006/main" xmlns:r="http://schemas.openxmlformats.org/officeDocument/2006/relationships" xmlns:p="http://schemas.openxmlformats.org/presentationml/2006/main">
+  <p:cSld>
+    <p:spTree>
+      <p:nvGrpSpPr>
+        <p:cNvPr id="1" name=""/>
+        <p:cNvGrpSpPr/>
+        <p:nvPr/>
+      </p:nvGrpSpPr>
+      <p:grpSpPr>
+        <a:xfrm>
+          <a:off x="0" y="0"/>
+          <a:ext cx="0" cy="0"/>
+          <a:chOff x="0" y="0"/>
+          <a:chExt cx="0" cy="0"/>
+        </a:xfrm>
+      </p:grpSpPr>
+      <p:sp>
+        <p:nvSpPr>
+          <p:cNvPr id="2" name="Slide Number Placeholder 1"/>
+          <p:cNvSpPr>
+            <a:spLocks noGrp="1"/>
+          </p:cNvSpPr>
+          <p:nvPr>
+            <p:ph type="sldNum" sz="quarter" idx="4"/>
+          </p:nvPr>
+        </p:nvSpPr>
+        <p:spPr>
+          <a:xfrm>
+            <a:off x="9900458" y="6459785"/>
+            <a:ext cx="1312025" cy="365125"/>
+          </a:xfrm>
+        </p:spPr>
+        <p:txBody>
+          <a:bodyPr/>
+          <a:lstStyle/>
+          <a:p>
+            <a:fld id="{95C512E1-207F-4DA8-9E8B-046AC4C0F84D}" type="slidenum">
+              <a:rPr lang="en-US" smtClean="0"/>
+              <a:t>58</a:t>
+            </a:fld>
+            <a:endParaRPr lang="en-US" dirty="0"/>
+          </a:p>
+        </p:txBody>
+      </p:sp>
+      <p:sp>
+        <p:nvSpPr>
           <p:cNvPr id="5" name="TextBox 4"/>
           <p:cNvSpPr txBox="1"/>
           <p:nvPr/>
@@ -15796,420 +16029,6 @@
 </p:sld>
 </file>
 
-<file path=ppt/slides/slide57.xml><?xml version="1.0" encoding="utf-8"?>
-<p:sld xmlns:a="http://schemas.openxmlformats.org/drawingml/2006/main" xmlns:r="http://schemas.openxmlformats.org/officeDocument/2006/relationships" xmlns:p="http://schemas.openxmlformats.org/presentationml/2006/main">
-  <p:cSld>
-    <p:spTree>
-      <p:nvGrpSpPr>
-        <p:cNvPr id="1" name=""/>
-        <p:cNvGrpSpPr/>
-        <p:nvPr/>
-      </p:nvGrpSpPr>
-      <p:grpSpPr>
-        <a:xfrm>
-          <a:off x="0" y="0"/>
-          <a:ext cx="0" cy="0"/>
-          <a:chOff x="0" y="0"/>
-          <a:chExt cx="0" cy="0"/>
-        </a:xfrm>
-      </p:grpSpPr>
-      <p:sp>
-        <p:nvSpPr>
-          <p:cNvPr id="2" name="Slide Number Placeholder 1"/>
-          <p:cNvSpPr>
-            <a:spLocks noGrp="1"/>
-          </p:cNvSpPr>
-          <p:nvPr>
-            <p:ph type="sldNum" sz="quarter" idx="4"/>
-          </p:nvPr>
-        </p:nvSpPr>
-        <p:spPr>
-          <a:xfrm>
-            <a:off x="9900458" y="6459785"/>
-            <a:ext cx="1312025" cy="365125"/>
-          </a:xfrm>
-        </p:spPr>
-        <p:txBody>
-          <a:bodyPr/>
-          <a:lstStyle/>
-          <a:p>
-            <a:fld id="{95C512E1-207F-4DA8-9E8B-046AC4C0F84D}" type="slidenum">
-              <a:rPr lang="en-US" smtClean="0"/>
-              <a:t>57</a:t>
-            </a:fld>
-            <a:endParaRPr lang="en-US" dirty="0"/>
-          </a:p>
-        </p:txBody>
-      </p:sp>
-      <p:sp>
-        <p:nvSpPr>
-          <p:cNvPr id="5" name="TextBox 4"/>
-          <p:cNvSpPr txBox="1"/>
-          <p:nvPr/>
-        </p:nvSpPr>
-        <p:spPr>
-          <a:xfrm>
-            <a:off x="388881" y="201685"/>
-            <a:ext cx="11445765" cy="1323439"/>
-          </a:xfrm>
-          <a:prstGeom prst="rect">
-            <a:avLst/>
-          </a:prstGeom>
-          <a:noFill/>
-        </p:spPr>
-        <p:txBody>
-          <a:bodyPr wrap="square" rtlCol="0">
-            <a:spAutoFit/>
-          </a:bodyPr>
-          <a:lstStyle/>
-          <a:p>
-            <a:r>
-              <a:rPr lang="en-US" sz="8000" dirty="0">
-                <a:latin typeface="Georgia" panose="02040502050405020303" pitchFamily="18" charset="0"/>
-              </a:rPr>
-              <a:t>If you know:</a:t>
-            </a:r>
-          </a:p>
-        </p:txBody>
-      </p:sp>
-      <p:sp>
-        <p:nvSpPr>
-          <p:cNvPr id="3" name="Footer Placeholder 2">
-            <a:extLst>
-              <a:ext uri="{FF2B5EF4-FFF2-40B4-BE49-F238E27FC236}">
-                <a16:creationId xmlns:a16="http://schemas.microsoft.com/office/drawing/2014/main" id="{625BDACB-E34D-427C-8DFC-BED70BF4041C}"/>
-              </a:ext>
-            </a:extLst>
-          </p:cNvPr>
-          <p:cNvSpPr>
-            <a:spLocks noGrp="1"/>
-          </p:cNvSpPr>
-          <p:nvPr>
-            <p:ph type="ftr" sz="quarter" idx="3"/>
-          </p:nvPr>
-        </p:nvSpPr>
-        <p:spPr/>
-        <p:txBody>
-          <a:bodyPr/>
-          <a:lstStyle/>
-          <a:p>
-            <a:r>
-              <a:rPr lang="en-US"/>
-              <a:t>Core OSINT: Tracking and Reporting All the Things (Defcon Recon Village 2018) - Webbreacher.com</a:t>
-            </a:r>
-            <a:endParaRPr lang="en-US" dirty="0"/>
-          </a:p>
-        </p:txBody>
-      </p:sp>
-      <p:sp>
-        <p:nvSpPr>
-          <p:cNvPr id="6" name="TextBox 5">
-            <a:extLst>
-              <a:ext uri="{FF2B5EF4-FFF2-40B4-BE49-F238E27FC236}">
-                <a16:creationId xmlns:a16="http://schemas.microsoft.com/office/drawing/2014/main" id="{3F52FFA7-8EF9-4883-831F-825D0A853AFB}"/>
-              </a:ext>
-            </a:extLst>
-          </p:cNvPr>
-          <p:cNvSpPr txBox="1"/>
-          <p:nvPr/>
-        </p:nvSpPr>
-        <p:spPr>
-          <a:xfrm>
-            <a:off x="388881" y="1732086"/>
-            <a:ext cx="11445765" cy="3416320"/>
-          </a:xfrm>
-          <a:prstGeom prst="rect">
-            <a:avLst/>
-          </a:prstGeom>
-          <a:noFill/>
-        </p:spPr>
-        <p:txBody>
-          <a:bodyPr wrap="square" rtlCol="0">
-            <a:spAutoFit/>
-          </a:bodyPr>
-          <a:lstStyle/>
-          <a:p>
-            <a:pPr marL="1143000" indent="-1143000">
-              <a:buFont typeface="Arial" panose="020B0604020202020204" pitchFamily="34" charset="0"/>
-              <a:buChar char="•"/>
-            </a:pPr>
-            <a:r>
-              <a:rPr lang="en-US" sz="5400" b="1" dirty="0">
-                <a:latin typeface="Georgia" panose="02040502050405020303" pitchFamily="18" charset="0"/>
-              </a:rPr>
-              <a:t>Why</a:t>
-            </a:r>
-            <a:r>
-              <a:rPr lang="en-US" sz="5400" dirty="0">
-                <a:latin typeface="Georgia" panose="02040502050405020303" pitchFamily="18" charset="0"/>
-              </a:rPr>
-              <a:t> you are documenting</a:t>
-            </a:r>
-          </a:p>
-          <a:p>
-            <a:pPr marL="1143000" indent="-1143000">
-              <a:buFont typeface="Arial" panose="020B0604020202020204" pitchFamily="34" charset="0"/>
-              <a:buChar char="•"/>
-            </a:pPr>
-            <a:r>
-              <a:rPr lang="en-US" sz="5400" b="1" dirty="0">
-                <a:latin typeface="Georgia" panose="02040502050405020303" pitchFamily="18" charset="0"/>
-              </a:rPr>
-              <a:t>Where</a:t>
-            </a:r>
-            <a:r>
-              <a:rPr lang="en-US" sz="5400" dirty="0">
-                <a:latin typeface="Georgia" panose="02040502050405020303" pitchFamily="18" charset="0"/>
-              </a:rPr>
-              <a:t> you are documenting</a:t>
-            </a:r>
-          </a:p>
-          <a:p>
-            <a:pPr marL="1143000" indent="-1143000">
-              <a:buFont typeface="Arial" panose="020B0604020202020204" pitchFamily="34" charset="0"/>
-              <a:buChar char="•"/>
-            </a:pPr>
-            <a:r>
-              <a:rPr lang="en-US" sz="5400" b="1" dirty="0">
-                <a:latin typeface="Georgia" panose="02040502050405020303" pitchFamily="18" charset="0"/>
-              </a:rPr>
-              <a:t>Who</a:t>
-            </a:r>
-            <a:r>
-              <a:rPr lang="en-US" sz="5400" dirty="0">
-                <a:latin typeface="Georgia" panose="02040502050405020303" pitchFamily="18" charset="0"/>
-              </a:rPr>
-              <a:t> you are documenting </a:t>
-            </a:r>
-            <a:r>
-              <a:rPr lang="en-US" sz="5400" b="1" dirty="0">
-                <a:latin typeface="Georgia" panose="02040502050405020303" pitchFamily="18" charset="0"/>
-              </a:rPr>
-              <a:t>with</a:t>
-            </a:r>
-          </a:p>
-          <a:p>
-            <a:pPr marL="1143000" indent="-1143000">
-              <a:buFont typeface="Arial" panose="020B0604020202020204" pitchFamily="34" charset="0"/>
-              <a:buChar char="•"/>
-            </a:pPr>
-            <a:r>
-              <a:rPr lang="en-US" sz="5400" b="1" dirty="0">
-                <a:latin typeface="Georgia" panose="02040502050405020303" pitchFamily="18" charset="0"/>
-              </a:rPr>
-              <a:t>Who</a:t>
-            </a:r>
-            <a:r>
-              <a:rPr lang="en-US" sz="5400" dirty="0">
-                <a:latin typeface="Georgia" panose="02040502050405020303" pitchFamily="18" charset="0"/>
-              </a:rPr>
-              <a:t> you are documenting </a:t>
-            </a:r>
-            <a:r>
-              <a:rPr lang="en-US" sz="5400" b="1" dirty="0">
-                <a:latin typeface="Georgia" panose="02040502050405020303" pitchFamily="18" charset="0"/>
-              </a:rPr>
-              <a:t>for</a:t>
-            </a:r>
-          </a:p>
-        </p:txBody>
-      </p:sp>
-    </p:spTree>
-    <p:extLst>
-      <p:ext uri="{BB962C8B-B14F-4D97-AF65-F5344CB8AC3E}">
-        <p14:creationId xmlns:p14="http://schemas.microsoft.com/office/powerpoint/2010/main" val="2304550711"/>
-      </p:ext>
-    </p:extLst>
-  </p:cSld>
-  <p:clrMapOvr>
-    <a:masterClrMapping/>
-  </p:clrMapOvr>
-</p:sld>
-</file>
-
-<file path=ppt/slides/slide58.xml><?xml version="1.0" encoding="utf-8"?>
-<p:sld xmlns:a="http://schemas.openxmlformats.org/drawingml/2006/main" xmlns:r="http://schemas.openxmlformats.org/officeDocument/2006/relationships" xmlns:p="http://schemas.openxmlformats.org/presentationml/2006/main">
-  <p:cSld>
-    <p:spTree>
-      <p:nvGrpSpPr>
-        <p:cNvPr id="1" name=""/>
-        <p:cNvGrpSpPr/>
-        <p:nvPr/>
-      </p:nvGrpSpPr>
-      <p:grpSpPr>
-        <a:xfrm>
-          <a:off x="0" y="0"/>
-          <a:ext cx="0" cy="0"/>
-          <a:chOff x="0" y="0"/>
-          <a:chExt cx="0" cy="0"/>
-        </a:xfrm>
-      </p:grpSpPr>
-      <p:sp>
-        <p:nvSpPr>
-          <p:cNvPr id="2" name="Slide Number Placeholder 1"/>
-          <p:cNvSpPr>
-            <a:spLocks noGrp="1"/>
-          </p:cNvSpPr>
-          <p:nvPr>
-            <p:ph type="sldNum" sz="quarter" idx="4"/>
-          </p:nvPr>
-        </p:nvSpPr>
-        <p:spPr>
-          <a:xfrm>
-            <a:off x="9900458" y="6459785"/>
-            <a:ext cx="1312025" cy="365125"/>
-          </a:xfrm>
-        </p:spPr>
-        <p:txBody>
-          <a:bodyPr/>
-          <a:lstStyle/>
-          <a:p>
-            <a:fld id="{95C512E1-207F-4DA8-9E8B-046AC4C0F84D}" type="slidenum">
-              <a:rPr lang="en-US" smtClean="0"/>
-              <a:t>58</a:t>
-            </a:fld>
-            <a:endParaRPr lang="en-US" dirty="0"/>
-          </a:p>
-        </p:txBody>
-      </p:sp>
-      <p:sp>
-        <p:nvSpPr>
-          <p:cNvPr id="5" name="TextBox 4"/>
-          <p:cNvSpPr txBox="1"/>
-          <p:nvPr/>
-        </p:nvSpPr>
-        <p:spPr>
-          <a:xfrm>
-            <a:off x="388881" y="201685"/>
-            <a:ext cx="11445765" cy="1323439"/>
-          </a:xfrm>
-          <a:prstGeom prst="rect">
-            <a:avLst/>
-          </a:prstGeom>
-          <a:noFill/>
-        </p:spPr>
-        <p:txBody>
-          <a:bodyPr wrap="square" rtlCol="0">
-            <a:spAutoFit/>
-          </a:bodyPr>
-          <a:lstStyle/>
-          <a:p>
-            <a:r>
-              <a:rPr lang="en-US" sz="8000" dirty="0">
-                <a:latin typeface="Georgia" panose="02040502050405020303" pitchFamily="18" charset="0"/>
-              </a:rPr>
-              <a:t>Then:</a:t>
-            </a:r>
-          </a:p>
-        </p:txBody>
-      </p:sp>
-      <p:sp>
-        <p:nvSpPr>
-          <p:cNvPr id="3" name="Footer Placeholder 2">
-            <a:extLst>
-              <a:ext uri="{FF2B5EF4-FFF2-40B4-BE49-F238E27FC236}">
-                <a16:creationId xmlns:a16="http://schemas.microsoft.com/office/drawing/2014/main" id="{625BDACB-E34D-427C-8DFC-BED70BF4041C}"/>
-              </a:ext>
-            </a:extLst>
-          </p:cNvPr>
-          <p:cNvSpPr>
-            <a:spLocks noGrp="1"/>
-          </p:cNvSpPr>
-          <p:nvPr>
-            <p:ph type="ftr" sz="quarter" idx="3"/>
-          </p:nvPr>
-        </p:nvSpPr>
-        <p:spPr/>
-        <p:txBody>
-          <a:bodyPr/>
-          <a:lstStyle/>
-          <a:p>
-            <a:r>
-              <a:rPr lang="en-US"/>
-              <a:t>Core OSINT: Tracking and Reporting All the Things (Defcon Recon Village 2018) - Webbreacher.com</a:t>
-            </a:r>
-            <a:endParaRPr lang="en-US" dirty="0"/>
-          </a:p>
-        </p:txBody>
-      </p:sp>
-      <p:sp>
-        <p:nvSpPr>
-          <p:cNvPr id="6" name="TextBox 5">
-            <a:extLst>
-              <a:ext uri="{FF2B5EF4-FFF2-40B4-BE49-F238E27FC236}">
-                <a16:creationId xmlns:a16="http://schemas.microsoft.com/office/drawing/2014/main" id="{3F52FFA7-8EF9-4883-831F-825D0A853AFB}"/>
-              </a:ext>
-            </a:extLst>
-          </p:cNvPr>
-          <p:cNvSpPr txBox="1"/>
-          <p:nvPr/>
-        </p:nvSpPr>
-        <p:spPr>
-          <a:xfrm>
-            <a:off x="388881" y="1732086"/>
-            <a:ext cx="11445765" cy="3416320"/>
-          </a:xfrm>
-          <a:prstGeom prst="rect">
-            <a:avLst/>
-          </a:prstGeom>
-          <a:noFill/>
-        </p:spPr>
-        <p:txBody>
-          <a:bodyPr wrap="square" rtlCol="0">
-            <a:spAutoFit/>
-          </a:bodyPr>
-          <a:lstStyle/>
-          <a:p>
-            <a:pPr marL="1143000" indent="-1143000">
-              <a:buFont typeface="Arial" panose="020B0604020202020204" pitchFamily="34" charset="0"/>
-              <a:buChar char="•"/>
-            </a:pPr>
-            <a:r>
-              <a:rPr lang="en-US" sz="5400" dirty="0">
-                <a:latin typeface="Georgia" panose="02040502050405020303" pitchFamily="18" charset="0"/>
-              </a:rPr>
-              <a:t>Find documenting tools that make things easier</a:t>
-            </a:r>
-          </a:p>
-          <a:p>
-            <a:pPr marL="1143000" indent="-1143000">
-              <a:buFont typeface="Arial" panose="020B0604020202020204" pitchFamily="34" charset="0"/>
-              <a:buChar char="•"/>
-            </a:pPr>
-            <a:r>
-              <a:rPr lang="en-US" sz="5400" dirty="0">
-                <a:latin typeface="Georgia" panose="02040502050405020303" pitchFamily="18" charset="0"/>
-              </a:rPr>
-              <a:t>And work how you/your team do</a:t>
-            </a:r>
-          </a:p>
-          <a:p>
-            <a:pPr marL="1143000" indent="-1143000">
-              <a:buFont typeface="Arial" panose="020B0604020202020204" pitchFamily="34" charset="0"/>
-              <a:buChar char="•"/>
-            </a:pPr>
-            <a:r>
-              <a:rPr lang="en-US" sz="5400" dirty="0">
-                <a:latin typeface="Georgia" panose="02040502050405020303" pitchFamily="18" charset="0"/>
-              </a:rPr>
-              <a:t>Many apps have trials or are free</a:t>
-            </a:r>
-          </a:p>
-        </p:txBody>
-      </p:sp>
-    </p:spTree>
-    <p:extLst>
-      <p:ext uri="{BB962C8B-B14F-4D97-AF65-F5344CB8AC3E}">
-        <p14:creationId xmlns:p14="http://schemas.microsoft.com/office/powerpoint/2010/main" val="2687860644"/>
-      </p:ext>
-    </p:extLst>
-  </p:cSld>
-  <p:clrMapOvr>
-    <a:masterClrMapping/>
-  </p:clrMapOvr>
-</p:sld>
-</file>
-
 <file path=ppt/slides/slide59.xml><?xml version="1.0" encoding="utf-8"?>
 <p:sld xmlns:a="http://schemas.openxmlformats.org/drawingml/2006/main" xmlns:r="http://schemas.openxmlformats.org/officeDocument/2006/relationships" xmlns:p="http://schemas.openxmlformats.org/presentationml/2006/main">
   <p:cSld>
@@ -16229,10 +16048,69 @@
       </p:grpSpPr>
       <p:sp>
         <p:nvSpPr>
-          <p:cNvPr id="2" name="Footer Placeholder 1">
+          <p:cNvPr id="2" name="Slide Number Placeholder 1"/>
+          <p:cNvSpPr>
+            <a:spLocks noGrp="1"/>
+          </p:cNvSpPr>
+          <p:nvPr>
+            <p:ph type="sldNum" sz="quarter" idx="4"/>
+          </p:nvPr>
+        </p:nvSpPr>
+        <p:spPr>
+          <a:xfrm>
+            <a:off x="9900458" y="6459785"/>
+            <a:ext cx="1312025" cy="365125"/>
+          </a:xfrm>
+        </p:spPr>
+        <p:txBody>
+          <a:bodyPr/>
+          <a:lstStyle/>
+          <a:p>
+            <a:fld id="{95C512E1-207F-4DA8-9E8B-046AC4C0F84D}" type="slidenum">
+              <a:rPr lang="en-US" smtClean="0"/>
+              <a:t>59</a:t>
+            </a:fld>
+            <a:endParaRPr lang="en-US" dirty="0"/>
+          </a:p>
+        </p:txBody>
+      </p:sp>
+      <p:sp>
+        <p:nvSpPr>
+          <p:cNvPr id="5" name="TextBox 4"/>
+          <p:cNvSpPr txBox="1"/>
+          <p:nvPr/>
+        </p:nvSpPr>
+        <p:spPr>
+          <a:xfrm>
+            <a:off x="388881" y="201685"/>
+            <a:ext cx="11445765" cy="1323439"/>
+          </a:xfrm>
+          <a:prstGeom prst="rect">
+            <a:avLst/>
+          </a:prstGeom>
+          <a:noFill/>
+        </p:spPr>
+        <p:txBody>
+          <a:bodyPr wrap="square" rtlCol="0">
+            <a:spAutoFit/>
+          </a:bodyPr>
+          <a:lstStyle/>
+          <a:p>
+            <a:r>
+              <a:rPr lang="en-US" sz="8000" dirty="0">
+                <a:latin typeface="Georgia" panose="02040502050405020303" pitchFamily="18" charset="0"/>
+              </a:rPr>
+              <a:t>If you know:</a:t>
+            </a:r>
+          </a:p>
+        </p:txBody>
+      </p:sp>
+      <p:sp>
+        <p:nvSpPr>
+          <p:cNvPr id="3" name="Footer Placeholder 2">
             <a:extLst>
               <a:ext uri="{FF2B5EF4-FFF2-40B4-BE49-F238E27FC236}">
-                <a16:creationId xmlns:a16="http://schemas.microsoft.com/office/drawing/2014/main" id="{FA5658E2-097C-4E81-8216-3F5BD8D5B3AA}"/>
+                <a16:creationId xmlns:a16="http://schemas.microsoft.com/office/drawing/2014/main" id="{625BDACB-E34D-427C-8DFC-BED70BF4041C}"/>
               </a:ext>
             </a:extLst>
           </p:cNvPr>
@@ -16258,79 +16136,10 @@
       </p:sp>
       <p:sp>
         <p:nvSpPr>
-          <p:cNvPr id="3" name="Slide Number Placeholder 2">
+          <p:cNvPr id="6" name="TextBox 5">
             <a:extLst>
               <a:ext uri="{FF2B5EF4-FFF2-40B4-BE49-F238E27FC236}">
-                <a16:creationId xmlns:a16="http://schemas.microsoft.com/office/drawing/2014/main" id="{F9F35768-AD40-4057-A36A-1C900C50CE2A}"/>
-              </a:ext>
-            </a:extLst>
-          </p:cNvPr>
-          <p:cNvSpPr>
-            <a:spLocks noGrp="1"/>
-          </p:cNvSpPr>
-          <p:nvPr>
-            <p:ph type="sldNum" sz="quarter" idx="4"/>
-          </p:nvPr>
-        </p:nvSpPr>
-        <p:spPr/>
-        <p:txBody>
-          <a:bodyPr/>
-          <a:lstStyle/>
-          <a:p>
-            <a:fld id="{95C512E1-207F-4DA8-9E8B-046AC4C0F84D}" type="slidenum">
-              <a:rPr lang="en-US" smtClean="0"/>
-              <a:pPr/>
-              <a:t>59</a:t>
-            </a:fld>
-            <a:r>
-              <a:rPr lang="en-US"/>
-              <a:t> </a:t>
-            </a:r>
-            <a:endParaRPr lang="en-US" dirty="0"/>
-          </a:p>
-        </p:txBody>
-      </p:sp>
-      <p:pic>
-        <p:nvPicPr>
-          <p:cNvPr id="4" name="Picture 3">
-            <a:extLst>
-              <a:ext uri="{FF2B5EF4-FFF2-40B4-BE49-F238E27FC236}">
-                <a16:creationId xmlns:a16="http://schemas.microsoft.com/office/drawing/2014/main" id="{39B8FFAA-EC83-4C58-A00C-E0B05FDD0C83}"/>
-              </a:ext>
-            </a:extLst>
-          </p:cNvPr>
-          <p:cNvPicPr>
-            <a:picLocks noChangeAspect="1"/>
-          </p:cNvPicPr>
-          <p:nvPr/>
-        </p:nvPicPr>
-        <p:blipFill>
-          <a:blip r:embed="rId2"/>
-          <a:stretch>
-            <a:fillRect/>
-          </a:stretch>
-        </p:blipFill>
-        <p:spPr>
-          <a:xfrm>
-            <a:off x="846774" y="1695792"/>
-            <a:ext cx="10025105" cy="3638071"/>
-          </a:xfrm>
-          <a:prstGeom prst="rect">
-            <a:avLst/>
-          </a:prstGeom>
-          <a:ln>
-            <a:solidFill>
-              <a:schemeClr val="tx1"/>
-            </a:solidFill>
-          </a:ln>
-        </p:spPr>
-      </p:pic>
-      <p:sp>
-        <p:nvSpPr>
-          <p:cNvPr id="8" name="TextBox 7">
-            <a:extLst>
-              <a:ext uri="{FF2B5EF4-FFF2-40B4-BE49-F238E27FC236}">
-                <a16:creationId xmlns:a16="http://schemas.microsoft.com/office/drawing/2014/main" id="{F0589DF4-DEBA-4424-B987-FABA4B6DC4AE}"/>
+                <a16:creationId xmlns:a16="http://schemas.microsoft.com/office/drawing/2014/main" id="{3F52FFA7-8EF9-4883-831F-825D0A853AFB}"/>
               </a:ext>
             </a:extLst>
           </p:cNvPr>
@@ -16339,8 +16148,8 @@
         </p:nvSpPr>
         <p:spPr>
           <a:xfrm>
-            <a:off x="388881" y="201685"/>
-            <a:ext cx="11445765" cy="1323439"/>
+            <a:off x="388881" y="1732086"/>
+            <a:ext cx="11445765" cy="3416320"/>
           </a:xfrm>
           <a:prstGeom prst="rect">
             <a:avLst/>
@@ -16353,11 +16162,87 @@
           </a:bodyPr>
           <a:lstStyle/>
           <a:p>
-            <a:r>
-              <a:rPr lang="en-US" sz="8000" dirty="0">
+            <a:pPr marL="1143000" indent="-1143000">
+              <a:buFont typeface="Arial" panose="020B0604020202020204" pitchFamily="34" charset="0"/>
+              <a:buChar char="•"/>
+            </a:pPr>
+            <a:r>
+              <a:rPr lang="en-US" sz="5400" b="1" dirty="0">
                 <a:latin typeface="Georgia" panose="02040502050405020303" pitchFamily="18" charset="0"/>
               </a:rPr>
-              <a:t>We can do better than…</a:t>
+              <a:t>Why</a:t>
+            </a:r>
+            <a:r>
+              <a:rPr lang="en-US" sz="5400" dirty="0">
+                <a:latin typeface="Georgia" panose="02040502050405020303" pitchFamily="18" charset="0"/>
+              </a:rPr>
+              <a:t> you are documenting</a:t>
+            </a:r>
+          </a:p>
+          <a:p>
+            <a:pPr marL="1143000" indent="-1143000">
+              <a:buFont typeface="Arial" panose="020B0604020202020204" pitchFamily="34" charset="0"/>
+              <a:buChar char="•"/>
+            </a:pPr>
+            <a:r>
+              <a:rPr lang="en-US" sz="5400" b="1" dirty="0">
+                <a:latin typeface="Georgia" panose="02040502050405020303" pitchFamily="18" charset="0"/>
+              </a:rPr>
+              <a:t>Where</a:t>
+            </a:r>
+            <a:r>
+              <a:rPr lang="en-US" sz="5400" dirty="0">
+                <a:latin typeface="Georgia" panose="02040502050405020303" pitchFamily="18" charset="0"/>
+              </a:rPr>
+              <a:t> you are documenting</a:t>
+            </a:r>
+          </a:p>
+          <a:p>
+            <a:pPr marL="1143000" indent="-1143000">
+              <a:buFont typeface="Arial" panose="020B0604020202020204" pitchFamily="34" charset="0"/>
+              <a:buChar char="•"/>
+            </a:pPr>
+            <a:r>
+              <a:rPr lang="en-US" sz="5400" b="1" dirty="0">
+                <a:latin typeface="Georgia" panose="02040502050405020303" pitchFamily="18" charset="0"/>
+              </a:rPr>
+              <a:t>Who</a:t>
+            </a:r>
+            <a:r>
+              <a:rPr lang="en-US" sz="5400" dirty="0">
+                <a:latin typeface="Georgia" panose="02040502050405020303" pitchFamily="18" charset="0"/>
+              </a:rPr>
+              <a:t> you are documenting </a:t>
+            </a:r>
+            <a:r>
+              <a:rPr lang="en-US" sz="5400" b="1" dirty="0">
+                <a:latin typeface="Georgia" panose="02040502050405020303" pitchFamily="18" charset="0"/>
+              </a:rPr>
+              <a:t>with</a:t>
+            </a:r>
+          </a:p>
+          <a:p>
+            <a:pPr marL="1143000" indent="-1143000">
+              <a:buFont typeface="Arial" panose="020B0604020202020204" pitchFamily="34" charset="0"/>
+              <a:buChar char="•"/>
+            </a:pPr>
+            <a:r>
+              <a:rPr lang="en-US" sz="5400" b="1" dirty="0">
+                <a:latin typeface="Georgia" panose="02040502050405020303" pitchFamily="18" charset="0"/>
+              </a:rPr>
+              <a:t>Who</a:t>
+            </a:r>
+            <a:r>
+              <a:rPr lang="en-US" sz="5400" dirty="0">
+                <a:latin typeface="Georgia" panose="02040502050405020303" pitchFamily="18" charset="0"/>
+              </a:rPr>
+              <a:t> you are documenting </a:t>
+            </a:r>
+            <a:r>
+              <a:rPr lang="en-US" sz="5400" b="1" dirty="0">
+                <a:latin typeface="Georgia" panose="02040502050405020303" pitchFamily="18" charset="0"/>
+              </a:rPr>
+              <a:t>for</a:t>
             </a:r>
           </a:p>
         </p:txBody>
@@ -16365,7 +16250,7 @@
     </p:spTree>
     <p:extLst>
       <p:ext uri="{BB962C8B-B14F-4D97-AF65-F5344CB8AC3E}">
-        <p14:creationId xmlns:p14="http://schemas.microsoft.com/office/powerpoint/2010/main" val="2617400764"/>
+        <p14:creationId xmlns:p14="http://schemas.microsoft.com/office/powerpoint/2010/main" val="2304550711"/>
       </p:ext>
     </p:extLst>
   </p:cSld>
@@ -16441,7 +16326,7 @@
           <p:nvPr>
             <p:extLst>
               <p:ext uri="{D42A27DB-BD31-4B8C-83A1-F6EECF244321}">
-                <p14:modId xmlns:p14="http://schemas.microsoft.com/office/powerpoint/2010/main" val="3561129912"/>
+                <p14:modId xmlns:p14="http://schemas.microsoft.com/office/powerpoint/2010/main" val="230324918"/>
               </p:ext>
             </p:extLst>
           </p:nvPr>
@@ -16555,10 +16440,69 @@
       </p:grpSpPr>
       <p:sp>
         <p:nvSpPr>
-          <p:cNvPr id="2" name="Footer Placeholder 1">
+          <p:cNvPr id="2" name="Slide Number Placeholder 1"/>
+          <p:cNvSpPr>
+            <a:spLocks noGrp="1"/>
+          </p:cNvSpPr>
+          <p:nvPr>
+            <p:ph type="sldNum" sz="quarter" idx="4"/>
+          </p:nvPr>
+        </p:nvSpPr>
+        <p:spPr>
+          <a:xfrm>
+            <a:off x="9900458" y="6459785"/>
+            <a:ext cx="1312025" cy="365125"/>
+          </a:xfrm>
+        </p:spPr>
+        <p:txBody>
+          <a:bodyPr/>
+          <a:lstStyle/>
+          <a:p>
+            <a:fld id="{95C512E1-207F-4DA8-9E8B-046AC4C0F84D}" type="slidenum">
+              <a:rPr lang="en-US" smtClean="0"/>
+              <a:t>60</a:t>
+            </a:fld>
+            <a:endParaRPr lang="en-US" dirty="0"/>
+          </a:p>
+        </p:txBody>
+      </p:sp>
+      <p:sp>
+        <p:nvSpPr>
+          <p:cNvPr id="5" name="TextBox 4"/>
+          <p:cNvSpPr txBox="1"/>
+          <p:nvPr/>
+        </p:nvSpPr>
+        <p:spPr>
+          <a:xfrm>
+            <a:off x="388881" y="201685"/>
+            <a:ext cx="11445765" cy="1323439"/>
+          </a:xfrm>
+          <a:prstGeom prst="rect">
+            <a:avLst/>
+          </a:prstGeom>
+          <a:noFill/>
+        </p:spPr>
+        <p:txBody>
+          <a:bodyPr wrap="square" rtlCol="0">
+            <a:spAutoFit/>
+          </a:bodyPr>
+          <a:lstStyle/>
+          <a:p>
+            <a:r>
+              <a:rPr lang="en-US" sz="8000" dirty="0">
+                <a:latin typeface="Georgia" panose="02040502050405020303" pitchFamily="18" charset="0"/>
+              </a:rPr>
+              <a:t>Then:</a:t>
+            </a:r>
+          </a:p>
+        </p:txBody>
+      </p:sp>
+      <p:sp>
+        <p:nvSpPr>
+          <p:cNvPr id="3" name="Footer Placeholder 2">
             <a:extLst>
               <a:ext uri="{FF2B5EF4-FFF2-40B4-BE49-F238E27FC236}">
-                <a16:creationId xmlns:a16="http://schemas.microsoft.com/office/drawing/2014/main" id="{FA5658E2-097C-4E81-8216-3F5BD8D5B3AA}"/>
+                <a16:creationId xmlns:a16="http://schemas.microsoft.com/office/drawing/2014/main" id="{625BDACB-E34D-427C-8DFC-BED70BF4041C}"/>
               </a:ext>
             </a:extLst>
           </p:cNvPr>
@@ -16584,113 +16528,10 @@
       </p:sp>
       <p:sp>
         <p:nvSpPr>
-          <p:cNvPr id="3" name="Slide Number Placeholder 2">
+          <p:cNvPr id="6" name="TextBox 5">
             <a:extLst>
               <a:ext uri="{FF2B5EF4-FFF2-40B4-BE49-F238E27FC236}">
-                <a16:creationId xmlns:a16="http://schemas.microsoft.com/office/drawing/2014/main" id="{F9F35768-AD40-4057-A36A-1C900C50CE2A}"/>
-              </a:ext>
-            </a:extLst>
-          </p:cNvPr>
-          <p:cNvSpPr>
-            <a:spLocks noGrp="1"/>
-          </p:cNvSpPr>
-          <p:nvPr>
-            <p:ph type="sldNum" sz="quarter" idx="4"/>
-          </p:nvPr>
-        </p:nvSpPr>
-        <p:spPr/>
-        <p:txBody>
-          <a:bodyPr/>
-          <a:lstStyle/>
-          <a:p>
-            <a:fld id="{95C512E1-207F-4DA8-9E8B-046AC4C0F84D}" type="slidenum">
-              <a:rPr lang="en-US" smtClean="0"/>
-              <a:pPr/>
-              <a:t>60</a:t>
-            </a:fld>
-            <a:r>
-              <a:rPr lang="en-US"/>
-              <a:t> </a:t>
-            </a:r>
-            <a:endParaRPr lang="en-US" dirty="0"/>
-          </a:p>
-        </p:txBody>
-      </p:sp>
-      <p:pic>
-        <p:nvPicPr>
-          <p:cNvPr id="6" name="Picture 5">
-            <a:extLst>
-              <a:ext uri="{FF2B5EF4-FFF2-40B4-BE49-F238E27FC236}">
-                <a16:creationId xmlns:a16="http://schemas.microsoft.com/office/drawing/2014/main" id="{91E22240-5CE1-4636-B8CB-DBD352C53B10}"/>
-              </a:ext>
-            </a:extLst>
-          </p:cNvPr>
-          <p:cNvPicPr>
-            <a:picLocks noChangeAspect="1"/>
-          </p:cNvPicPr>
-          <p:nvPr/>
-        </p:nvPicPr>
-        <p:blipFill rotWithShape="1">
-          <a:blip r:embed="rId2"/>
-          <a:srcRect l="3303" t="64681" r="34187"/>
-          <a:stretch/>
-        </p:blipFill>
-        <p:spPr>
-          <a:xfrm>
-            <a:off x="558008" y="2848563"/>
-            <a:ext cx="8790273" cy="3265813"/>
-          </a:xfrm>
-          <a:prstGeom prst="rect">
-            <a:avLst/>
-          </a:prstGeom>
-          <a:ln>
-            <a:solidFill>
-              <a:schemeClr val="tx1"/>
-            </a:solidFill>
-          </a:ln>
-        </p:spPr>
-      </p:pic>
-      <p:pic>
-        <p:nvPicPr>
-          <p:cNvPr id="5" name="Picture 4">
-            <a:extLst>
-              <a:ext uri="{FF2B5EF4-FFF2-40B4-BE49-F238E27FC236}">
-                <a16:creationId xmlns:a16="http://schemas.microsoft.com/office/drawing/2014/main" id="{4546C97D-6371-4049-801D-8ABA82513893}"/>
-              </a:ext>
-            </a:extLst>
-          </p:cNvPr>
-          <p:cNvPicPr>
-            <a:picLocks noChangeAspect="1"/>
-          </p:cNvPicPr>
-          <p:nvPr/>
-        </p:nvPicPr>
-        <p:blipFill>
-          <a:blip r:embed="rId3"/>
-          <a:stretch>
-            <a:fillRect/>
-          </a:stretch>
-        </p:blipFill>
-        <p:spPr>
-          <a:xfrm>
-            <a:off x="4435813" y="1525124"/>
-            <a:ext cx="7197598" cy="2533914"/>
-          </a:xfrm>
-          <a:prstGeom prst="rect">
-            <a:avLst/>
-          </a:prstGeom>
-          <a:ln>
-            <a:solidFill>
-              <a:schemeClr val="tx1"/>
-            </a:solidFill>
-          </a:ln>
-        </p:spPr>
-      </p:pic>
-      <p:sp>
-        <p:nvSpPr>
-          <p:cNvPr id="7" name="TextBox 6">
-            <a:extLst>
-              <a:ext uri="{FF2B5EF4-FFF2-40B4-BE49-F238E27FC236}">
-                <a16:creationId xmlns:a16="http://schemas.microsoft.com/office/drawing/2014/main" id="{A3A315F3-B77B-496F-A469-D2E2BFBD8152}"/>
+                <a16:creationId xmlns:a16="http://schemas.microsoft.com/office/drawing/2014/main" id="{3F52FFA7-8EF9-4883-831F-825D0A853AFB}"/>
               </a:ext>
             </a:extLst>
           </p:cNvPr>
@@ -16699,8 +16540,8 @@
         </p:nvSpPr>
         <p:spPr>
           <a:xfrm>
-            <a:off x="388881" y="201685"/>
-            <a:ext cx="11445765" cy="1323439"/>
+            <a:off x="388881" y="1732086"/>
+            <a:ext cx="11445765" cy="3416320"/>
           </a:xfrm>
           <a:prstGeom prst="rect">
             <a:avLst/>
@@ -16713,11 +16554,39 @@
           </a:bodyPr>
           <a:lstStyle/>
           <a:p>
-            <a:r>
-              <a:rPr lang="en-US" sz="8000" dirty="0">
+            <a:pPr marL="1143000" indent="-1143000">
+              <a:buFont typeface="Arial" panose="020B0604020202020204" pitchFamily="34" charset="0"/>
+              <a:buChar char="•"/>
+            </a:pPr>
+            <a:r>
+              <a:rPr lang="en-US" sz="5400" dirty="0">
                 <a:latin typeface="Georgia" panose="02040502050405020303" pitchFamily="18" charset="0"/>
               </a:rPr>
-              <a:t>We have the tools</a:t>
+              <a:t>Find documenting tools that make things easier</a:t>
+            </a:r>
+          </a:p>
+          <a:p>
+            <a:pPr marL="1143000" indent="-1143000">
+              <a:buFont typeface="Arial" panose="020B0604020202020204" pitchFamily="34" charset="0"/>
+              <a:buChar char="•"/>
+            </a:pPr>
+            <a:r>
+              <a:rPr lang="en-US" sz="5400" dirty="0">
+                <a:latin typeface="Georgia" panose="02040502050405020303" pitchFamily="18" charset="0"/>
+              </a:rPr>
+              <a:t>And work how you/your team do</a:t>
+            </a:r>
+          </a:p>
+          <a:p>
+            <a:pPr marL="1143000" indent="-1143000">
+              <a:buFont typeface="Arial" panose="020B0604020202020204" pitchFamily="34" charset="0"/>
+              <a:buChar char="•"/>
+            </a:pPr>
+            <a:r>
+              <a:rPr lang="en-US" sz="5400" dirty="0">
+                <a:latin typeface="Georgia" panose="02040502050405020303" pitchFamily="18" charset="0"/>
+              </a:rPr>
+              <a:t>Many apps have trials or are free</a:t>
             </a:r>
           </a:p>
         </p:txBody>
@@ -16725,7 +16594,7 @@
     </p:spTree>
     <p:extLst>
       <p:ext uri="{BB962C8B-B14F-4D97-AF65-F5344CB8AC3E}">
-        <p14:creationId xmlns:p14="http://schemas.microsoft.com/office/powerpoint/2010/main" val="3823212316"/>
+        <p14:creationId xmlns:p14="http://schemas.microsoft.com/office/powerpoint/2010/main" val="2687860644"/>
       </p:ext>
     </p:extLst>
   </p:cSld>
@@ -16754,6 +16623,370 @@
       </p:grpSpPr>
       <p:sp>
         <p:nvSpPr>
+          <p:cNvPr id="2" name="Footer Placeholder 1">
+            <a:extLst>
+              <a:ext uri="{FF2B5EF4-FFF2-40B4-BE49-F238E27FC236}">
+                <a16:creationId xmlns:a16="http://schemas.microsoft.com/office/drawing/2014/main" id="{FA5658E2-097C-4E81-8216-3F5BD8D5B3AA}"/>
+              </a:ext>
+            </a:extLst>
+          </p:cNvPr>
+          <p:cNvSpPr>
+            <a:spLocks noGrp="1"/>
+          </p:cNvSpPr>
+          <p:nvPr>
+            <p:ph type="ftr" sz="quarter" idx="3"/>
+          </p:nvPr>
+        </p:nvSpPr>
+        <p:spPr/>
+        <p:txBody>
+          <a:bodyPr/>
+          <a:lstStyle/>
+          <a:p>
+            <a:r>
+              <a:rPr lang="en-US"/>
+              <a:t>Core OSINT: Tracking and Reporting All the Things (Defcon Recon Village 2018) - Webbreacher.com</a:t>
+            </a:r>
+            <a:endParaRPr lang="en-US" dirty="0"/>
+          </a:p>
+        </p:txBody>
+      </p:sp>
+      <p:sp>
+        <p:nvSpPr>
+          <p:cNvPr id="3" name="Slide Number Placeholder 2">
+            <a:extLst>
+              <a:ext uri="{FF2B5EF4-FFF2-40B4-BE49-F238E27FC236}">
+                <a16:creationId xmlns:a16="http://schemas.microsoft.com/office/drawing/2014/main" id="{F9F35768-AD40-4057-A36A-1C900C50CE2A}"/>
+              </a:ext>
+            </a:extLst>
+          </p:cNvPr>
+          <p:cNvSpPr>
+            <a:spLocks noGrp="1"/>
+          </p:cNvSpPr>
+          <p:nvPr>
+            <p:ph type="sldNum" sz="quarter" idx="4"/>
+          </p:nvPr>
+        </p:nvSpPr>
+        <p:spPr/>
+        <p:txBody>
+          <a:bodyPr/>
+          <a:lstStyle/>
+          <a:p>
+            <a:fld id="{95C512E1-207F-4DA8-9E8B-046AC4C0F84D}" type="slidenum">
+              <a:rPr lang="en-US" smtClean="0"/>
+              <a:pPr/>
+              <a:t>61</a:t>
+            </a:fld>
+            <a:r>
+              <a:rPr lang="en-US"/>
+              <a:t> </a:t>
+            </a:r>
+            <a:endParaRPr lang="en-US" dirty="0"/>
+          </a:p>
+        </p:txBody>
+      </p:sp>
+      <p:pic>
+        <p:nvPicPr>
+          <p:cNvPr id="4" name="Picture 3">
+            <a:extLst>
+              <a:ext uri="{FF2B5EF4-FFF2-40B4-BE49-F238E27FC236}">
+                <a16:creationId xmlns:a16="http://schemas.microsoft.com/office/drawing/2014/main" id="{39B8FFAA-EC83-4C58-A00C-E0B05FDD0C83}"/>
+              </a:ext>
+            </a:extLst>
+          </p:cNvPr>
+          <p:cNvPicPr>
+            <a:picLocks noChangeAspect="1"/>
+          </p:cNvPicPr>
+          <p:nvPr/>
+        </p:nvPicPr>
+        <p:blipFill>
+          <a:blip r:embed="rId2"/>
+          <a:stretch>
+            <a:fillRect/>
+          </a:stretch>
+        </p:blipFill>
+        <p:spPr>
+          <a:xfrm>
+            <a:off x="846774" y="1695792"/>
+            <a:ext cx="10025105" cy="3638071"/>
+          </a:xfrm>
+          <a:prstGeom prst="rect">
+            <a:avLst/>
+          </a:prstGeom>
+          <a:ln>
+            <a:solidFill>
+              <a:schemeClr val="tx1"/>
+            </a:solidFill>
+          </a:ln>
+        </p:spPr>
+      </p:pic>
+      <p:sp>
+        <p:nvSpPr>
+          <p:cNvPr id="8" name="TextBox 7">
+            <a:extLst>
+              <a:ext uri="{FF2B5EF4-FFF2-40B4-BE49-F238E27FC236}">
+                <a16:creationId xmlns:a16="http://schemas.microsoft.com/office/drawing/2014/main" id="{F0589DF4-DEBA-4424-B987-FABA4B6DC4AE}"/>
+              </a:ext>
+            </a:extLst>
+          </p:cNvPr>
+          <p:cNvSpPr txBox="1"/>
+          <p:nvPr/>
+        </p:nvSpPr>
+        <p:spPr>
+          <a:xfrm>
+            <a:off x="388881" y="201685"/>
+            <a:ext cx="11445765" cy="1323439"/>
+          </a:xfrm>
+          <a:prstGeom prst="rect">
+            <a:avLst/>
+          </a:prstGeom>
+          <a:noFill/>
+        </p:spPr>
+        <p:txBody>
+          <a:bodyPr wrap="square" rtlCol="0">
+            <a:spAutoFit/>
+          </a:bodyPr>
+          <a:lstStyle/>
+          <a:p>
+            <a:r>
+              <a:rPr lang="en-US" sz="8000" dirty="0">
+                <a:latin typeface="Georgia" panose="02040502050405020303" pitchFamily="18" charset="0"/>
+              </a:rPr>
+              <a:t>We can do better than…</a:t>
+            </a:r>
+          </a:p>
+        </p:txBody>
+      </p:sp>
+    </p:spTree>
+    <p:extLst>
+      <p:ext uri="{BB962C8B-B14F-4D97-AF65-F5344CB8AC3E}">
+        <p14:creationId xmlns:p14="http://schemas.microsoft.com/office/powerpoint/2010/main" val="2617400764"/>
+      </p:ext>
+    </p:extLst>
+  </p:cSld>
+  <p:clrMapOvr>
+    <a:masterClrMapping/>
+  </p:clrMapOvr>
+</p:sld>
+</file>
+
+<file path=ppt/slides/slide62.xml><?xml version="1.0" encoding="utf-8"?>
+<p:sld xmlns:a="http://schemas.openxmlformats.org/drawingml/2006/main" xmlns:r="http://schemas.openxmlformats.org/officeDocument/2006/relationships" xmlns:p="http://schemas.openxmlformats.org/presentationml/2006/main">
+  <p:cSld>
+    <p:spTree>
+      <p:nvGrpSpPr>
+        <p:cNvPr id="1" name=""/>
+        <p:cNvGrpSpPr/>
+        <p:nvPr/>
+      </p:nvGrpSpPr>
+      <p:grpSpPr>
+        <a:xfrm>
+          <a:off x="0" y="0"/>
+          <a:ext cx="0" cy="0"/>
+          <a:chOff x="0" y="0"/>
+          <a:chExt cx="0" cy="0"/>
+        </a:xfrm>
+      </p:grpSpPr>
+      <p:sp>
+        <p:nvSpPr>
+          <p:cNvPr id="2" name="Footer Placeholder 1">
+            <a:extLst>
+              <a:ext uri="{FF2B5EF4-FFF2-40B4-BE49-F238E27FC236}">
+                <a16:creationId xmlns:a16="http://schemas.microsoft.com/office/drawing/2014/main" id="{FA5658E2-097C-4E81-8216-3F5BD8D5B3AA}"/>
+              </a:ext>
+            </a:extLst>
+          </p:cNvPr>
+          <p:cNvSpPr>
+            <a:spLocks noGrp="1"/>
+          </p:cNvSpPr>
+          <p:nvPr>
+            <p:ph type="ftr" sz="quarter" idx="3"/>
+          </p:nvPr>
+        </p:nvSpPr>
+        <p:spPr/>
+        <p:txBody>
+          <a:bodyPr/>
+          <a:lstStyle/>
+          <a:p>
+            <a:r>
+              <a:rPr lang="en-US"/>
+              <a:t>Core OSINT: Tracking and Reporting All the Things (Defcon Recon Village 2018) - Webbreacher.com</a:t>
+            </a:r>
+            <a:endParaRPr lang="en-US" dirty="0"/>
+          </a:p>
+        </p:txBody>
+      </p:sp>
+      <p:sp>
+        <p:nvSpPr>
+          <p:cNvPr id="3" name="Slide Number Placeholder 2">
+            <a:extLst>
+              <a:ext uri="{FF2B5EF4-FFF2-40B4-BE49-F238E27FC236}">
+                <a16:creationId xmlns:a16="http://schemas.microsoft.com/office/drawing/2014/main" id="{F9F35768-AD40-4057-A36A-1C900C50CE2A}"/>
+              </a:ext>
+            </a:extLst>
+          </p:cNvPr>
+          <p:cNvSpPr>
+            <a:spLocks noGrp="1"/>
+          </p:cNvSpPr>
+          <p:nvPr>
+            <p:ph type="sldNum" sz="quarter" idx="4"/>
+          </p:nvPr>
+        </p:nvSpPr>
+        <p:spPr/>
+        <p:txBody>
+          <a:bodyPr/>
+          <a:lstStyle/>
+          <a:p>
+            <a:fld id="{95C512E1-207F-4DA8-9E8B-046AC4C0F84D}" type="slidenum">
+              <a:rPr lang="en-US" smtClean="0"/>
+              <a:pPr/>
+              <a:t>62</a:t>
+            </a:fld>
+            <a:r>
+              <a:rPr lang="en-US"/>
+              <a:t> </a:t>
+            </a:r>
+            <a:endParaRPr lang="en-US" dirty="0"/>
+          </a:p>
+        </p:txBody>
+      </p:sp>
+      <p:pic>
+        <p:nvPicPr>
+          <p:cNvPr id="6" name="Picture 5">
+            <a:extLst>
+              <a:ext uri="{FF2B5EF4-FFF2-40B4-BE49-F238E27FC236}">
+                <a16:creationId xmlns:a16="http://schemas.microsoft.com/office/drawing/2014/main" id="{91E22240-5CE1-4636-B8CB-DBD352C53B10}"/>
+              </a:ext>
+            </a:extLst>
+          </p:cNvPr>
+          <p:cNvPicPr>
+            <a:picLocks noChangeAspect="1"/>
+          </p:cNvPicPr>
+          <p:nvPr/>
+        </p:nvPicPr>
+        <p:blipFill rotWithShape="1">
+          <a:blip r:embed="rId2"/>
+          <a:srcRect l="3303" t="64681" r="34187"/>
+          <a:stretch/>
+        </p:blipFill>
+        <p:spPr>
+          <a:xfrm>
+            <a:off x="558008" y="2848563"/>
+            <a:ext cx="8790273" cy="3265813"/>
+          </a:xfrm>
+          <a:prstGeom prst="rect">
+            <a:avLst/>
+          </a:prstGeom>
+          <a:ln>
+            <a:solidFill>
+              <a:schemeClr val="tx1"/>
+            </a:solidFill>
+          </a:ln>
+        </p:spPr>
+      </p:pic>
+      <p:pic>
+        <p:nvPicPr>
+          <p:cNvPr id="5" name="Picture 4">
+            <a:extLst>
+              <a:ext uri="{FF2B5EF4-FFF2-40B4-BE49-F238E27FC236}">
+                <a16:creationId xmlns:a16="http://schemas.microsoft.com/office/drawing/2014/main" id="{4546C97D-6371-4049-801D-8ABA82513893}"/>
+              </a:ext>
+            </a:extLst>
+          </p:cNvPr>
+          <p:cNvPicPr>
+            <a:picLocks noChangeAspect="1"/>
+          </p:cNvPicPr>
+          <p:nvPr/>
+        </p:nvPicPr>
+        <p:blipFill>
+          <a:blip r:embed="rId3"/>
+          <a:stretch>
+            <a:fillRect/>
+          </a:stretch>
+        </p:blipFill>
+        <p:spPr>
+          <a:xfrm>
+            <a:off x="4435813" y="1525124"/>
+            <a:ext cx="7197598" cy="2533914"/>
+          </a:xfrm>
+          <a:prstGeom prst="rect">
+            <a:avLst/>
+          </a:prstGeom>
+          <a:ln>
+            <a:solidFill>
+              <a:schemeClr val="tx1"/>
+            </a:solidFill>
+          </a:ln>
+        </p:spPr>
+      </p:pic>
+      <p:sp>
+        <p:nvSpPr>
+          <p:cNvPr id="7" name="TextBox 6">
+            <a:extLst>
+              <a:ext uri="{FF2B5EF4-FFF2-40B4-BE49-F238E27FC236}">
+                <a16:creationId xmlns:a16="http://schemas.microsoft.com/office/drawing/2014/main" id="{A3A315F3-B77B-496F-A469-D2E2BFBD8152}"/>
+              </a:ext>
+            </a:extLst>
+          </p:cNvPr>
+          <p:cNvSpPr txBox="1"/>
+          <p:nvPr/>
+        </p:nvSpPr>
+        <p:spPr>
+          <a:xfrm>
+            <a:off x="388881" y="201685"/>
+            <a:ext cx="11445765" cy="1323439"/>
+          </a:xfrm>
+          <a:prstGeom prst="rect">
+            <a:avLst/>
+          </a:prstGeom>
+          <a:noFill/>
+        </p:spPr>
+        <p:txBody>
+          <a:bodyPr wrap="square" rtlCol="0">
+            <a:spAutoFit/>
+          </a:bodyPr>
+          <a:lstStyle/>
+          <a:p>
+            <a:r>
+              <a:rPr lang="en-US" sz="8000" dirty="0">
+                <a:latin typeface="Georgia" panose="02040502050405020303" pitchFamily="18" charset="0"/>
+              </a:rPr>
+              <a:t>We have the tools</a:t>
+            </a:r>
+          </a:p>
+        </p:txBody>
+      </p:sp>
+    </p:spTree>
+    <p:extLst>
+      <p:ext uri="{BB962C8B-B14F-4D97-AF65-F5344CB8AC3E}">
+        <p14:creationId xmlns:p14="http://schemas.microsoft.com/office/powerpoint/2010/main" val="3823212316"/>
+      </p:ext>
+    </p:extLst>
+  </p:cSld>
+  <p:clrMapOvr>
+    <a:masterClrMapping/>
+  </p:clrMapOvr>
+</p:sld>
+</file>
+
+<file path=ppt/slides/slide63.xml><?xml version="1.0" encoding="utf-8"?>
+<p:sld xmlns:a="http://schemas.openxmlformats.org/drawingml/2006/main" xmlns:r="http://schemas.openxmlformats.org/officeDocument/2006/relationships" xmlns:p="http://schemas.openxmlformats.org/presentationml/2006/main">
+  <p:cSld>
+    <p:spTree>
+      <p:nvGrpSpPr>
+        <p:cNvPr id="1" name=""/>
+        <p:cNvGrpSpPr/>
+        <p:nvPr/>
+      </p:nvGrpSpPr>
+      <p:grpSpPr>
+        <a:xfrm>
+          <a:off x="0" y="0"/>
+          <a:ext cx="0" cy="0"/>
+          <a:chOff x="0" y="0"/>
+          <a:chExt cx="0" cy="0"/>
+        </a:xfrm>
+      </p:grpSpPr>
+      <p:sp>
+        <p:nvSpPr>
           <p:cNvPr id="8" name="Rectangle 7"/>
           <p:cNvSpPr/>
           <p:nvPr/>
@@ -16825,7 +17058,7 @@
           <a:p>
             <a:fld id="{95C512E1-207F-4DA8-9E8B-046AC4C0F84D}" type="slidenum">
               <a:rPr lang="en-US" sz="1200" smtClean="0"/>
-              <a:t>61</a:t>
+              <a:t>63</a:t>
             </a:fld>
             <a:endParaRPr lang="en-US" sz="1200" dirty="0"/>
           </a:p>
